--- a/lectures/j2ee. Lecture 1.pptx
+++ b/lectures/j2ee. Lecture 1.pptx
@@ -18,6 +18,16 @@
     <p:sldId id="277" r:id="rId12"/>
     <p:sldId id="278" r:id="rId13"/>
     <p:sldId id="279" r:id="rId14"/>
+    <p:sldId id="280" r:id="rId15"/>
+    <p:sldId id="281" r:id="rId16"/>
+    <p:sldId id="282" r:id="rId17"/>
+    <p:sldId id="283" r:id="rId18"/>
+    <p:sldId id="284" r:id="rId19"/>
+    <p:sldId id="285" r:id="rId20"/>
+    <p:sldId id="286" r:id="rId21"/>
+    <p:sldId id="287" r:id="rId22"/>
+    <p:sldId id="288" r:id="rId23"/>
+    <p:sldId id="289" r:id="rId24"/>
   </p:sldIdLst>
   <p:sldSz cx="9144000" cy="6858000" type="screen4x3"/>
   <p:notesSz cx="6858000" cy="9144000"/>
@@ -301,7 +311,7 @@
             <a:fld id="{04794622-6F41-4D08-898D-573420FBC607}" type="datetimeFigureOut">
               <a:rPr lang="ru-RU" smtClean="0"/>
               <a:pPr/>
-              <a:t>02.10.2013</a:t>
+              <a:t>07.10.2013</a:t>
             </a:fld>
             <a:endParaRPr lang="ru-RU"/>
           </a:p>
@@ -468,7 +478,7 @@
             <a:fld id="{04794622-6F41-4D08-898D-573420FBC607}" type="datetimeFigureOut">
               <a:rPr lang="ru-RU" smtClean="0"/>
               <a:pPr/>
-              <a:t>02.10.2013</a:t>
+              <a:t>07.10.2013</a:t>
             </a:fld>
             <a:endParaRPr lang="ru-RU"/>
           </a:p>
@@ -645,7 +655,7 @@
             <a:fld id="{04794622-6F41-4D08-898D-573420FBC607}" type="datetimeFigureOut">
               <a:rPr lang="ru-RU" smtClean="0"/>
               <a:pPr/>
-              <a:t>02.10.2013</a:t>
+              <a:t>07.10.2013</a:t>
             </a:fld>
             <a:endParaRPr lang="ru-RU"/>
           </a:p>
@@ -812,7 +822,7 @@
             <a:fld id="{04794622-6F41-4D08-898D-573420FBC607}" type="datetimeFigureOut">
               <a:rPr lang="ru-RU" smtClean="0"/>
               <a:pPr/>
-              <a:t>02.10.2013</a:t>
+              <a:t>07.10.2013</a:t>
             </a:fld>
             <a:endParaRPr lang="ru-RU"/>
           </a:p>
@@ -1055,7 +1065,7 @@
             <a:fld id="{04794622-6F41-4D08-898D-573420FBC607}" type="datetimeFigureOut">
               <a:rPr lang="ru-RU" smtClean="0"/>
               <a:pPr/>
-              <a:t>02.10.2013</a:t>
+              <a:t>07.10.2013</a:t>
             </a:fld>
             <a:endParaRPr lang="ru-RU"/>
           </a:p>
@@ -1340,7 +1350,7 @@
             <a:fld id="{04794622-6F41-4D08-898D-573420FBC607}" type="datetimeFigureOut">
               <a:rPr lang="ru-RU" smtClean="0"/>
               <a:pPr/>
-              <a:t>02.10.2013</a:t>
+              <a:t>07.10.2013</a:t>
             </a:fld>
             <a:endParaRPr lang="ru-RU"/>
           </a:p>
@@ -1759,7 +1769,7 @@
             <a:fld id="{04794622-6F41-4D08-898D-573420FBC607}" type="datetimeFigureOut">
               <a:rPr lang="ru-RU" smtClean="0"/>
               <a:pPr/>
-              <a:t>02.10.2013</a:t>
+              <a:t>07.10.2013</a:t>
             </a:fld>
             <a:endParaRPr lang="ru-RU"/>
           </a:p>
@@ -1874,7 +1884,7 @@
             <a:fld id="{04794622-6F41-4D08-898D-573420FBC607}" type="datetimeFigureOut">
               <a:rPr lang="ru-RU" smtClean="0"/>
               <a:pPr/>
-              <a:t>02.10.2013</a:t>
+              <a:t>07.10.2013</a:t>
             </a:fld>
             <a:endParaRPr lang="ru-RU"/>
           </a:p>
@@ -1966,7 +1976,7 @@
             <a:fld id="{04794622-6F41-4D08-898D-573420FBC607}" type="datetimeFigureOut">
               <a:rPr lang="ru-RU" smtClean="0"/>
               <a:pPr/>
-              <a:t>02.10.2013</a:t>
+              <a:t>07.10.2013</a:t>
             </a:fld>
             <a:endParaRPr lang="ru-RU"/>
           </a:p>
@@ -2240,7 +2250,7 @@
             <a:fld id="{04794622-6F41-4D08-898D-573420FBC607}" type="datetimeFigureOut">
               <a:rPr lang="ru-RU" smtClean="0"/>
               <a:pPr/>
-              <a:t>02.10.2013</a:t>
+              <a:t>07.10.2013</a:t>
             </a:fld>
             <a:endParaRPr lang="ru-RU"/>
           </a:p>
@@ -2490,7 +2500,7 @@
             <a:fld id="{04794622-6F41-4D08-898D-573420FBC607}" type="datetimeFigureOut">
               <a:rPr lang="ru-RU" smtClean="0"/>
               <a:pPr/>
-              <a:t>02.10.2013</a:t>
+              <a:t>07.10.2013</a:t>
             </a:fld>
             <a:endParaRPr lang="ru-RU"/>
           </a:p>
@@ -2700,7 +2710,7 @@
             <a:fld id="{04794622-6F41-4D08-898D-573420FBC607}" type="datetimeFigureOut">
               <a:rPr lang="ru-RU" smtClean="0"/>
               <a:pPr/>
-              <a:t>02.10.2013</a:t>
+              <a:t>07.10.2013</a:t>
             </a:fld>
             <a:endParaRPr lang="ru-RU"/>
           </a:p>
@@ -3694,14 +3704,6 @@
               </a:rPr>
               <a:t>…</a:t>
             </a:r>
-            <a:endParaRPr lang="ru-RU" dirty="0" smtClean="0">
-              <a:solidFill>
-                <a:schemeClr val="tx1">
-                  <a:lumMod val="85000"/>
-                  <a:lumOff val="15000"/>
-                </a:schemeClr>
-              </a:solidFill>
-            </a:endParaRPr>
           </a:p>
         </p:txBody>
       </p:sp>
@@ -3876,7 +3878,7 @@
         <p:spPr>
           <a:xfrm>
             <a:off x="428596" y="1000108"/>
-            <a:ext cx="8286808" cy="5909310"/>
+            <a:ext cx="8286808" cy="4801314"/>
           </a:xfrm>
           <a:prstGeom prst="rect">
             <a:avLst/>
@@ -4110,108 +4112,37 @@
                 </a:schemeClr>
               </a:buClr>
             </a:pPr>
+            <a:endParaRPr lang="en-US" dirty="0" smtClean="0"/>
+          </a:p>
+          <a:p>
+            <a:pPr>
+              <a:buClr>
+                <a:schemeClr val="tx1">
+                  <a:lumMod val="85000"/>
+                  <a:lumOff val="15000"/>
+                </a:schemeClr>
+              </a:buClr>
+            </a:pPr>
             <a:r>
               <a:rPr lang="ru-RU" dirty="0" smtClean="0"/>
-              <a:t>Тем самым мы абстрагируемся от деталей реализации конкретных модулей, что приводит нас к первому из двух принципов </a:t>
-            </a:r>
-            <a:r>
-              <a:rPr lang="en-US" dirty="0" err="1" smtClean="0"/>
-              <a:t>IoC</a:t>
-            </a:r>
-            <a:r>
-              <a:rPr lang="en-US" dirty="0" smtClean="0"/>
-              <a:t>:</a:t>
-            </a:r>
-          </a:p>
-          <a:p>
-            <a:pPr>
-              <a:buClr>
-                <a:schemeClr val="tx1">
-                  <a:lumMod val="85000"/>
-                  <a:lumOff val="15000"/>
-                </a:schemeClr>
-              </a:buClr>
-            </a:pPr>
-            <a:endParaRPr lang="en-US" dirty="0"/>
-          </a:p>
-          <a:p>
-            <a:pPr algn="ctr">
-              <a:buClr>
-                <a:schemeClr val="tx1">
-                  <a:lumMod val="85000"/>
-                  <a:lumOff val="15000"/>
-                </a:schemeClr>
-              </a:buClr>
-            </a:pPr>
-            <a:r>
-              <a:rPr lang="en-US" i="1" dirty="0" smtClean="0"/>
-              <a:t>“</a:t>
-            </a:r>
-            <a:r>
-              <a:rPr lang="ru-RU" i="1" dirty="0" smtClean="0"/>
-              <a:t>Модули </a:t>
-            </a:r>
-            <a:r>
-              <a:rPr lang="ru-RU" i="1" dirty="0"/>
-              <a:t>верхнего уровня не должны зависеть </a:t>
-            </a:r>
-            <a:endParaRPr lang="en-US" i="1" dirty="0" smtClean="0"/>
-          </a:p>
-          <a:p>
-            <a:pPr algn="ctr">
-              <a:buClr>
-                <a:schemeClr val="tx1">
-                  <a:lumMod val="85000"/>
-                  <a:lumOff val="15000"/>
-                </a:schemeClr>
-              </a:buClr>
-            </a:pPr>
-            <a:r>
-              <a:rPr lang="ru-RU" i="1" dirty="0" smtClean="0"/>
-              <a:t>от </a:t>
-            </a:r>
-            <a:r>
-              <a:rPr lang="ru-RU" i="1" dirty="0"/>
-              <a:t>модулей нижнего уровня. </a:t>
-            </a:r>
-            <a:endParaRPr lang="en-US" i="1" dirty="0" smtClean="0"/>
-          </a:p>
-          <a:p>
-            <a:pPr algn="ctr">
-              <a:buClr>
-                <a:schemeClr val="tx1">
-                  <a:lumMod val="85000"/>
-                  <a:lumOff val="15000"/>
-                </a:schemeClr>
-              </a:buClr>
-            </a:pPr>
-            <a:r>
-              <a:rPr lang="ru-RU" i="1" dirty="0" smtClean="0"/>
-              <a:t>Оба </a:t>
-            </a:r>
-            <a:r>
-              <a:rPr lang="ru-RU" i="1" dirty="0"/>
-              <a:t>должны зависеть от абстракции</a:t>
-            </a:r>
-            <a:r>
-              <a:rPr lang="ru-RU" i="1" dirty="0" smtClean="0"/>
-              <a:t>.</a:t>
-            </a:r>
-            <a:r>
-              <a:rPr lang="en-US" i="1" dirty="0" smtClean="0"/>
-              <a:t>”</a:t>
-            </a:r>
-            <a:endParaRPr lang="ru-RU" i="1" dirty="0"/>
-          </a:p>
-          <a:p>
-            <a:pPr>
-              <a:buClr>
-                <a:schemeClr val="tx1">
-                  <a:lumMod val="85000"/>
-                  <a:lumOff val="15000"/>
-                </a:schemeClr>
-              </a:buClr>
-            </a:pPr>
+              <a:t>Тем </a:t>
+            </a:r>
+            <a:r>
+              <a:rPr lang="ru-RU" dirty="0" smtClean="0"/>
+              <a:t>самым мы абстрагируемся от деталей реализации конкретных </a:t>
+            </a:r>
+            <a:r>
+              <a:rPr lang="ru-RU" dirty="0" smtClean="0"/>
+              <a:t>модулей</a:t>
+            </a:r>
+            <a:r>
+              <a:rPr lang="en-US" dirty="0"/>
+              <a:t> </a:t>
+            </a:r>
+            <a:r>
+              <a:rPr lang="ru-RU" dirty="0" smtClean="0"/>
+              <a:t>и получаем возможность менять реализацию, когда это необходимо.</a:t>
+            </a:r>
             <a:endParaRPr lang="en-US" dirty="0" smtClean="0"/>
           </a:p>
         </p:txBody>
@@ -4872,6 +4803,2180 @@
 </p:sld>
 </file>
 
+<file path=ppt/slides/slide14.xml><?xml version="1.0" encoding="utf-8"?>
+<p:sld xmlns:a="http://schemas.openxmlformats.org/drawingml/2006/main" xmlns:r="http://schemas.openxmlformats.org/officeDocument/2006/relationships" xmlns:p="http://schemas.openxmlformats.org/presentationml/2006/main">
+  <p:cSld>
+    <p:spTree>
+      <p:nvGrpSpPr>
+        <p:cNvPr id="1" name=""/>
+        <p:cNvGrpSpPr/>
+        <p:nvPr/>
+      </p:nvGrpSpPr>
+      <p:grpSpPr>
+        <a:xfrm>
+          <a:off x="0" y="0"/>
+          <a:ext cx="0" cy="0"/>
+          <a:chOff x="0" y="0"/>
+          <a:chExt cx="0" cy="0"/>
+        </a:xfrm>
+      </p:grpSpPr>
+      <p:sp>
+        <p:nvSpPr>
+          <p:cNvPr id="2" name="Title 1"/>
+          <p:cNvSpPr>
+            <a:spLocks noGrp="1"/>
+          </p:cNvSpPr>
+          <p:nvPr>
+            <p:ph type="title"/>
+          </p:nvPr>
+        </p:nvSpPr>
+        <p:spPr>
+          <a:xfrm>
+            <a:off x="457200" y="274638"/>
+            <a:ext cx="8229600" cy="439718"/>
+          </a:xfrm>
+          <a:ln>
+            <a:noFill/>
+          </a:ln>
+        </p:spPr>
+        <p:txBody>
+          <a:bodyPr>
+            <a:normAutofit fontScale="90000"/>
+          </a:bodyPr>
+          <a:lstStyle/>
+          <a:p>
+            <a:pPr algn="l"/>
+            <a:r>
+              <a:rPr lang="en-US" sz="3200" dirty="0" smtClean="0"/>
+              <a:t>Spring Framework</a:t>
+            </a:r>
+            <a:endParaRPr lang="ru-RU" sz="3200" dirty="0"/>
+          </a:p>
+        </p:txBody>
+      </p:sp>
+      <p:cxnSp>
+        <p:nvCxnSpPr>
+          <p:cNvPr id="7" name="Straight Connector 6"/>
+          <p:cNvCxnSpPr/>
+          <p:nvPr/>
+        </p:nvCxnSpPr>
+        <p:spPr>
+          <a:xfrm>
+            <a:off x="428596" y="714356"/>
+            <a:ext cx="8286808" cy="1588"/>
+          </a:xfrm>
+          <a:prstGeom prst="line">
+            <a:avLst/>
+          </a:prstGeom>
+          <a:ln>
+            <a:solidFill>
+              <a:schemeClr val="tx1"/>
+            </a:solidFill>
+          </a:ln>
+        </p:spPr>
+        <p:style>
+          <a:lnRef idx="1">
+            <a:schemeClr val="accent1"/>
+          </a:lnRef>
+          <a:fillRef idx="0">
+            <a:schemeClr val="accent1"/>
+          </a:fillRef>
+          <a:effectRef idx="0">
+            <a:schemeClr val="accent1"/>
+          </a:effectRef>
+          <a:fontRef idx="minor">
+            <a:schemeClr val="tx1"/>
+          </a:fontRef>
+        </p:style>
+      </p:cxnSp>
+      <p:pic>
+        <p:nvPicPr>
+          <p:cNvPr id="4" name="Рисунок 3"/>
+          <p:cNvPicPr>
+            <a:picLocks noChangeAspect="1"/>
+          </p:cNvPicPr>
+          <p:nvPr/>
+        </p:nvPicPr>
+        <p:blipFill>
+          <a:blip r:embed="rId2">
+            <a:extLst>
+              <a:ext uri="{28A0092B-C50C-407E-A947-70E740481C1C}">
+                <a14:useLocalDpi xmlns:a14="http://schemas.microsoft.com/office/drawing/2010/main" val="0"/>
+              </a:ext>
+            </a:extLst>
+          </a:blip>
+          <a:stretch>
+            <a:fillRect/>
+          </a:stretch>
+        </p:blipFill>
+        <p:spPr>
+          <a:xfrm>
+            <a:off x="2139396" y="2171413"/>
+            <a:ext cx="4865208" cy="2515173"/>
+          </a:xfrm>
+          <a:prstGeom prst="rect">
+            <a:avLst/>
+          </a:prstGeom>
+        </p:spPr>
+      </p:pic>
+    </p:spTree>
+    <p:extLst>
+      <p:ext uri="{BB962C8B-B14F-4D97-AF65-F5344CB8AC3E}">
+        <p14:creationId xmlns:p14="http://schemas.microsoft.com/office/powerpoint/2010/main" val="2251403642"/>
+      </p:ext>
+    </p:extLst>
+  </p:cSld>
+  <p:clrMapOvr>
+    <a:masterClrMapping/>
+  </p:clrMapOvr>
+  <p:timing>
+    <p:tnLst>
+      <p:par>
+        <p:cTn id="1" dur="indefinite" restart="never" nodeType="tmRoot"/>
+      </p:par>
+    </p:tnLst>
+  </p:timing>
+</p:sld>
+</file>
+
+<file path=ppt/slides/slide15.xml><?xml version="1.0" encoding="utf-8"?>
+<p:sld xmlns:a="http://schemas.openxmlformats.org/drawingml/2006/main" xmlns:r="http://schemas.openxmlformats.org/officeDocument/2006/relationships" xmlns:p="http://schemas.openxmlformats.org/presentationml/2006/main">
+  <p:cSld>
+    <p:spTree>
+      <p:nvGrpSpPr>
+        <p:cNvPr id="1" name=""/>
+        <p:cNvGrpSpPr/>
+        <p:nvPr/>
+      </p:nvGrpSpPr>
+      <p:grpSpPr>
+        <a:xfrm>
+          <a:off x="0" y="0"/>
+          <a:ext cx="0" cy="0"/>
+          <a:chOff x="0" y="0"/>
+          <a:chExt cx="0" cy="0"/>
+        </a:xfrm>
+      </p:grpSpPr>
+      <p:sp>
+        <p:nvSpPr>
+          <p:cNvPr id="2" name="Title 1"/>
+          <p:cNvSpPr>
+            <a:spLocks noGrp="1"/>
+          </p:cNvSpPr>
+          <p:nvPr>
+            <p:ph type="title"/>
+          </p:nvPr>
+        </p:nvSpPr>
+        <p:spPr>
+          <a:xfrm>
+            <a:off x="457200" y="274638"/>
+            <a:ext cx="8229600" cy="439718"/>
+          </a:xfrm>
+          <a:ln>
+            <a:noFill/>
+          </a:ln>
+        </p:spPr>
+        <p:txBody>
+          <a:bodyPr>
+            <a:normAutofit fontScale="90000"/>
+          </a:bodyPr>
+          <a:lstStyle/>
+          <a:p>
+            <a:pPr algn="l"/>
+            <a:r>
+              <a:rPr lang="en-US" sz="3200" dirty="0" smtClean="0"/>
+              <a:t>Spring Framework</a:t>
+            </a:r>
+            <a:endParaRPr lang="ru-RU" sz="3200" dirty="0"/>
+          </a:p>
+        </p:txBody>
+      </p:sp>
+      <p:cxnSp>
+        <p:nvCxnSpPr>
+          <p:cNvPr id="7" name="Straight Connector 6"/>
+          <p:cNvCxnSpPr/>
+          <p:nvPr/>
+        </p:nvCxnSpPr>
+        <p:spPr>
+          <a:xfrm>
+            <a:off x="428596" y="714356"/>
+            <a:ext cx="8286808" cy="1588"/>
+          </a:xfrm>
+          <a:prstGeom prst="line">
+            <a:avLst/>
+          </a:prstGeom>
+          <a:ln>
+            <a:solidFill>
+              <a:schemeClr val="tx1"/>
+            </a:solidFill>
+          </a:ln>
+        </p:spPr>
+        <p:style>
+          <a:lnRef idx="1">
+            <a:schemeClr val="accent1"/>
+          </a:lnRef>
+          <a:fillRef idx="0">
+            <a:schemeClr val="accent1"/>
+          </a:fillRef>
+          <a:effectRef idx="0">
+            <a:schemeClr val="accent1"/>
+          </a:effectRef>
+          <a:fontRef idx="minor">
+            <a:schemeClr val="tx1"/>
+          </a:fontRef>
+        </p:style>
+      </p:cxnSp>
+      <p:sp>
+        <p:nvSpPr>
+          <p:cNvPr id="10" name="TextBox 9"/>
+          <p:cNvSpPr txBox="1"/>
+          <p:nvPr/>
+        </p:nvSpPr>
+        <p:spPr>
+          <a:xfrm>
+            <a:off x="428596" y="1000108"/>
+            <a:ext cx="8286808" cy="3139321"/>
+          </a:xfrm>
+          <a:prstGeom prst="rect">
+            <a:avLst/>
+          </a:prstGeom>
+          <a:noFill/>
+        </p:spPr>
+        <p:txBody>
+          <a:bodyPr wrap="square" rtlCol="0">
+            <a:spAutoFit/>
+          </a:bodyPr>
+          <a:lstStyle/>
+          <a:p>
+            <a:pPr>
+              <a:buClr>
+                <a:schemeClr val="tx1">
+                  <a:lumMod val="85000"/>
+                  <a:lumOff val="15000"/>
+                </a:schemeClr>
+              </a:buClr>
+            </a:pPr>
+            <a:r>
+              <a:rPr lang="ru-RU" dirty="0" smtClean="0"/>
+              <a:t>Компоненты </a:t>
+            </a:r>
+            <a:r>
+              <a:rPr lang="en-US" dirty="0" smtClean="0"/>
+              <a:t>Spring Framework:</a:t>
+            </a:r>
+          </a:p>
+          <a:p>
+            <a:pPr>
+              <a:buClr>
+                <a:schemeClr val="tx1">
+                  <a:lumMod val="85000"/>
+                  <a:lumOff val="15000"/>
+                </a:schemeClr>
+              </a:buClr>
+            </a:pPr>
+            <a:endParaRPr lang="en-US" dirty="0"/>
+          </a:p>
+          <a:p>
+            <a:pPr marL="285750" indent="-285750">
+              <a:buClr>
+                <a:schemeClr val="tx1">
+                  <a:lumMod val="85000"/>
+                  <a:lumOff val="15000"/>
+                </a:schemeClr>
+              </a:buClr>
+              <a:buFont typeface="Arial" pitchFamily="34" charset="0"/>
+              <a:buChar char="•"/>
+            </a:pPr>
+            <a:r>
+              <a:rPr lang="ru-RU" b="1" dirty="0" err="1" smtClean="0"/>
+              <a:t>IoC</a:t>
+            </a:r>
+            <a:r>
+              <a:rPr lang="ru-RU" b="1" dirty="0" smtClean="0"/>
+              <a:t>-контейнер</a:t>
+            </a:r>
+            <a:endParaRPr lang="en-US" b="1" dirty="0" smtClean="0"/>
+          </a:p>
+          <a:p>
+            <a:pPr marL="285750" indent="-285750">
+              <a:buClr>
+                <a:schemeClr val="tx1">
+                  <a:lumMod val="85000"/>
+                  <a:lumOff val="15000"/>
+                </a:schemeClr>
+              </a:buClr>
+              <a:buFont typeface="Arial" pitchFamily="34" charset="0"/>
+              <a:buChar char="•"/>
+            </a:pPr>
+            <a:r>
+              <a:rPr lang="ru-RU" b="1" dirty="0" smtClean="0"/>
+              <a:t>Фреймворк </a:t>
+            </a:r>
+            <a:r>
+              <a:rPr lang="ru-RU" b="1" dirty="0"/>
+              <a:t>доступа к </a:t>
+            </a:r>
+            <a:r>
+              <a:rPr lang="ru-RU" b="1" dirty="0" smtClean="0"/>
+              <a:t>данным</a:t>
+            </a:r>
+            <a:endParaRPr lang="ru-RU" b="1" dirty="0"/>
+          </a:p>
+          <a:p>
+            <a:pPr marL="285750" indent="-285750">
+              <a:buClr>
+                <a:schemeClr val="tx1">
+                  <a:lumMod val="85000"/>
+                  <a:lumOff val="15000"/>
+                </a:schemeClr>
+              </a:buClr>
+              <a:buFont typeface="Arial" pitchFamily="34" charset="0"/>
+              <a:buChar char="•"/>
+            </a:pPr>
+            <a:r>
+              <a:rPr lang="ru-RU" b="1" i="1" dirty="0"/>
+              <a:t>Фреймворк управления </a:t>
+            </a:r>
+            <a:r>
+              <a:rPr lang="ru-RU" b="1" i="1" dirty="0" smtClean="0"/>
+              <a:t>транзакциями</a:t>
+            </a:r>
+            <a:endParaRPr lang="ru-RU" b="1" i="1" dirty="0"/>
+          </a:p>
+          <a:p>
+            <a:pPr marL="285750" indent="-285750">
+              <a:buClr>
+                <a:schemeClr val="tx1">
+                  <a:lumMod val="85000"/>
+                  <a:lumOff val="15000"/>
+                </a:schemeClr>
+              </a:buClr>
+              <a:buFont typeface="Arial" pitchFamily="34" charset="0"/>
+              <a:buChar char="•"/>
+            </a:pPr>
+            <a:r>
+              <a:rPr lang="ru-RU" b="1" dirty="0"/>
+              <a:t>Фреймворк </a:t>
+            </a:r>
+            <a:r>
+              <a:rPr lang="ru-RU" b="1" dirty="0" smtClean="0"/>
+              <a:t>MVC</a:t>
+            </a:r>
+            <a:endParaRPr lang="ru-RU" b="1" dirty="0"/>
+          </a:p>
+          <a:p>
+            <a:pPr marL="285750" indent="-285750">
+              <a:buClr>
+                <a:schemeClr val="tx1">
+                  <a:lumMod val="85000"/>
+                  <a:lumOff val="15000"/>
+                </a:schemeClr>
+              </a:buClr>
+              <a:buFont typeface="Arial" pitchFamily="34" charset="0"/>
+              <a:buChar char="•"/>
+            </a:pPr>
+            <a:r>
+              <a:rPr lang="ru-RU" dirty="0"/>
+              <a:t>Фреймворк удалённого </a:t>
+            </a:r>
+            <a:r>
+              <a:rPr lang="ru-RU" dirty="0" smtClean="0"/>
+              <a:t>доступа</a:t>
+            </a:r>
+            <a:endParaRPr lang="ru-RU" dirty="0"/>
+          </a:p>
+          <a:p>
+            <a:pPr marL="285750" indent="-285750">
+              <a:buClr>
+                <a:schemeClr val="tx1">
+                  <a:lumMod val="85000"/>
+                  <a:lumOff val="15000"/>
+                </a:schemeClr>
+              </a:buClr>
+              <a:buFont typeface="Arial" pitchFamily="34" charset="0"/>
+              <a:buChar char="•"/>
+            </a:pPr>
+            <a:r>
+              <a:rPr lang="ru-RU" dirty="0" smtClean="0"/>
+              <a:t>Фреймворк </a:t>
+            </a:r>
+            <a:r>
+              <a:rPr lang="ru-RU" dirty="0"/>
+              <a:t>аутентификации и </a:t>
+            </a:r>
+            <a:r>
+              <a:rPr lang="ru-RU" dirty="0" smtClean="0"/>
+              <a:t>авторизации</a:t>
+            </a:r>
+            <a:endParaRPr lang="ru-RU" dirty="0"/>
+          </a:p>
+          <a:p>
+            <a:pPr marL="285750" indent="-285750">
+              <a:buClr>
+                <a:schemeClr val="tx1">
+                  <a:lumMod val="85000"/>
+                  <a:lumOff val="15000"/>
+                </a:schemeClr>
+              </a:buClr>
+              <a:buFont typeface="Arial" pitchFamily="34" charset="0"/>
+              <a:buChar char="•"/>
+            </a:pPr>
+            <a:r>
+              <a:rPr lang="ru-RU" dirty="0"/>
+              <a:t>Фреймворк удалённого </a:t>
+            </a:r>
+            <a:r>
+              <a:rPr lang="ru-RU" dirty="0" smtClean="0"/>
+              <a:t>управления</a:t>
+            </a:r>
+            <a:endParaRPr lang="ru-RU" dirty="0"/>
+          </a:p>
+          <a:p>
+            <a:pPr marL="285750" indent="-285750">
+              <a:buClr>
+                <a:schemeClr val="tx1">
+                  <a:lumMod val="85000"/>
+                  <a:lumOff val="15000"/>
+                </a:schemeClr>
+              </a:buClr>
+              <a:buFont typeface="Arial" pitchFamily="34" charset="0"/>
+              <a:buChar char="•"/>
+            </a:pPr>
+            <a:r>
+              <a:rPr lang="ru-RU" b="1" dirty="0"/>
+              <a:t>Фреймворк работы с </a:t>
+            </a:r>
+            <a:r>
+              <a:rPr lang="ru-RU" b="1" dirty="0" smtClean="0"/>
+              <a:t>сообщениями</a:t>
+            </a:r>
+            <a:endParaRPr lang="ru-RU" b="1" dirty="0"/>
+          </a:p>
+          <a:p>
+            <a:pPr marL="285750" indent="-285750">
+              <a:buClr>
+                <a:schemeClr val="tx1">
+                  <a:lumMod val="85000"/>
+                  <a:lumOff val="15000"/>
+                </a:schemeClr>
+              </a:buClr>
+              <a:buFont typeface="Arial" pitchFamily="34" charset="0"/>
+              <a:buChar char="•"/>
+            </a:pPr>
+            <a:r>
+              <a:rPr lang="ru-RU" b="1" i="1" dirty="0" smtClean="0"/>
+              <a:t>Тестирование</a:t>
+            </a:r>
+            <a:endParaRPr lang="en-US" b="1" i="1" dirty="0" smtClean="0"/>
+          </a:p>
+        </p:txBody>
+      </p:sp>
+    </p:spTree>
+    <p:extLst>
+      <p:ext uri="{BB962C8B-B14F-4D97-AF65-F5344CB8AC3E}">
+        <p14:creationId xmlns:p14="http://schemas.microsoft.com/office/powerpoint/2010/main" val="2134220011"/>
+      </p:ext>
+    </p:extLst>
+  </p:cSld>
+  <p:clrMapOvr>
+    <a:masterClrMapping/>
+  </p:clrMapOvr>
+  <p:timing>
+    <p:tnLst>
+      <p:par>
+        <p:cTn id="1" dur="indefinite" restart="never" nodeType="tmRoot"/>
+      </p:par>
+    </p:tnLst>
+  </p:timing>
+</p:sld>
+</file>
+
+<file path=ppt/slides/slide16.xml><?xml version="1.0" encoding="utf-8"?>
+<p:sld xmlns:a="http://schemas.openxmlformats.org/drawingml/2006/main" xmlns:r="http://schemas.openxmlformats.org/officeDocument/2006/relationships" xmlns:p="http://schemas.openxmlformats.org/presentationml/2006/main">
+  <p:cSld>
+    <p:spTree>
+      <p:nvGrpSpPr>
+        <p:cNvPr id="1" name=""/>
+        <p:cNvGrpSpPr/>
+        <p:nvPr/>
+      </p:nvGrpSpPr>
+      <p:grpSpPr>
+        <a:xfrm>
+          <a:off x="0" y="0"/>
+          <a:ext cx="0" cy="0"/>
+          <a:chOff x="0" y="0"/>
+          <a:chExt cx="0" cy="0"/>
+        </a:xfrm>
+      </p:grpSpPr>
+      <p:sp>
+        <p:nvSpPr>
+          <p:cNvPr id="2" name="Title 1"/>
+          <p:cNvSpPr>
+            <a:spLocks noGrp="1"/>
+          </p:cNvSpPr>
+          <p:nvPr>
+            <p:ph type="title"/>
+          </p:nvPr>
+        </p:nvSpPr>
+        <p:spPr>
+          <a:xfrm>
+            <a:off x="457200" y="274638"/>
+            <a:ext cx="8229600" cy="439718"/>
+          </a:xfrm>
+          <a:ln>
+            <a:noFill/>
+          </a:ln>
+        </p:spPr>
+        <p:txBody>
+          <a:bodyPr>
+            <a:normAutofit fontScale="90000"/>
+          </a:bodyPr>
+          <a:lstStyle/>
+          <a:p>
+            <a:pPr algn="l"/>
+            <a:r>
+              <a:rPr lang="en-US" sz="3200" dirty="0" smtClean="0"/>
+              <a:t>Maven</a:t>
+            </a:r>
+            <a:endParaRPr lang="ru-RU" sz="3200" dirty="0"/>
+          </a:p>
+        </p:txBody>
+      </p:sp>
+      <p:cxnSp>
+        <p:nvCxnSpPr>
+          <p:cNvPr id="7" name="Straight Connector 6"/>
+          <p:cNvCxnSpPr/>
+          <p:nvPr/>
+        </p:nvCxnSpPr>
+        <p:spPr>
+          <a:xfrm>
+            <a:off x="428596" y="714356"/>
+            <a:ext cx="8286808" cy="1588"/>
+          </a:xfrm>
+          <a:prstGeom prst="line">
+            <a:avLst/>
+          </a:prstGeom>
+          <a:ln>
+            <a:solidFill>
+              <a:schemeClr val="tx1"/>
+            </a:solidFill>
+          </a:ln>
+        </p:spPr>
+        <p:style>
+          <a:lnRef idx="1">
+            <a:schemeClr val="accent1"/>
+          </a:lnRef>
+          <a:fillRef idx="0">
+            <a:schemeClr val="accent1"/>
+          </a:fillRef>
+          <a:effectRef idx="0">
+            <a:schemeClr val="accent1"/>
+          </a:effectRef>
+          <a:fontRef idx="minor">
+            <a:schemeClr val="tx1"/>
+          </a:fontRef>
+        </p:style>
+      </p:cxnSp>
+      <p:sp>
+        <p:nvSpPr>
+          <p:cNvPr id="10" name="TextBox 9"/>
+          <p:cNvSpPr txBox="1"/>
+          <p:nvPr/>
+        </p:nvSpPr>
+        <p:spPr>
+          <a:xfrm>
+            <a:off x="428596" y="1000108"/>
+            <a:ext cx="8286808" cy="3693319"/>
+          </a:xfrm>
+          <a:prstGeom prst="rect">
+            <a:avLst/>
+          </a:prstGeom>
+          <a:noFill/>
+        </p:spPr>
+        <p:txBody>
+          <a:bodyPr wrap="square" rtlCol="0">
+            <a:spAutoFit/>
+          </a:bodyPr>
+          <a:lstStyle/>
+          <a:p>
+            <a:pPr>
+              <a:buClr>
+                <a:schemeClr val="tx1">
+                  <a:lumMod val="85000"/>
+                  <a:lumOff val="15000"/>
+                </a:schemeClr>
+              </a:buClr>
+            </a:pPr>
+            <a:r>
+              <a:rPr lang="ru-RU" dirty="0" smtClean="0"/>
+              <a:t>Но прежде о </a:t>
+            </a:r>
+            <a:r>
+              <a:rPr lang="en-US" dirty="0" smtClean="0"/>
+              <a:t>maven</a:t>
+            </a:r>
+          </a:p>
+          <a:p>
+            <a:pPr>
+              <a:buClr>
+                <a:schemeClr val="tx1">
+                  <a:lumMod val="85000"/>
+                  <a:lumOff val="15000"/>
+                </a:schemeClr>
+              </a:buClr>
+            </a:pPr>
+            <a:endParaRPr lang="en-US" i="1" dirty="0"/>
+          </a:p>
+          <a:p>
+            <a:pPr>
+              <a:buClr>
+                <a:schemeClr val="tx1">
+                  <a:lumMod val="85000"/>
+                  <a:lumOff val="15000"/>
+                </a:schemeClr>
+              </a:buClr>
+            </a:pPr>
+            <a:endParaRPr lang="en-US" i="1" dirty="0" smtClean="0"/>
+          </a:p>
+          <a:p>
+            <a:pPr>
+              <a:buClr>
+                <a:schemeClr val="tx1">
+                  <a:lumMod val="85000"/>
+                  <a:lumOff val="15000"/>
+                </a:schemeClr>
+              </a:buClr>
+            </a:pPr>
+            <a:endParaRPr lang="en-US" i="1" dirty="0"/>
+          </a:p>
+          <a:p>
+            <a:pPr>
+              <a:buClr>
+                <a:schemeClr val="tx1">
+                  <a:lumMod val="85000"/>
+                  <a:lumOff val="15000"/>
+                </a:schemeClr>
+              </a:buClr>
+            </a:pPr>
+            <a:endParaRPr lang="en-US" i="1" dirty="0" smtClean="0"/>
+          </a:p>
+          <a:p>
+            <a:pPr>
+              <a:buClr>
+                <a:schemeClr val="tx1">
+                  <a:lumMod val="85000"/>
+                  <a:lumOff val="15000"/>
+                </a:schemeClr>
+              </a:buClr>
+            </a:pPr>
+            <a:endParaRPr lang="en-US" i="1" dirty="0"/>
+          </a:p>
+          <a:p>
+            <a:pPr>
+              <a:buClr>
+                <a:schemeClr val="tx1">
+                  <a:lumMod val="85000"/>
+                  <a:lumOff val="15000"/>
+                </a:schemeClr>
+              </a:buClr>
+            </a:pPr>
+            <a:endParaRPr lang="en-US" i="1" dirty="0"/>
+          </a:p>
+          <a:p>
+            <a:pPr>
+              <a:buClr>
+                <a:schemeClr val="tx1">
+                  <a:lumMod val="85000"/>
+                  <a:lumOff val="15000"/>
+                </a:schemeClr>
+              </a:buClr>
+            </a:pPr>
+            <a:r>
+              <a:rPr lang="ru-RU" dirty="0" smtClean="0"/>
+              <a:t>Если кратко – декларативная система сборки</a:t>
+            </a:r>
+          </a:p>
+          <a:p>
+            <a:pPr>
+              <a:buClr>
+                <a:schemeClr val="tx1">
+                  <a:lumMod val="85000"/>
+                  <a:lumOff val="15000"/>
+                </a:schemeClr>
+              </a:buClr>
+            </a:pPr>
+            <a:endParaRPr lang="ru-RU" dirty="0"/>
+          </a:p>
+          <a:p>
+            <a:pPr marL="285750" indent="-285750">
+              <a:buClr>
+                <a:schemeClr val="tx1">
+                  <a:lumMod val="85000"/>
+                  <a:lumOff val="15000"/>
+                </a:schemeClr>
+              </a:buClr>
+              <a:buFont typeface="Arial" pitchFamily="34" charset="0"/>
+              <a:buChar char="•"/>
+            </a:pPr>
+            <a:r>
+              <a:rPr lang="ru-RU" dirty="0" smtClean="0"/>
+              <a:t>Свойства</a:t>
+            </a:r>
+          </a:p>
+          <a:p>
+            <a:pPr marL="285750" indent="-285750">
+              <a:buClr>
+                <a:schemeClr val="tx1">
+                  <a:lumMod val="85000"/>
+                  <a:lumOff val="15000"/>
+                </a:schemeClr>
+              </a:buClr>
+              <a:buFont typeface="Arial" pitchFamily="34" charset="0"/>
+              <a:buChar char="•"/>
+            </a:pPr>
+            <a:r>
+              <a:rPr lang="ru-RU" dirty="0"/>
+              <a:t>Зависимости и </a:t>
+            </a:r>
+            <a:r>
+              <a:rPr lang="ru-RU" dirty="0" err="1" smtClean="0"/>
+              <a:t>Репозитории</a:t>
+            </a:r>
+            <a:endParaRPr lang="ru-RU" dirty="0" smtClean="0"/>
+          </a:p>
+          <a:p>
+            <a:pPr marL="285750" indent="-285750">
+              <a:buClr>
+                <a:schemeClr val="tx1">
+                  <a:lumMod val="85000"/>
+                  <a:lumOff val="15000"/>
+                </a:schemeClr>
+              </a:buClr>
+              <a:buFont typeface="Arial" pitchFamily="34" charset="0"/>
+              <a:buChar char="•"/>
+            </a:pPr>
+            <a:r>
+              <a:rPr lang="ru-RU" dirty="0" smtClean="0"/>
+              <a:t>Профили</a:t>
+            </a:r>
+          </a:p>
+          <a:p>
+            <a:pPr marL="285750" indent="-285750">
+              <a:buClr>
+                <a:schemeClr val="tx1">
+                  <a:lumMod val="85000"/>
+                  <a:lumOff val="15000"/>
+                </a:schemeClr>
+              </a:buClr>
+              <a:buFont typeface="Arial" pitchFamily="34" charset="0"/>
+              <a:buChar char="•"/>
+            </a:pPr>
+            <a:r>
+              <a:rPr lang="ru-RU" dirty="0" smtClean="0"/>
+              <a:t>Сборка и плагины</a:t>
+            </a:r>
+            <a:endParaRPr lang="en-US" dirty="0" smtClean="0"/>
+          </a:p>
+        </p:txBody>
+      </p:sp>
+      <p:pic>
+        <p:nvPicPr>
+          <p:cNvPr id="3" name="Рисунок 2"/>
+          <p:cNvPicPr>
+            <a:picLocks noChangeAspect="1"/>
+          </p:cNvPicPr>
+          <p:nvPr/>
+        </p:nvPicPr>
+        <p:blipFill>
+          <a:blip r:embed="rId2">
+            <a:extLst>
+              <a:ext uri="{28A0092B-C50C-407E-A947-70E740481C1C}">
+                <a14:useLocalDpi xmlns:a14="http://schemas.microsoft.com/office/drawing/2010/main" val="0"/>
+              </a:ext>
+            </a:extLst>
+          </a:blip>
+          <a:stretch>
+            <a:fillRect/>
+          </a:stretch>
+        </p:blipFill>
+        <p:spPr>
+          <a:xfrm>
+            <a:off x="2195736" y="1484784"/>
+            <a:ext cx="4400550" cy="1009650"/>
+          </a:xfrm>
+          <a:prstGeom prst="rect">
+            <a:avLst/>
+          </a:prstGeom>
+        </p:spPr>
+      </p:pic>
+    </p:spTree>
+    <p:extLst>
+      <p:ext uri="{BB962C8B-B14F-4D97-AF65-F5344CB8AC3E}">
+        <p14:creationId xmlns:p14="http://schemas.microsoft.com/office/powerpoint/2010/main" val="3211041203"/>
+      </p:ext>
+    </p:extLst>
+  </p:cSld>
+  <p:clrMapOvr>
+    <a:masterClrMapping/>
+  </p:clrMapOvr>
+  <p:timing>
+    <p:tnLst>
+      <p:par>
+        <p:cTn id="1" dur="indefinite" restart="never" nodeType="tmRoot"/>
+      </p:par>
+    </p:tnLst>
+  </p:timing>
+</p:sld>
+</file>
+
+<file path=ppt/slides/slide17.xml><?xml version="1.0" encoding="utf-8"?>
+<p:sld xmlns:a="http://schemas.openxmlformats.org/drawingml/2006/main" xmlns:r="http://schemas.openxmlformats.org/officeDocument/2006/relationships" xmlns:p="http://schemas.openxmlformats.org/presentationml/2006/main">
+  <p:cSld>
+    <p:spTree>
+      <p:nvGrpSpPr>
+        <p:cNvPr id="1" name=""/>
+        <p:cNvGrpSpPr/>
+        <p:nvPr/>
+      </p:nvGrpSpPr>
+      <p:grpSpPr>
+        <a:xfrm>
+          <a:off x="0" y="0"/>
+          <a:ext cx="0" cy="0"/>
+          <a:chOff x="0" y="0"/>
+          <a:chExt cx="0" cy="0"/>
+        </a:xfrm>
+      </p:grpSpPr>
+      <p:sp>
+        <p:nvSpPr>
+          <p:cNvPr id="2" name="Title 1"/>
+          <p:cNvSpPr>
+            <a:spLocks noGrp="1"/>
+          </p:cNvSpPr>
+          <p:nvPr>
+            <p:ph type="title"/>
+          </p:nvPr>
+        </p:nvSpPr>
+        <p:spPr>
+          <a:xfrm>
+            <a:off x="457200" y="274638"/>
+            <a:ext cx="8229600" cy="439718"/>
+          </a:xfrm>
+          <a:ln>
+            <a:noFill/>
+          </a:ln>
+        </p:spPr>
+        <p:txBody>
+          <a:bodyPr>
+            <a:normAutofit fontScale="90000"/>
+          </a:bodyPr>
+          <a:lstStyle/>
+          <a:p>
+            <a:pPr algn="l"/>
+            <a:r>
+              <a:rPr lang="en-US" sz="3200" dirty="0" smtClean="0"/>
+              <a:t>Maven</a:t>
+            </a:r>
+            <a:endParaRPr lang="ru-RU" sz="3200" dirty="0"/>
+          </a:p>
+        </p:txBody>
+      </p:sp>
+      <p:cxnSp>
+        <p:nvCxnSpPr>
+          <p:cNvPr id="7" name="Straight Connector 6"/>
+          <p:cNvCxnSpPr/>
+          <p:nvPr/>
+        </p:nvCxnSpPr>
+        <p:spPr>
+          <a:xfrm>
+            <a:off x="428596" y="714356"/>
+            <a:ext cx="8286808" cy="1588"/>
+          </a:xfrm>
+          <a:prstGeom prst="line">
+            <a:avLst/>
+          </a:prstGeom>
+          <a:ln>
+            <a:solidFill>
+              <a:schemeClr val="tx1"/>
+            </a:solidFill>
+          </a:ln>
+        </p:spPr>
+        <p:style>
+          <a:lnRef idx="1">
+            <a:schemeClr val="accent1"/>
+          </a:lnRef>
+          <a:fillRef idx="0">
+            <a:schemeClr val="accent1"/>
+          </a:fillRef>
+          <a:effectRef idx="0">
+            <a:schemeClr val="accent1"/>
+          </a:effectRef>
+          <a:fontRef idx="minor">
+            <a:schemeClr val="tx1"/>
+          </a:fontRef>
+        </p:style>
+      </p:cxnSp>
+      <p:sp>
+        <p:nvSpPr>
+          <p:cNvPr id="10" name="TextBox 9"/>
+          <p:cNvSpPr txBox="1"/>
+          <p:nvPr/>
+        </p:nvSpPr>
+        <p:spPr>
+          <a:xfrm>
+            <a:off x="428596" y="1000108"/>
+            <a:ext cx="8286808" cy="4832092"/>
+          </a:xfrm>
+          <a:prstGeom prst="rect">
+            <a:avLst/>
+          </a:prstGeom>
+          <a:noFill/>
+        </p:spPr>
+        <p:txBody>
+          <a:bodyPr wrap="square" rtlCol="0">
+            <a:spAutoFit/>
+          </a:bodyPr>
+          <a:lstStyle/>
+          <a:p>
+            <a:r>
+              <a:rPr lang="ru-RU" sz="1400" b="1" dirty="0" smtClean="0">
+                <a:cs typeface="Courier New" pitchFamily="49" charset="0"/>
+              </a:rPr>
+              <a:t>Свойства</a:t>
+            </a:r>
+            <a:endParaRPr lang="en-US" sz="1400" b="1" dirty="0" smtClean="0">
+              <a:cs typeface="Courier New" pitchFamily="49" charset="0"/>
+            </a:endParaRPr>
+          </a:p>
+          <a:p>
+            <a:endParaRPr lang="en-US" sz="1400" b="1" dirty="0">
+              <a:latin typeface="Courier New" pitchFamily="49" charset="0"/>
+              <a:cs typeface="Courier New" pitchFamily="49" charset="0"/>
+            </a:endParaRPr>
+          </a:p>
+          <a:p>
+            <a:r>
+              <a:rPr lang="en-US" sz="1400" b="1" dirty="0" smtClean="0">
+                <a:latin typeface="Courier New" pitchFamily="49" charset="0"/>
+                <a:cs typeface="Courier New" pitchFamily="49" charset="0"/>
+              </a:rPr>
+              <a:t>&lt;</a:t>
+            </a:r>
+            <a:r>
+              <a:rPr lang="en-US" sz="1400" b="1" dirty="0">
+                <a:latin typeface="Courier New" pitchFamily="49" charset="0"/>
+                <a:cs typeface="Courier New" pitchFamily="49" charset="0"/>
+              </a:rPr>
+              <a:t>properties&gt;</a:t>
+            </a:r>
+          </a:p>
+          <a:p>
+            <a:r>
+              <a:rPr lang="ru-RU" sz="1400" b="1" dirty="0" smtClean="0">
+                <a:latin typeface="Courier New" pitchFamily="49" charset="0"/>
+                <a:cs typeface="Courier New" pitchFamily="49" charset="0"/>
+              </a:rPr>
+              <a:t>    </a:t>
+            </a:r>
+            <a:r>
+              <a:rPr lang="en-US" sz="1400" b="1" dirty="0" smtClean="0">
+                <a:latin typeface="Courier New" pitchFamily="49" charset="0"/>
+                <a:cs typeface="Courier New" pitchFamily="49" charset="0"/>
+              </a:rPr>
+              <a:t>&lt;!-- </a:t>
+            </a:r>
+            <a:r>
+              <a:rPr lang="en-US" sz="1400" b="1" dirty="0">
+                <a:latin typeface="Courier New" pitchFamily="49" charset="0"/>
+                <a:cs typeface="Courier New" pitchFamily="49" charset="0"/>
+              </a:rPr>
+              <a:t>Libraries --&gt;</a:t>
+            </a:r>
+          </a:p>
+          <a:p>
+            <a:r>
+              <a:rPr lang="ru-RU" sz="1400" b="1" dirty="0" smtClean="0">
+                <a:latin typeface="Courier New" pitchFamily="49" charset="0"/>
+                <a:cs typeface="Courier New" pitchFamily="49" charset="0"/>
+              </a:rPr>
+              <a:t>    </a:t>
+            </a:r>
+            <a:r>
+              <a:rPr lang="en-US" sz="1400" b="1" dirty="0" smtClean="0">
+                <a:latin typeface="Courier New" pitchFamily="49" charset="0"/>
+                <a:cs typeface="Courier New" pitchFamily="49" charset="0"/>
+              </a:rPr>
+              <a:t>&lt;spring</a:t>
+            </a:r>
+            <a:r>
+              <a:rPr lang="ru-RU" sz="1400" b="1" dirty="0" smtClean="0">
+                <a:latin typeface="Courier New" pitchFamily="49" charset="0"/>
+                <a:cs typeface="Courier New" pitchFamily="49" charset="0"/>
+              </a:rPr>
+              <a:t>-</a:t>
+            </a:r>
+            <a:r>
+              <a:rPr lang="en-US" sz="1400" b="1" dirty="0" smtClean="0">
+                <a:latin typeface="Courier New" pitchFamily="49" charset="0"/>
+                <a:cs typeface="Courier New" pitchFamily="49" charset="0"/>
+              </a:rPr>
+              <a:t>version&gt;2.5.6</a:t>
+            </a:r>
+            <a:r>
+              <a:rPr lang="en-US" sz="1400" b="1" dirty="0">
+                <a:latin typeface="Courier New" pitchFamily="49" charset="0"/>
+                <a:cs typeface="Courier New" pitchFamily="49" charset="0"/>
+              </a:rPr>
+              <a:t>&lt;/</a:t>
+            </a:r>
+            <a:r>
+              <a:rPr lang="en-US" sz="1400" b="1" dirty="0" err="1">
+                <a:latin typeface="Courier New" pitchFamily="49" charset="0"/>
+                <a:cs typeface="Courier New" pitchFamily="49" charset="0"/>
+              </a:rPr>
+              <a:t>springVersion</a:t>
+            </a:r>
+            <a:r>
+              <a:rPr lang="en-US" sz="1400" b="1" dirty="0">
+                <a:latin typeface="Courier New" pitchFamily="49" charset="0"/>
+                <a:cs typeface="Courier New" pitchFamily="49" charset="0"/>
+              </a:rPr>
+              <a:t>&gt;</a:t>
+            </a:r>
+          </a:p>
+          <a:p>
+            <a:r>
+              <a:rPr lang="en-US" sz="1400" b="1" dirty="0" smtClean="0">
+                <a:latin typeface="Courier New" pitchFamily="49" charset="0"/>
+                <a:cs typeface="Courier New" pitchFamily="49" charset="0"/>
+              </a:rPr>
+              <a:t>    &lt;org.slf4j-version&gt;1.7.2</a:t>
+            </a:r>
+            <a:r>
+              <a:rPr lang="en-US" sz="1400" b="1" dirty="0">
+                <a:latin typeface="Courier New" pitchFamily="49" charset="0"/>
+                <a:cs typeface="Courier New" pitchFamily="49" charset="0"/>
+              </a:rPr>
+              <a:t>&lt;/org.slf4j-version&gt;</a:t>
+            </a:r>
+          </a:p>
+          <a:p>
+            <a:r>
+              <a:rPr lang="en-US" sz="1400" b="1" dirty="0" smtClean="0">
+                <a:latin typeface="Courier New" pitchFamily="49" charset="0"/>
+                <a:cs typeface="Courier New" pitchFamily="49" charset="0"/>
+              </a:rPr>
+              <a:t>    &lt;</a:t>
+            </a:r>
+            <a:r>
+              <a:rPr lang="en-US" sz="1400" b="1" dirty="0">
+                <a:latin typeface="Courier New" pitchFamily="49" charset="0"/>
+                <a:cs typeface="Courier New" pitchFamily="49" charset="0"/>
+              </a:rPr>
+              <a:t>log4j-version&gt;1.2.15&lt;/log4j-version&gt;</a:t>
+            </a:r>
+          </a:p>
+          <a:p>
+            <a:r>
+              <a:rPr lang="en-US" sz="1400" b="1" dirty="0" smtClean="0">
+                <a:latin typeface="Courier New" pitchFamily="49" charset="0"/>
+                <a:cs typeface="Courier New" pitchFamily="49" charset="0"/>
+              </a:rPr>
+              <a:t>    &lt;</a:t>
+            </a:r>
+            <a:r>
+              <a:rPr lang="en-US" sz="1400" b="1" dirty="0" err="1">
+                <a:latin typeface="Courier New" pitchFamily="49" charset="0"/>
+                <a:cs typeface="Courier New" pitchFamily="49" charset="0"/>
+              </a:rPr>
+              <a:t>junit</a:t>
+            </a:r>
+            <a:r>
+              <a:rPr lang="en-US" sz="1400" b="1" dirty="0">
+                <a:latin typeface="Courier New" pitchFamily="49" charset="0"/>
+                <a:cs typeface="Courier New" pitchFamily="49" charset="0"/>
+              </a:rPr>
+              <a:t>-version&gt;4.11&lt;/</a:t>
+            </a:r>
+            <a:r>
+              <a:rPr lang="en-US" sz="1400" b="1" dirty="0" err="1">
+                <a:latin typeface="Courier New" pitchFamily="49" charset="0"/>
+                <a:cs typeface="Courier New" pitchFamily="49" charset="0"/>
+              </a:rPr>
+              <a:t>junit</a:t>
+            </a:r>
+            <a:r>
+              <a:rPr lang="en-US" sz="1400" b="1" dirty="0">
+                <a:latin typeface="Courier New" pitchFamily="49" charset="0"/>
+                <a:cs typeface="Courier New" pitchFamily="49" charset="0"/>
+              </a:rPr>
+              <a:t>-version&gt;</a:t>
+            </a:r>
+          </a:p>
+          <a:p>
+            <a:r>
+              <a:rPr lang="en-US" sz="1400" b="1" dirty="0" smtClean="0">
+                <a:latin typeface="Courier New" pitchFamily="49" charset="0"/>
+                <a:cs typeface="Courier New" pitchFamily="49" charset="0"/>
+              </a:rPr>
+              <a:t>    &lt;</a:t>
+            </a:r>
+            <a:r>
+              <a:rPr lang="en-US" sz="1400" b="1" dirty="0" err="1">
+                <a:latin typeface="Courier New" pitchFamily="49" charset="0"/>
+                <a:cs typeface="Courier New" pitchFamily="49" charset="0"/>
+              </a:rPr>
+              <a:t>joda.time</a:t>
+            </a:r>
+            <a:r>
+              <a:rPr lang="en-US" sz="1400" b="1" dirty="0">
+                <a:latin typeface="Courier New" pitchFamily="49" charset="0"/>
+                <a:cs typeface="Courier New" pitchFamily="49" charset="0"/>
+              </a:rPr>
+              <a:t>-version&gt;2.0&lt;/</a:t>
+            </a:r>
+            <a:r>
+              <a:rPr lang="en-US" sz="1400" b="1" dirty="0" err="1">
+                <a:latin typeface="Courier New" pitchFamily="49" charset="0"/>
+                <a:cs typeface="Courier New" pitchFamily="49" charset="0"/>
+              </a:rPr>
+              <a:t>joda.time</a:t>
+            </a:r>
+            <a:r>
+              <a:rPr lang="en-US" sz="1400" b="1" dirty="0">
+                <a:latin typeface="Courier New" pitchFamily="49" charset="0"/>
+                <a:cs typeface="Courier New" pitchFamily="49" charset="0"/>
+              </a:rPr>
+              <a:t>-version&gt;        </a:t>
+            </a:r>
+          </a:p>
+          <a:p>
+            <a:endParaRPr lang="en-US" sz="1400" b="1" dirty="0" smtClean="0">
+              <a:latin typeface="Courier New" pitchFamily="49" charset="0"/>
+              <a:cs typeface="Courier New" pitchFamily="49" charset="0"/>
+            </a:endParaRPr>
+          </a:p>
+          <a:p>
+            <a:r>
+              <a:rPr lang="en-US" sz="1400" b="1" dirty="0">
+                <a:latin typeface="Courier New" pitchFamily="49" charset="0"/>
+                <a:cs typeface="Courier New" pitchFamily="49" charset="0"/>
+              </a:rPr>
+              <a:t> </a:t>
+            </a:r>
+            <a:r>
+              <a:rPr lang="en-US" sz="1400" b="1" dirty="0" smtClean="0">
+                <a:latin typeface="Courier New" pitchFamily="49" charset="0"/>
+                <a:cs typeface="Courier New" pitchFamily="49" charset="0"/>
+              </a:rPr>
+              <a:t>   &lt;!-- </a:t>
+            </a:r>
+            <a:r>
+              <a:rPr lang="en-US" sz="1400" b="1" dirty="0">
+                <a:latin typeface="Courier New" pitchFamily="49" charset="0"/>
+                <a:cs typeface="Courier New" pitchFamily="49" charset="0"/>
+              </a:rPr>
+              <a:t>Other settings --&gt;</a:t>
+            </a:r>
+          </a:p>
+          <a:p>
+            <a:r>
+              <a:rPr lang="en-US" sz="1400" b="1" dirty="0" smtClean="0">
+                <a:latin typeface="Courier New" pitchFamily="49" charset="0"/>
+                <a:cs typeface="Courier New" pitchFamily="49" charset="0"/>
+              </a:rPr>
+              <a:t>    &lt;</a:t>
+            </a:r>
+            <a:r>
+              <a:rPr lang="en-US" sz="1400" b="1" dirty="0" err="1">
+                <a:latin typeface="Courier New" pitchFamily="49" charset="0"/>
+                <a:cs typeface="Courier New" pitchFamily="49" charset="0"/>
+              </a:rPr>
+              <a:t>project.build.sourceEncoding</a:t>
+            </a:r>
+            <a:r>
+              <a:rPr lang="en-US" sz="1400" b="1" dirty="0">
+                <a:latin typeface="Courier New" pitchFamily="49" charset="0"/>
+                <a:cs typeface="Courier New" pitchFamily="49" charset="0"/>
+              </a:rPr>
+              <a:t>&gt;UTF-8&lt;/</a:t>
+            </a:r>
+            <a:r>
+              <a:rPr lang="en-US" sz="1400" b="1" dirty="0" err="1">
+                <a:latin typeface="Courier New" pitchFamily="49" charset="0"/>
+                <a:cs typeface="Courier New" pitchFamily="49" charset="0"/>
+              </a:rPr>
+              <a:t>project.build.sourceEncoding</a:t>
+            </a:r>
+            <a:r>
+              <a:rPr lang="en-US" sz="1400" b="1" dirty="0">
+                <a:latin typeface="Courier New" pitchFamily="49" charset="0"/>
+                <a:cs typeface="Courier New" pitchFamily="49" charset="0"/>
+              </a:rPr>
+              <a:t>&gt;</a:t>
+            </a:r>
+          </a:p>
+          <a:p>
+            <a:r>
+              <a:rPr lang="ru-RU" sz="1400" b="1" dirty="0">
+                <a:latin typeface="Courier New" pitchFamily="49" charset="0"/>
+                <a:cs typeface="Courier New" pitchFamily="49" charset="0"/>
+              </a:rPr>
+              <a:t>        </a:t>
+            </a:r>
+            <a:r>
+              <a:rPr lang="ru-RU" sz="1400" b="1" dirty="0" smtClean="0">
+                <a:latin typeface="Courier New" pitchFamily="49" charset="0"/>
+                <a:cs typeface="Courier New" pitchFamily="49" charset="0"/>
+              </a:rPr>
+              <a:t>               </a:t>
+            </a:r>
+            <a:endParaRPr lang="ru-RU" sz="1400" b="1" dirty="0">
+              <a:latin typeface="Courier New" pitchFamily="49" charset="0"/>
+              <a:cs typeface="Courier New" pitchFamily="49" charset="0"/>
+            </a:endParaRPr>
+          </a:p>
+          <a:p>
+            <a:r>
+              <a:rPr lang="en-US" sz="1400" b="1" dirty="0" smtClean="0">
+                <a:latin typeface="Courier New" pitchFamily="49" charset="0"/>
+                <a:cs typeface="Courier New" pitchFamily="49" charset="0"/>
+              </a:rPr>
+              <a:t>    &lt;!-- </a:t>
+            </a:r>
+            <a:r>
+              <a:rPr lang="en-US" sz="1400" b="1" u="sng" dirty="0" err="1">
+                <a:latin typeface="Courier New" pitchFamily="49" charset="0"/>
+                <a:cs typeface="Courier New" pitchFamily="49" charset="0"/>
+              </a:rPr>
+              <a:t>params</a:t>
+            </a:r>
+            <a:r>
+              <a:rPr lang="en-US" sz="1400" b="1" u="sng" dirty="0">
+                <a:latin typeface="Courier New" pitchFamily="49" charset="0"/>
+                <a:cs typeface="Courier New" pitchFamily="49" charset="0"/>
+              </a:rPr>
+              <a:t> --&gt;</a:t>
+            </a:r>
+          </a:p>
+          <a:p>
+            <a:r>
+              <a:rPr lang="en-US" sz="1400" b="1" dirty="0" smtClean="0">
+                <a:latin typeface="Courier New" pitchFamily="49" charset="0"/>
+                <a:cs typeface="Courier New" pitchFamily="49" charset="0"/>
+              </a:rPr>
+              <a:t>    &lt;</a:t>
+            </a:r>
+            <a:r>
+              <a:rPr lang="en-US" sz="1400" b="1" dirty="0" err="1">
+                <a:latin typeface="Courier New" pitchFamily="49" charset="0"/>
+                <a:cs typeface="Courier New" pitchFamily="49" charset="0"/>
+              </a:rPr>
+              <a:t>work.encoding</a:t>
+            </a:r>
+            <a:r>
+              <a:rPr lang="en-US" sz="1400" b="1" dirty="0">
+                <a:latin typeface="Courier New" pitchFamily="49" charset="0"/>
+                <a:cs typeface="Courier New" pitchFamily="49" charset="0"/>
+              </a:rPr>
+              <a:t>&gt;UTF-8&lt;/</a:t>
+            </a:r>
+            <a:r>
+              <a:rPr lang="en-US" sz="1400" b="1" dirty="0" err="1">
+                <a:latin typeface="Courier New" pitchFamily="49" charset="0"/>
+                <a:cs typeface="Courier New" pitchFamily="49" charset="0"/>
+              </a:rPr>
+              <a:t>work.encoding</a:t>
+            </a:r>
+            <a:r>
+              <a:rPr lang="en-US" sz="1400" b="1" dirty="0">
+                <a:latin typeface="Courier New" pitchFamily="49" charset="0"/>
+                <a:cs typeface="Courier New" pitchFamily="49" charset="0"/>
+              </a:rPr>
+              <a:t>&gt;        </a:t>
+            </a:r>
+          </a:p>
+          <a:p>
+            <a:r>
+              <a:rPr lang="en-US" sz="1400" b="1" dirty="0" smtClean="0">
+                <a:latin typeface="Courier New" pitchFamily="49" charset="0"/>
+                <a:cs typeface="Courier New" pitchFamily="49" charset="0"/>
+              </a:rPr>
+              <a:t>&lt;/</a:t>
+            </a:r>
+            <a:r>
+              <a:rPr lang="en-US" sz="1400" b="1" dirty="0">
+                <a:latin typeface="Courier New" pitchFamily="49" charset="0"/>
+                <a:cs typeface="Courier New" pitchFamily="49" charset="0"/>
+              </a:rPr>
+              <a:t>properties</a:t>
+            </a:r>
+            <a:r>
+              <a:rPr lang="en-US" sz="1400" b="1" dirty="0" smtClean="0">
+                <a:latin typeface="Courier New" pitchFamily="49" charset="0"/>
+                <a:cs typeface="Courier New" pitchFamily="49" charset="0"/>
+              </a:rPr>
+              <a:t>&gt;</a:t>
+            </a:r>
+          </a:p>
+          <a:p>
+            <a:endParaRPr lang="en-US" sz="1400" b="1" dirty="0">
+              <a:latin typeface="Courier New" pitchFamily="49" charset="0"/>
+              <a:cs typeface="Courier New" pitchFamily="49" charset="0"/>
+            </a:endParaRPr>
+          </a:p>
+          <a:p>
+            <a:endParaRPr lang="en-US" sz="1400" b="1" dirty="0" smtClean="0">
+              <a:latin typeface="Courier New" pitchFamily="49" charset="0"/>
+              <a:cs typeface="Courier New" pitchFamily="49" charset="0"/>
+            </a:endParaRPr>
+          </a:p>
+          <a:p>
+            <a:r>
+              <a:rPr lang="en-US" sz="1400" b="1" dirty="0" smtClean="0">
+                <a:latin typeface="Courier New" pitchFamily="49" charset="0"/>
+                <a:cs typeface="Courier New" pitchFamily="49" charset="0"/>
+              </a:rPr>
+              <a:t>${spring-version}</a:t>
+            </a:r>
+          </a:p>
+          <a:p>
+            <a:r>
+              <a:rPr lang="en-US" sz="1400" b="1" dirty="0" smtClean="0">
+                <a:latin typeface="Courier New" pitchFamily="49" charset="0"/>
+                <a:cs typeface="Courier New" pitchFamily="49" charset="0"/>
+              </a:rPr>
+              <a:t>${org.slf4j-version}</a:t>
+            </a:r>
+          </a:p>
+          <a:p>
+            <a:r>
+              <a:rPr lang="en-US" sz="1400" b="1" dirty="0" smtClean="0">
+                <a:latin typeface="Courier New" pitchFamily="49" charset="0"/>
+                <a:cs typeface="Courier New" pitchFamily="49" charset="0"/>
+              </a:rPr>
+              <a:t>${log4j-version}</a:t>
+            </a:r>
+          </a:p>
+          <a:p>
+            <a:r>
+              <a:rPr lang="en-US" sz="1400" b="1" dirty="0" smtClean="0">
+                <a:latin typeface="Courier New" pitchFamily="49" charset="0"/>
+                <a:cs typeface="Courier New" pitchFamily="49" charset="0"/>
+              </a:rPr>
+              <a:t>...</a:t>
+            </a:r>
+            <a:endParaRPr lang="en-US" sz="1400" b="1" dirty="0" smtClean="0">
+              <a:latin typeface="Courier New" pitchFamily="49" charset="0"/>
+              <a:cs typeface="Courier New" pitchFamily="49" charset="0"/>
+            </a:endParaRPr>
+          </a:p>
+        </p:txBody>
+      </p:sp>
+    </p:spTree>
+    <p:extLst>
+      <p:ext uri="{BB962C8B-B14F-4D97-AF65-F5344CB8AC3E}">
+        <p14:creationId xmlns:p14="http://schemas.microsoft.com/office/powerpoint/2010/main" val="3645908535"/>
+      </p:ext>
+    </p:extLst>
+  </p:cSld>
+  <p:clrMapOvr>
+    <a:masterClrMapping/>
+  </p:clrMapOvr>
+  <p:timing>
+    <p:tnLst>
+      <p:par>
+        <p:cTn id="1" dur="indefinite" restart="never" nodeType="tmRoot"/>
+      </p:par>
+    </p:tnLst>
+  </p:timing>
+</p:sld>
+</file>
+
+<file path=ppt/slides/slide18.xml><?xml version="1.0" encoding="utf-8"?>
+<p:sld xmlns:a="http://schemas.openxmlformats.org/drawingml/2006/main" xmlns:r="http://schemas.openxmlformats.org/officeDocument/2006/relationships" xmlns:p="http://schemas.openxmlformats.org/presentationml/2006/main">
+  <p:cSld>
+    <p:spTree>
+      <p:nvGrpSpPr>
+        <p:cNvPr id="1" name=""/>
+        <p:cNvGrpSpPr/>
+        <p:nvPr/>
+      </p:nvGrpSpPr>
+      <p:grpSpPr>
+        <a:xfrm>
+          <a:off x="0" y="0"/>
+          <a:ext cx="0" cy="0"/>
+          <a:chOff x="0" y="0"/>
+          <a:chExt cx="0" cy="0"/>
+        </a:xfrm>
+      </p:grpSpPr>
+      <p:sp>
+        <p:nvSpPr>
+          <p:cNvPr id="2" name="Title 1"/>
+          <p:cNvSpPr>
+            <a:spLocks noGrp="1"/>
+          </p:cNvSpPr>
+          <p:nvPr>
+            <p:ph type="title"/>
+          </p:nvPr>
+        </p:nvSpPr>
+        <p:spPr>
+          <a:xfrm>
+            <a:off x="457200" y="274638"/>
+            <a:ext cx="8229600" cy="439718"/>
+          </a:xfrm>
+          <a:ln>
+            <a:noFill/>
+          </a:ln>
+        </p:spPr>
+        <p:txBody>
+          <a:bodyPr>
+            <a:normAutofit fontScale="90000"/>
+          </a:bodyPr>
+          <a:lstStyle/>
+          <a:p>
+            <a:pPr algn="l"/>
+            <a:r>
+              <a:rPr lang="en-US" sz="3200" dirty="0" smtClean="0"/>
+              <a:t>Maven</a:t>
+            </a:r>
+            <a:endParaRPr lang="ru-RU" sz="3200" dirty="0"/>
+          </a:p>
+        </p:txBody>
+      </p:sp>
+      <p:cxnSp>
+        <p:nvCxnSpPr>
+          <p:cNvPr id="7" name="Straight Connector 6"/>
+          <p:cNvCxnSpPr/>
+          <p:nvPr/>
+        </p:nvCxnSpPr>
+        <p:spPr>
+          <a:xfrm>
+            <a:off x="428596" y="714356"/>
+            <a:ext cx="8286808" cy="1588"/>
+          </a:xfrm>
+          <a:prstGeom prst="line">
+            <a:avLst/>
+          </a:prstGeom>
+          <a:ln>
+            <a:solidFill>
+              <a:schemeClr val="tx1"/>
+            </a:solidFill>
+          </a:ln>
+        </p:spPr>
+        <p:style>
+          <a:lnRef idx="1">
+            <a:schemeClr val="accent1"/>
+          </a:lnRef>
+          <a:fillRef idx="0">
+            <a:schemeClr val="accent1"/>
+          </a:fillRef>
+          <a:effectRef idx="0">
+            <a:schemeClr val="accent1"/>
+          </a:effectRef>
+          <a:fontRef idx="minor">
+            <a:schemeClr val="tx1"/>
+          </a:fontRef>
+        </p:style>
+      </p:cxnSp>
+      <p:sp>
+        <p:nvSpPr>
+          <p:cNvPr id="10" name="TextBox 9"/>
+          <p:cNvSpPr txBox="1"/>
+          <p:nvPr/>
+        </p:nvSpPr>
+        <p:spPr>
+          <a:xfrm>
+            <a:off x="428596" y="1000108"/>
+            <a:ext cx="8286808" cy="3108543"/>
+          </a:xfrm>
+          <a:prstGeom prst="rect">
+            <a:avLst/>
+          </a:prstGeom>
+          <a:noFill/>
+        </p:spPr>
+        <p:txBody>
+          <a:bodyPr wrap="square" rtlCol="0">
+            <a:spAutoFit/>
+          </a:bodyPr>
+          <a:lstStyle/>
+          <a:p>
+            <a:r>
+              <a:rPr lang="ru-RU" sz="1400" b="1" dirty="0" smtClean="0">
+                <a:cs typeface="Courier New" pitchFamily="49" charset="0"/>
+              </a:rPr>
+              <a:t>Зависимости</a:t>
+            </a:r>
+            <a:endParaRPr lang="en-US" sz="1400" b="1" dirty="0" smtClean="0">
+              <a:cs typeface="Courier New" pitchFamily="49" charset="0"/>
+            </a:endParaRPr>
+          </a:p>
+          <a:p>
+            <a:endParaRPr lang="en-US" sz="1400" b="1" dirty="0">
+              <a:latin typeface="Courier New" pitchFamily="49" charset="0"/>
+              <a:cs typeface="Courier New" pitchFamily="49" charset="0"/>
+            </a:endParaRPr>
+          </a:p>
+          <a:p>
+            <a:r>
+              <a:rPr lang="en-US" sz="1400" b="1" dirty="0">
+                <a:latin typeface="Courier New" pitchFamily="49" charset="0"/>
+                <a:cs typeface="Courier New" pitchFamily="49" charset="0"/>
+              </a:rPr>
+              <a:t>&lt;dependencies&gt;</a:t>
+            </a:r>
+          </a:p>
+          <a:p>
+            <a:r>
+              <a:rPr lang="ru-RU" sz="1400" b="1" dirty="0" smtClean="0">
+                <a:latin typeface="Courier New" pitchFamily="49" charset="0"/>
+                <a:cs typeface="Courier New" pitchFamily="49" charset="0"/>
+              </a:rPr>
+              <a:t>    </a:t>
+            </a:r>
+            <a:r>
+              <a:rPr lang="en-US" sz="1400" b="1" dirty="0" smtClean="0">
+                <a:latin typeface="Courier New" pitchFamily="49" charset="0"/>
+                <a:cs typeface="Courier New" pitchFamily="49" charset="0"/>
+              </a:rPr>
+              <a:t>&lt;</a:t>
+            </a:r>
+            <a:r>
+              <a:rPr lang="en-US" sz="1400" b="1" dirty="0">
+                <a:latin typeface="Courier New" pitchFamily="49" charset="0"/>
+                <a:cs typeface="Courier New" pitchFamily="49" charset="0"/>
+              </a:rPr>
+              <a:t>dependency&gt;</a:t>
+            </a:r>
+          </a:p>
+          <a:p>
+            <a:r>
+              <a:rPr lang="ru-RU" sz="1400" b="1" dirty="0" smtClean="0">
+                <a:latin typeface="Courier New" pitchFamily="49" charset="0"/>
+                <a:cs typeface="Courier New" pitchFamily="49" charset="0"/>
+              </a:rPr>
+              <a:t>        </a:t>
+            </a:r>
+            <a:r>
+              <a:rPr lang="en-US" sz="1400" b="1" dirty="0" smtClean="0">
+                <a:latin typeface="Courier New" pitchFamily="49" charset="0"/>
+                <a:cs typeface="Courier New" pitchFamily="49" charset="0"/>
+              </a:rPr>
+              <a:t>&lt;</a:t>
+            </a:r>
+            <a:r>
+              <a:rPr lang="en-US" sz="1400" b="1" dirty="0" err="1">
+                <a:latin typeface="Courier New" pitchFamily="49" charset="0"/>
+                <a:cs typeface="Courier New" pitchFamily="49" charset="0"/>
+              </a:rPr>
+              <a:t>groupId</a:t>
+            </a:r>
+            <a:r>
+              <a:rPr lang="en-US" sz="1400" b="1" dirty="0">
+                <a:latin typeface="Courier New" pitchFamily="49" charset="0"/>
+                <a:cs typeface="Courier New" pitchFamily="49" charset="0"/>
+              </a:rPr>
+              <a:t>&gt;</a:t>
+            </a:r>
+            <a:r>
+              <a:rPr lang="en-US" sz="1400" b="1" dirty="0" err="1">
+                <a:latin typeface="Courier New" pitchFamily="49" charset="0"/>
+                <a:cs typeface="Courier New" pitchFamily="49" charset="0"/>
+              </a:rPr>
+              <a:t>javax.activation</a:t>
+            </a:r>
+            <a:r>
+              <a:rPr lang="en-US" sz="1400" b="1" dirty="0">
+                <a:latin typeface="Courier New" pitchFamily="49" charset="0"/>
+                <a:cs typeface="Courier New" pitchFamily="49" charset="0"/>
+              </a:rPr>
+              <a:t>&lt;/</a:t>
+            </a:r>
+            <a:r>
+              <a:rPr lang="en-US" sz="1400" b="1" dirty="0" err="1">
+                <a:latin typeface="Courier New" pitchFamily="49" charset="0"/>
+                <a:cs typeface="Courier New" pitchFamily="49" charset="0"/>
+              </a:rPr>
+              <a:t>groupId</a:t>
+            </a:r>
+            <a:r>
+              <a:rPr lang="en-US" sz="1400" b="1" dirty="0">
+                <a:latin typeface="Courier New" pitchFamily="49" charset="0"/>
+                <a:cs typeface="Courier New" pitchFamily="49" charset="0"/>
+              </a:rPr>
+              <a:t>&gt;</a:t>
+            </a:r>
+          </a:p>
+          <a:p>
+            <a:r>
+              <a:rPr lang="ru-RU" sz="1400" b="1" dirty="0" smtClean="0">
+                <a:latin typeface="Courier New" pitchFamily="49" charset="0"/>
+                <a:cs typeface="Courier New" pitchFamily="49" charset="0"/>
+              </a:rPr>
+              <a:t>        </a:t>
+            </a:r>
+            <a:r>
+              <a:rPr lang="en-US" sz="1400" b="1" dirty="0" smtClean="0">
+                <a:latin typeface="Courier New" pitchFamily="49" charset="0"/>
+                <a:cs typeface="Courier New" pitchFamily="49" charset="0"/>
+              </a:rPr>
+              <a:t>&lt;</a:t>
+            </a:r>
+            <a:r>
+              <a:rPr lang="en-US" sz="1400" b="1" dirty="0" err="1">
+                <a:latin typeface="Courier New" pitchFamily="49" charset="0"/>
+                <a:cs typeface="Courier New" pitchFamily="49" charset="0"/>
+              </a:rPr>
+              <a:t>artifactId</a:t>
+            </a:r>
+            <a:r>
+              <a:rPr lang="en-US" sz="1400" b="1" dirty="0">
+                <a:latin typeface="Courier New" pitchFamily="49" charset="0"/>
+                <a:cs typeface="Courier New" pitchFamily="49" charset="0"/>
+              </a:rPr>
+              <a:t>&gt;activation&lt;/</a:t>
+            </a:r>
+            <a:r>
+              <a:rPr lang="en-US" sz="1400" b="1" dirty="0" err="1">
+                <a:latin typeface="Courier New" pitchFamily="49" charset="0"/>
+                <a:cs typeface="Courier New" pitchFamily="49" charset="0"/>
+              </a:rPr>
+              <a:t>artifactId</a:t>
+            </a:r>
+            <a:r>
+              <a:rPr lang="en-US" sz="1400" b="1" dirty="0">
+                <a:latin typeface="Courier New" pitchFamily="49" charset="0"/>
+                <a:cs typeface="Courier New" pitchFamily="49" charset="0"/>
+              </a:rPr>
+              <a:t>&gt;</a:t>
+            </a:r>
+          </a:p>
+          <a:p>
+            <a:r>
+              <a:rPr lang="ru-RU" sz="1400" b="1" dirty="0" smtClean="0">
+                <a:latin typeface="Courier New" pitchFamily="49" charset="0"/>
+                <a:cs typeface="Courier New" pitchFamily="49" charset="0"/>
+              </a:rPr>
+              <a:t>        </a:t>
+            </a:r>
+            <a:r>
+              <a:rPr lang="en-US" sz="1400" b="1" dirty="0" smtClean="0">
+                <a:latin typeface="Courier New" pitchFamily="49" charset="0"/>
+                <a:cs typeface="Courier New" pitchFamily="49" charset="0"/>
+              </a:rPr>
+              <a:t>&lt;</a:t>
+            </a:r>
+            <a:r>
+              <a:rPr lang="en-US" sz="1400" b="1" dirty="0">
+                <a:latin typeface="Courier New" pitchFamily="49" charset="0"/>
+                <a:cs typeface="Courier New" pitchFamily="49" charset="0"/>
+              </a:rPr>
+              <a:t>version&gt;1.1&lt;/version&gt;</a:t>
+            </a:r>
+          </a:p>
+          <a:p>
+            <a:r>
+              <a:rPr lang="ru-RU" sz="1400" b="1" dirty="0" smtClean="0">
+                <a:latin typeface="Courier New" pitchFamily="49" charset="0"/>
+                <a:cs typeface="Courier New" pitchFamily="49" charset="0"/>
+              </a:rPr>
+              <a:t>    </a:t>
+            </a:r>
+            <a:r>
+              <a:rPr lang="en-US" sz="1400" b="1" dirty="0" smtClean="0">
+                <a:latin typeface="Courier New" pitchFamily="49" charset="0"/>
+                <a:cs typeface="Courier New" pitchFamily="49" charset="0"/>
+              </a:rPr>
+              <a:t>&lt;/</a:t>
+            </a:r>
+            <a:r>
+              <a:rPr lang="en-US" sz="1400" b="1" dirty="0">
+                <a:latin typeface="Courier New" pitchFamily="49" charset="0"/>
+                <a:cs typeface="Courier New" pitchFamily="49" charset="0"/>
+              </a:rPr>
+              <a:t>dependency&gt;</a:t>
+            </a:r>
+          </a:p>
+          <a:p>
+            <a:r>
+              <a:rPr lang="ru-RU" sz="1400" b="1" dirty="0" smtClean="0">
+                <a:latin typeface="Courier New" pitchFamily="49" charset="0"/>
+                <a:cs typeface="Courier New" pitchFamily="49" charset="0"/>
+              </a:rPr>
+              <a:t>    </a:t>
+            </a:r>
+            <a:r>
+              <a:rPr lang="en-US" sz="1400" b="1" dirty="0" smtClean="0">
+                <a:latin typeface="Courier New" pitchFamily="49" charset="0"/>
+                <a:cs typeface="Courier New" pitchFamily="49" charset="0"/>
+              </a:rPr>
+              <a:t>&lt;</a:t>
+            </a:r>
+            <a:r>
+              <a:rPr lang="en-US" sz="1400" b="1" dirty="0">
+                <a:latin typeface="Courier New" pitchFamily="49" charset="0"/>
+                <a:cs typeface="Courier New" pitchFamily="49" charset="0"/>
+              </a:rPr>
+              <a:t>dependency&gt;</a:t>
+            </a:r>
+          </a:p>
+          <a:p>
+            <a:r>
+              <a:rPr lang="ru-RU" sz="1400" b="1" dirty="0" smtClean="0">
+                <a:latin typeface="Courier New" pitchFamily="49" charset="0"/>
+                <a:cs typeface="Courier New" pitchFamily="49" charset="0"/>
+              </a:rPr>
+              <a:t>        </a:t>
+            </a:r>
+            <a:r>
+              <a:rPr lang="en-US" sz="1400" b="1" dirty="0" smtClean="0">
+                <a:latin typeface="Courier New" pitchFamily="49" charset="0"/>
+                <a:cs typeface="Courier New" pitchFamily="49" charset="0"/>
+              </a:rPr>
+              <a:t>&lt;</a:t>
+            </a:r>
+            <a:r>
+              <a:rPr lang="en-US" sz="1400" b="1" dirty="0" err="1">
+                <a:latin typeface="Courier New" pitchFamily="49" charset="0"/>
+                <a:cs typeface="Courier New" pitchFamily="49" charset="0"/>
+              </a:rPr>
+              <a:t>groupId</a:t>
+            </a:r>
+            <a:r>
+              <a:rPr lang="en-US" sz="1400" b="1" dirty="0">
+                <a:latin typeface="Courier New" pitchFamily="49" charset="0"/>
+                <a:cs typeface="Courier New" pitchFamily="49" charset="0"/>
+              </a:rPr>
+              <a:t>&gt;javax.xml&lt;/</a:t>
+            </a:r>
+            <a:r>
+              <a:rPr lang="en-US" sz="1400" b="1" dirty="0" err="1">
+                <a:latin typeface="Courier New" pitchFamily="49" charset="0"/>
+                <a:cs typeface="Courier New" pitchFamily="49" charset="0"/>
+              </a:rPr>
+              <a:t>groupId</a:t>
+            </a:r>
+            <a:r>
+              <a:rPr lang="en-US" sz="1400" b="1" dirty="0">
+                <a:latin typeface="Courier New" pitchFamily="49" charset="0"/>
+                <a:cs typeface="Courier New" pitchFamily="49" charset="0"/>
+              </a:rPr>
+              <a:t>&gt;</a:t>
+            </a:r>
+          </a:p>
+          <a:p>
+            <a:r>
+              <a:rPr lang="ru-RU" sz="1400" b="1" dirty="0" smtClean="0">
+                <a:latin typeface="Courier New" pitchFamily="49" charset="0"/>
+                <a:cs typeface="Courier New" pitchFamily="49" charset="0"/>
+              </a:rPr>
+              <a:t>        </a:t>
+            </a:r>
+            <a:r>
+              <a:rPr lang="en-US" sz="1400" b="1" dirty="0" smtClean="0">
+                <a:latin typeface="Courier New" pitchFamily="49" charset="0"/>
+                <a:cs typeface="Courier New" pitchFamily="49" charset="0"/>
+              </a:rPr>
+              <a:t>&lt;</a:t>
+            </a:r>
+            <a:r>
+              <a:rPr lang="en-US" sz="1400" b="1" dirty="0" err="1">
+                <a:latin typeface="Courier New" pitchFamily="49" charset="0"/>
+                <a:cs typeface="Courier New" pitchFamily="49" charset="0"/>
+              </a:rPr>
+              <a:t>artifactId</a:t>
+            </a:r>
+            <a:r>
+              <a:rPr lang="en-US" sz="1400" b="1" dirty="0">
+                <a:latin typeface="Courier New" pitchFamily="49" charset="0"/>
+                <a:cs typeface="Courier New" pitchFamily="49" charset="0"/>
+              </a:rPr>
+              <a:t>&gt;</a:t>
+            </a:r>
+            <a:r>
+              <a:rPr lang="en-US" sz="1400" b="1" dirty="0" err="1">
+                <a:latin typeface="Courier New" pitchFamily="49" charset="0"/>
+                <a:cs typeface="Courier New" pitchFamily="49" charset="0"/>
+              </a:rPr>
+              <a:t>jaxrpc-api</a:t>
+            </a:r>
+            <a:r>
+              <a:rPr lang="en-US" sz="1400" b="1" dirty="0">
+                <a:latin typeface="Courier New" pitchFamily="49" charset="0"/>
+                <a:cs typeface="Courier New" pitchFamily="49" charset="0"/>
+              </a:rPr>
+              <a:t>&lt;/</a:t>
+            </a:r>
+            <a:r>
+              <a:rPr lang="en-US" sz="1400" b="1" dirty="0" err="1">
+                <a:latin typeface="Courier New" pitchFamily="49" charset="0"/>
+                <a:cs typeface="Courier New" pitchFamily="49" charset="0"/>
+              </a:rPr>
+              <a:t>artifactId</a:t>
+            </a:r>
+            <a:r>
+              <a:rPr lang="en-US" sz="1400" b="1" dirty="0">
+                <a:latin typeface="Courier New" pitchFamily="49" charset="0"/>
+                <a:cs typeface="Courier New" pitchFamily="49" charset="0"/>
+              </a:rPr>
+              <a:t>&gt;</a:t>
+            </a:r>
+          </a:p>
+          <a:p>
+            <a:r>
+              <a:rPr lang="ru-RU" sz="1400" b="1" dirty="0" smtClean="0">
+                <a:latin typeface="Courier New" pitchFamily="49" charset="0"/>
+                <a:cs typeface="Courier New" pitchFamily="49" charset="0"/>
+              </a:rPr>
+              <a:t>        </a:t>
+            </a:r>
+            <a:r>
+              <a:rPr lang="en-US" sz="1400" b="1" dirty="0" smtClean="0">
+                <a:latin typeface="Courier New" pitchFamily="49" charset="0"/>
+                <a:cs typeface="Courier New" pitchFamily="49" charset="0"/>
+              </a:rPr>
+              <a:t>&lt;</a:t>
+            </a:r>
+            <a:r>
+              <a:rPr lang="en-US" sz="1400" b="1" dirty="0">
+                <a:latin typeface="Courier New" pitchFamily="49" charset="0"/>
+                <a:cs typeface="Courier New" pitchFamily="49" charset="0"/>
+              </a:rPr>
+              <a:t>version&gt;1.1&lt;/version&gt;</a:t>
+            </a:r>
+          </a:p>
+          <a:p>
+            <a:r>
+              <a:rPr lang="ru-RU" sz="1400" b="1" dirty="0" smtClean="0">
+                <a:latin typeface="Courier New" pitchFamily="49" charset="0"/>
+                <a:cs typeface="Courier New" pitchFamily="49" charset="0"/>
+              </a:rPr>
+              <a:t>    </a:t>
+            </a:r>
+            <a:r>
+              <a:rPr lang="en-US" sz="1400" b="1" dirty="0" smtClean="0">
+                <a:latin typeface="Courier New" pitchFamily="49" charset="0"/>
+                <a:cs typeface="Courier New" pitchFamily="49" charset="0"/>
+              </a:rPr>
+              <a:t>&lt;/</a:t>
+            </a:r>
+            <a:r>
+              <a:rPr lang="en-US" sz="1400" b="1" dirty="0">
+                <a:latin typeface="Courier New" pitchFamily="49" charset="0"/>
+                <a:cs typeface="Courier New" pitchFamily="49" charset="0"/>
+              </a:rPr>
+              <a:t>dependency</a:t>
+            </a:r>
+            <a:r>
+              <a:rPr lang="en-US" sz="1400" b="1" dirty="0" smtClean="0">
+                <a:latin typeface="Courier New" pitchFamily="49" charset="0"/>
+                <a:cs typeface="Courier New" pitchFamily="49" charset="0"/>
+              </a:rPr>
+              <a:t>&gt;</a:t>
+            </a:r>
+            <a:endParaRPr lang="ru-RU" sz="1400" b="1" dirty="0" smtClean="0">
+              <a:latin typeface="Courier New" pitchFamily="49" charset="0"/>
+              <a:cs typeface="Courier New" pitchFamily="49" charset="0"/>
+            </a:endParaRPr>
+          </a:p>
+          <a:p>
+            <a:r>
+              <a:rPr lang="en-US" sz="1400" b="1" dirty="0" smtClean="0">
+                <a:latin typeface="Courier New" pitchFamily="49" charset="0"/>
+                <a:cs typeface="Courier New" pitchFamily="49" charset="0"/>
+              </a:rPr>
+              <a:t>&lt;/dependencies&gt;</a:t>
+            </a:r>
+            <a:endParaRPr lang="en-US" sz="1400" b="1" dirty="0">
+              <a:latin typeface="Courier New" pitchFamily="49" charset="0"/>
+              <a:cs typeface="Courier New" pitchFamily="49" charset="0"/>
+            </a:endParaRPr>
+          </a:p>
+        </p:txBody>
+      </p:sp>
+    </p:spTree>
+    <p:extLst>
+      <p:ext uri="{BB962C8B-B14F-4D97-AF65-F5344CB8AC3E}">
+        <p14:creationId xmlns:p14="http://schemas.microsoft.com/office/powerpoint/2010/main" val="2911482720"/>
+      </p:ext>
+    </p:extLst>
+  </p:cSld>
+  <p:clrMapOvr>
+    <a:masterClrMapping/>
+  </p:clrMapOvr>
+  <p:timing>
+    <p:tnLst>
+      <p:par>
+        <p:cTn id="1" dur="indefinite" restart="never" nodeType="tmRoot"/>
+      </p:par>
+    </p:tnLst>
+  </p:timing>
+</p:sld>
+</file>
+
+<file path=ppt/slides/slide19.xml><?xml version="1.0" encoding="utf-8"?>
+<p:sld xmlns:a="http://schemas.openxmlformats.org/drawingml/2006/main" xmlns:r="http://schemas.openxmlformats.org/officeDocument/2006/relationships" xmlns:p="http://schemas.openxmlformats.org/presentationml/2006/main">
+  <p:cSld>
+    <p:spTree>
+      <p:nvGrpSpPr>
+        <p:cNvPr id="1" name=""/>
+        <p:cNvGrpSpPr/>
+        <p:nvPr/>
+      </p:nvGrpSpPr>
+      <p:grpSpPr>
+        <a:xfrm>
+          <a:off x="0" y="0"/>
+          <a:ext cx="0" cy="0"/>
+          <a:chOff x="0" y="0"/>
+          <a:chExt cx="0" cy="0"/>
+        </a:xfrm>
+      </p:grpSpPr>
+      <p:sp>
+        <p:nvSpPr>
+          <p:cNvPr id="2" name="Title 1"/>
+          <p:cNvSpPr>
+            <a:spLocks noGrp="1"/>
+          </p:cNvSpPr>
+          <p:nvPr>
+            <p:ph type="title"/>
+          </p:nvPr>
+        </p:nvSpPr>
+        <p:spPr>
+          <a:xfrm>
+            <a:off x="457200" y="274638"/>
+            <a:ext cx="8229600" cy="439718"/>
+          </a:xfrm>
+          <a:ln>
+            <a:noFill/>
+          </a:ln>
+        </p:spPr>
+        <p:txBody>
+          <a:bodyPr>
+            <a:normAutofit fontScale="90000"/>
+          </a:bodyPr>
+          <a:lstStyle/>
+          <a:p>
+            <a:pPr algn="l"/>
+            <a:r>
+              <a:rPr lang="en-US" sz="3200" dirty="0" smtClean="0"/>
+              <a:t>Maven</a:t>
+            </a:r>
+            <a:endParaRPr lang="ru-RU" sz="3200" dirty="0"/>
+          </a:p>
+        </p:txBody>
+      </p:sp>
+      <p:cxnSp>
+        <p:nvCxnSpPr>
+          <p:cNvPr id="7" name="Straight Connector 6"/>
+          <p:cNvCxnSpPr/>
+          <p:nvPr/>
+        </p:nvCxnSpPr>
+        <p:spPr>
+          <a:xfrm>
+            <a:off x="428596" y="714356"/>
+            <a:ext cx="8286808" cy="1588"/>
+          </a:xfrm>
+          <a:prstGeom prst="line">
+            <a:avLst/>
+          </a:prstGeom>
+          <a:ln>
+            <a:solidFill>
+              <a:schemeClr val="tx1"/>
+            </a:solidFill>
+          </a:ln>
+        </p:spPr>
+        <p:style>
+          <a:lnRef idx="1">
+            <a:schemeClr val="accent1"/>
+          </a:lnRef>
+          <a:fillRef idx="0">
+            <a:schemeClr val="accent1"/>
+          </a:fillRef>
+          <a:effectRef idx="0">
+            <a:schemeClr val="accent1"/>
+          </a:effectRef>
+          <a:fontRef idx="minor">
+            <a:schemeClr val="tx1"/>
+          </a:fontRef>
+        </p:style>
+      </p:cxnSp>
+      <p:sp>
+        <p:nvSpPr>
+          <p:cNvPr id="10" name="TextBox 9"/>
+          <p:cNvSpPr txBox="1"/>
+          <p:nvPr/>
+        </p:nvSpPr>
+        <p:spPr>
+          <a:xfrm>
+            <a:off x="428596" y="1000108"/>
+            <a:ext cx="8286808" cy="2031325"/>
+          </a:xfrm>
+          <a:prstGeom prst="rect">
+            <a:avLst/>
+          </a:prstGeom>
+          <a:noFill/>
+        </p:spPr>
+        <p:txBody>
+          <a:bodyPr wrap="square" rtlCol="0">
+            <a:spAutoFit/>
+          </a:bodyPr>
+          <a:lstStyle/>
+          <a:p>
+            <a:r>
+              <a:rPr lang="ru-RU" sz="1400" b="1" dirty="0" err="1" smtClean="0">
+                <a:cs typeface="Courier New" pitchFamily="49" charset="0"/>
+              </a:rPr>
+              <a:t>Репозитории</a:t>
+            </a:r>
+            <a:endParaRPr lang="en-US" sz="1400" b="1" dirty="0" smtClean="0">
+              <a:cs typeface="Courier New" pitchFamily="49" charset="0"/>
+            </a:endParaRPr>
+          </a:p>
+          <a:p>
+            <a:endParaRPr lang="en-US" sz="1400" b="1" dirty="0">
+              <a:latin typeface="Courier New" pitchFamily="49" charset="0"/>
+              <a:cs typeface="Courier New" pitchFamily="49" charset="0"/>
+            </a:endParaRPr>
+          </a:p>
+          <a:p>
+            <a:r>
+              <a:rPr lang="en-US" sz="1400" b="1" dirty="0">
+                <a:latin typeface="Courier New" pitchFamily="49" charset="0"/>
+                <a:cs typeface="Courier New" pitchFamily="49" charset="0"/>
+              </a:rPr>
+              <a:t>&lt;repositories&gt;</a:t>
+            </a:r>
+          </a:p>
+          <a:p>
+            <a:r>
+              <a:rPr lang="en-US" sz="1400" b="1" dirty="0" smtClean="0">
+                <a:latin typeface="Courier New" pitchFamily="49" charset="0"/>
+                <a:cs typeface="Courier New" pitchFamily="49" charset="0"/>
+              </a:rPr>
+              <a:t>    &lt;</a:t>
+            </a:r>
+            <a:r>
+              <a:rPr lang="en-US" sz="1400" b="1" dirty="0">
+                <a:latin typeface="Courier New" pitchFamily="49" charset="0"/>
+                <a:cs typeface="Courier New" pitchFamily="49" charset="0"/>
+              </a:rPr>
+              <a:t>repository&gt;</a:t>
+            </a:r>
+          </a:p>
+          <a:p>
+            <a:r>
+              <a:rPr lang="en-US" sz="1400" b="1" dirty="0" smtClean="0">
+                <a:latin typeface="Courier New" pitchFamily="49" charset="0"/>
+                <a:cs typeface="Courier New" pitchFamily="49" charset="0"/>
+              </a:rPr>
+              <a:t>        &lt;</a:t>
+            </a:r>
+            <a:r>
+              <a:rPr lang="en-US" sz="1400" b="1" dirty="0">
+                <a:latin typeface="Courier New" pitchFamily="49" charset="0"/>
+                <a:cs typeface="Courier New" pitchFamily="49" charset="0"/>
+              </a:rPr>
+              <a:t>id&gt;eclipse-platform&lt;/id&gt;</a:t>
+            </a:r>
+          </a:p>
+          <a:p>
+            <a:r>
+              <a:rPr lang="en-US" sz="1400" b="1" dirty="0" smtClean="0">
+                <a:latin typeface="Courier New" pitchFamily="49" charset="0"/>
+                <a:cs typeface="Courier New" pitchFamily="49" charset="0"/>
+              </a:rPr>
+              <a:t>        &lt;</a:t>
+            </a:r>
+            <a:r>
+              <a:rPr lang="en-US" sz="1400" b="1" dirty="0">
+                <a:latin typeface="Courier New" pitchFamily="49" charset="0"/>
+                <a:cs typeface="Courier New" pitchFamily="49" charset="0"/>
+              </a:rPr>
+              <a:t>layout&gt;p2&lt;/layout&gt;</a:t>
+            </a:r>
+          </a:p>
+          <a:p>
+            <a:r>
+              <a:rPr lang="en-US" sz="1400" b="1" dirty="0" smtClean="0">
+                <a:latin typeface="Courier New" pitchFamily="49" charset="0"/>
+                <a:cs typeface="Courier New" pitchFamily="49" charset="0"/>
+              </a:rPr>
+              <a:t>        &lt;</a:t>
+            </a:r>
+            <a:r>
+              <a:rPr lang="en-US" sz="1400" b="1" dirty="0" err="1">
+                <a:latin typeface="Courier New" pitchFamily="49" charset="0"/>
+                <a:cs typeface="Courier New" pitchFamily="49" charset="0"/>
+              </a:rPr>
+              <a:t>url</a:t>
+            </a:r>
+            <a:r>
+              <a:rPr lang="en-US" sz="1400" b="1" dirty="0">
+                <a:latin typeface="Courier New" pitchFamily="49" charset="0"/>
+                <a:cs typeface="Courier New" pitchFamily="49" charset="0"/>
+              </a:rPr>
+              <a:t>&gt;http://download.eclipse.org</a:t>
+            </a:r>
+            <a:r>
+              <a:rPr lang="en-US" sz="1400" b="1" dirty="0" smtClean="0">
+                <a:latin typeface="Courier New" pitchFamily="49" charset="0"/>
+                <a:cs typeface="Courier New" pitchFamily="49" charset="0"/>
+              </a:rPr>
+              <a:t>/...&lt;/</a:t>
+            </a:r>
+            <a:r>
+              <a:rPr lang="en-US" sz="1400" b="1" dirty="0">
+                <a:latin typeface="Courier New" pitchFamily="49" charset="0"/>
+                <a:cs typeface="Courier New" pitchFamily="49" charset="0"/>
+              </a:rPr>
+              <a:t>url&gt;</a:t>
+            </a:r>
+          </a:p>
+          <a:p>
+            <a:r>
+              <a:rPr lang="en-US" sz="1400" b="1" dirty="0" smtClean="0">
+                <a:latin typeface="Courier New" pitchFamily="49" charset="0"/>
+                <a:cs typeface="Courier New" pitchFamily="49" charset="0"/>
+              </a:rPr>
+              <a:t>    &lt;/</a:t>
+            </a:r>
+            <a:r>
+              <a:rPr lang="en-US" sz="1400" b="1" dirty="0">
+                <a:latin typeface="Courier New" pitchFamily="49" charset="0"/>
+                <a:cs typeface="Courier New" pitchFamily="49" charset="0"/>
+              </a:rPr>
+              <a:t>repository&gt;</a:t>
+            </a:r>
+          </a:p>
+          <a:p>
+            <a:r>
+              <a:rPr lang="en-US" sz="1400" b="1" dirty="0">
+                <a:latin typeface="Courier New" pitchFamily="49" charset="0"/>
+                <a:cs typeface="Courier New" pitchFamily="49" charset="0"/>
+              </a:rPr>
+              <a:t>&lt;/repositories&gt;</a:t>
+            </a:r>
+          </a:p>
+        </p:txBody>
+      </p:sp>
+    </p:spTree>
+    <p:extLst>
+      <p:ext uri="{BB962C8B-B14F-4D97-AF65-F5344CB8AC3E}">
+        <p14:creationId xmlns:p14="http://schemas.microsoft.com/office/powerpoint/2010/main" val="851376830"/>
+      </p:ext>
+    </p:extLst>
+  </p:cSld>
+  <p:clrMapOvr>
+    <a:masterClrMapping/>
+  </p:clrMapOvr>
+  <p:timing>
+    <p:tnLst>
+      <p:par>
+        <p:cTn id="1" dur="indefinite" restart="never" nodeType="tmRoot"/>
+      </p:par>
+    </p:tnLst>
+  </p:timing>
+</p:sld>
+</file>
+
 <file path=ppt/slides/slide2.xml><?xml version="1.0" encoding="utf-8"?>
 <p:sld xmlns:a="http://schemas.openxmlformats.org/drawingml/2006/main" xmlns:r="http://schemas.openxmlformats.org/officeDocument/2006/relationships" xmlns:p="http://schemas.openxmlformats.org/presentationml/2006/main">
   <p:cSld>
@@ -5325,7 +7430,7 @@
 </p:sld>
 </file>
 
-<file path=ppt/slides/slide3.xml><?xml version="1.0" encoding="utf-8"?>
+<file path=ppt/slides/slide20.xml><?xml version="1.0" encoding="utf-8"?>
 <p:sld xmlns:a="http://schemas.openxmlformats.org/drawingml/2006/main" xmlns:r="http://schemas.openxmlformats.org/officeDocument/2006/relationships" xmlns:p="http://schemas.openxmlformats.org/presentationml/2006/main">
   <p:cSld>
     <p:spTree>
@@ -5369,8 +7474,1385 @@
           <a:p>
             <a:pPr algn="l"/>
             <a:r>
+              <a:rPr lang="en-US" sz="3200" dirty="0" smtClean="0"/>
+              <a:t>Maven</a:t>
+            </a:r>
+            <a:endParaRPr lang="ru-RU" sz="3200" dirty="0"/>
+          </a:p>
+        </p:txBody>
+      </p:sp>
+      <p:cxnSp>
+        <p:nvCxnSpPr>
+          <p:cNvPr id="7" name="Straight Connector 6"/>
+          <p:cNvCxnSpPr/>
+          <p:nvPr/>
+        </p:nvCxnSpPr>
+        <p:spPr>
+          <a:xfrm>
+            <a:off x="428596" y="714356"/>
+            <a:ext cx="8286808" cy="1588"/>
+          </a:xfrm>
+          <a:prstGeom prst="line">
+            <a:avLst/>
+          </a:prstGeom>
+          <a:ln>
+            <a:solidFill>
+              <a:schemeClr val="tx1"/>
+            </a:solidFill>
+          </a:ln>
+        </p:spPr>
+        <p:style>
+          <a:lnRef idx="1">
+            <a:schemeClr val="accent1"/>
+          </a:lnRef>
+          <a:fillRef idx="0">
+            <a:schemeClr val="accent1"/>
+          </a:fillRef>
+          <a:effectRef idx="0">
+            <a:schemeClr val="accent1"/>
+          </a:effectRef>
+          <a:fontRef idx="minor">
+            <a:schemeClr val="tx1"/>
+          </a:fontRef>
+        </p:style>
+      </p:cxnSp>
+      <p:sp>
+        <p:nvSpPr>
+          <p:cNvPr id="10" name="TextBox 9"/>
+          <p:cNvSpPr txBox="1"/>
+          <p:nvPr/>
+        </p:nvSpPr>
+        <p:spPr>
+          <a:xfrm>
+            <a:off x="428596" y="1000108"/>
+            <a:ext cx="8286808" cy="4832092"/>
+          </a:xfrm>
+          <a:prstGeom prst="rect">
+            <a:avLst/>
+          </a:prstGeom>
+          <a:noFill/>
+        </p:spPr>
+        <p:txBody>
+          <a:bodyPr wrap="square" rtlCol="0">
+            <a:spAutoFit/>
+          </a:bodyPr>
+          <a:lstStyle/>
+          <a:p>
+            <a:r>
+              <a:rPr lang="ru-RU" sz="1400" b="1" dirty="0" smtClean="0">
+                <a:cs typeface="Courier New" pitchFamily="49" charset="0"/>
+              </a:rPr>
+              <a:t>Профили</a:t>
+            </a:r>
+            <a:endParaRPr lang="en-US" sz="1400" b="1" dirty="0" smtClean="0">
+              <a:cs typeface="Courier New" pitchFamily="49" charset="0"/>
+            </a:endParaRPr>
+          </a:p>
+          <a:p>
+            <a:endParaRPr lang="en-US" sz="1400" b="1" dirty="0">
+              <a:latin typeface="Courier New" pitchFamily="49" charset="0"/>
+              <a:cs typeface="Courier New" pitchFamily="49" charset="0"/>
+            </a:endParaRPr>
+          </a:p>
+          <a:p>
+            <a:r>
+              <a:rPr lang="en-US" sz="1400" b="1" dirty="0">
+                <a:latin typeface="Courier New" pitchFamily="49" charset="0"/>
+                <a:cs typeface="Courier New" pitchFamily="49" charset="0"/>
+              </a:rPr>
+              <a:t>&lt;profiles&gt;</a:t>
+            </a:r>
+          </a:p>
+          <a:p>
+            <a:r>
+              <a:rPr lang="en-US" sz="1400" b="1" dirty="0" smtClean="0">
+                <a:latin typeface="Courier New" pitchFamily="49" charset="0"/>
+                <a:cs typeface="Courier New" pitchFamily="49" charset="0"/>
+              </a:rPr>
+              <a:t>    &lt;</a:t>
+            </a:r>
+            <a:r>
+              <a:rPr lang="en-US" sz="1400" b="1" dirty="0">
+                <a:latin typeface="Courier New" pitchFamily="49" charset="0"/>
+                <a:cs typeface="Courier New" pitchFamily="49" charset="0"/>
+              </a:rPr>
+              <a:t>profile&gt;</a:t>
+            </a:r>
+          </a:p>
+          <a:p>
+            <a:r>
+              <a:rPr lang="en-US" sz="1400" b="1" dirty="0" smtClean="0">
+                <a:latin typeface="Courier New" pitchFamily="49" charset="0"/>
+                <a:cs typeface="Courier New" pitchFamily="49" charset="0"/>
+              </a:rPr>
+              <a:t>        &lt;</a:t>
+            </a:r>
+            <a:r>
+              <a:rPr lang="en-US" sz="1400" b="1" dirty="0">
+                <a:latin typeface="Courier New" pitchFamily="49" charset="0"/>
+                <a:cs typeface="Courier New" pitchFamily="49" charset="0"/>
+              </a:rPr>
+              <a:t>id&gt;</a:t>
+            </a:r>
+            <a:r>
+              <a:rPr lang="en-US" sz="1400" b="1" dirty="0" err="1">
+                <a:latin typeface="Courier New" pitchFamily="49" charset="0"/>
+                <a:cs typeface="Courier New" pitchFamily="49" charset="0"/>
+              </a:rPr>
+              <a:t>oas</a:t>
+            </a:r>
+            <a:r>
+              <a:rPr lang="en-US" sz="1400" b="1" dirty="0">
+                <a:latin typeface="Courier New" pitchFamily="49" charset="0"/>
+                <a:cs typeface="Courier New" pitchFamily="49" charset="0"/>
+              </a:rPr>
+              <a:t>&lt;/id&gt;</a:t>
+            </a:r>
+          </a:p>
+          <a:p>
+            <a:r>
+              <a:rPr lang="en-US" sz="1400" b="1" dirty="0" smtClean="0">
+                <a:latin typeface="Courier New" pitchFamily="49" charset="0"/>
+                <a:cs typeface="Courier New" pitchFamily="49" charset="0"/>
+              </a:rPr>
+              <a:t>        &lt;</a:t>
+            </a:r>
+            <a:r>
+              <a:rPr lang="en-US" sz="1400" b="1" dirty="0">
+                <a:latin typeface="Courier New" pitchFamily="49" charset="0"/>
+                <a:cs typeface="Courier New" pitchFamily="49" charset="0"/>
+              </a:rPr>
+              <a:t>properties&gt;</a:t>
+            </a:r>
+          </a:p>
+          <a:p>
+            <a:r>
+              <a:rPr lang="en-US" sz="1400" b="1" dirty="0" smtClean="0">
+                <a:latin typeface="Courier New" pitchFamily="49" charset="0"/>
+                <a:cs typeface="Courier New" pitchFamily="49" charset="0"/>
+              </a:rPr>
+              <a:t>            &lt;</a:t>
+            </a:r>
+            <a:r>
+              <a:rPr lang="en-US" sz="1400" b="1" dirty="0" err="1">
+                <a:latin typeface="Courier New" pitchFamily="49" charset="0"/>
+                <a:cs typeface="Courier New" pitchFamily="49" charset="0"/>
+              </a:rPr>
+              <a:t>bindingsPrefix</a:t>
+            </a:r>
+            <a:r>
+              <a:rPr lang="en-US" sz="1400" b="1" dirty="0">
+                <a:latin typeface="Courier New" pitchFamily="49" charset="0"/>
+                <a:cs typeface="Courier New" pitchFamily="49" charset="0"/>
+              </a:rPr>
+              <a:t>&gt;</a:t>
+            </a:r>
+            <a:r>
+              <a:rPr lang="en-US" sz="1400" b="1" dirty="0" err="1">
+                <a:latin typeface="Courier New" pitchFamily="49" charset="0"/>
+                <a:cs typeface="Courier New" pitchFamily="49" charset="0"/>
+              </a:rPr>
+              <a:t>java:comp</a:t>
+            </a:r>
+            <a:r>
+              <a:rPr lang="en-US" sz="1400" b="1" dirty="0">
+                <a:latin typeface="Courier New" pitchFamily="49" charset="0"/>
+                <a:cs typeface="Courier New" pitchFamily="49" charset="0"/>
+              </a:rPr>
+              <a:t>/resource/&lt;/</a:t>
+            </a:r>
+            <a:r>
+              <a:rPr lang="en-US" sz="1400" b="1" dirty="0" err="1">
+                <a:latin typeface="Courier New" pitchFamily="49" charset="0"/>
+                <a:cs typeface="Courier New" pitchFamily="49" charset="0"/>
+              </a:rPr>
+              <a:t>bindingsPrefix</a:t>
+            </a:r>
+            <a:r>
+              <a:rPr lang="en-US" sz="1400" b="1" dirty="0">
+                <a:latin typeface="Courier New" pitchFamily="49" charset="0"/>
+                <a:cs typeface="Courier New" pitchFamily="49" charset="0"/>
+              </a:rPr>
+              <a:t>&gt;</a:t>
+            </a:r>
+          </a:p>
+          <a:p>
+            <a:r>
+              <a:rPr lang="en-US" sz="1400" b="1" dirty="0" smtClean="0">
+                <a:latin typeface="Courier New" pitchFamily="49" charset="0"/>
+                <a:cs typeface="Courier New" pitchFamily="49" charset="0"/>
+              </a:rPr>
+              <a:t>            &lt;</a:t>
+            </a:r>
+            <a:r>
+              <a:rPr lang="en-US" sz="1400" b="1" dirty="0" err="1">
+                <a:latin typeface="Courier New" pitchFamily="49" charset="0"/>
+                <a:cs typeface="Courier New" pitchFamily="49" charset="0"/>
+              </a:rPr>
+              <a:t>profileName</a:t>
+            </a:r>
+            <a:r>
+              <a:rPr lang="en-US" sz="1400" b="1" dirty="0">
+                <a:latin typeface="Courier New" pitchFamily="49" charset="0"/>
+                <a:cs typeface="Courier New" pitchFamily="49" charset="0"/>
+              </a:rPr>
+              <a:t>&gt;</a:t>
+            </a:r>
+            <a:r>
+              <a:rPr lang="en-US" sz="1400" b="1" dirty="0" err="1">
+                <a:latin typeface="Courier New" pitchFamily="49" charset="0"/>
+                <a:cs typeface="Courier New" pitchFamily="49" charset="0"/>
+              </a:rPr>
+              <a:t>oas</a:t>
+            </a:r>
+            <a:r>
+              <a:rPr lang="en-US" sz="1400" b="1" dirty="0">
+                <a:latin typeface="Courier New" pitchFamily="49" charset="0"/>
+                <a:cs typeface="Courier New" pitchFamily="49" charset="0"/>
+              </a:rPr>
+              <a:t>&lt;/</a:t>
+            </a:r>
+            <a:r>
+              <a:rPr lang="en-US" sz="1400" b="1" dirty="0" err="1">
+                <a:latin typeface="Courier New" pitchFamily="49" charset="0"/>
+                <a:cs typeface="Courier New" pitchFamily="49" charset="0"/>
+              </a:rPr>
+              <a:t>profileName</a:t>
+            </a:r>
+            <a:r>
+              <a:rPr lang="en-US" sz="1400" b="1" dirty="0">
+                <a:latin typeface="Courier New" pitchFamily="49" charset="0"/>
+                <a:cs typeface="Courier New" pitchFamily="49" charset="0"/>
+              </a:rPr>
+              <a:t>&gt;</a:t>
+            </a:r>
+          </a:p>
+          <a:p>
+            <a:r>
+              <a:rPr lang="en-US" sz="1400" b="1" dirty="0" smtClean="0">
+                <a:latin typeface="Courier New" pitchFamily="49" charset="0"/>
+                <a:cs typeface="Courier New" pitchFamily="49" charset="0"/>
+              </a:rPr>
+              <a:t>            &lt;</a:t>
+            </a:r>
+            <a:r>
+              <a:rPr lang="en-US" sz="1400" b="1" dirty="0" err="1">
+                <a:latin typeface="Courier New" pitchFamily="49" charset="0"/>
+                <a:cs typeface="Courier New" pitchFamily="49" charset="0"/>
+              </a:rPr>
+              <a:t>jndiFactoryBean</a:t>
+            </a:r>
+            <a:r>
+              <a:rPr lang="en-US" sz="1400" b="1" dirty="0">
+                <a:latin typeface="Courier New" pitchFamily="49" charset="0"/>
+                <a:cs typeface="Courier New" pitchFamily="49" charset="0"/>
+              </a:rPr>
+              <a:t>&gt;</a:t>
+            </a:r>
+            <a:r>
+              <a:rPr lang="en-US" sz="1400" b="1" dirty="0" err="1">
+                <a:latin typeface="Courier New" pitchFamily="49" charset="0"/>
+                <a:cs typeface="Courier New" pitchFamily="49" charset="0"/>
+              </a:rPr>
+              <a:t>springJNDIPropertyFactory</a:t>
+            </a:r>
+            <a:r>
+              <a:rPr lang="en-US" sz="1400" b="1" dirty="0">
+                <a:latin typeface="Courier New" pitchFamily="49" charset="0"/>
+                <a:cs typeface="Courier New" pitchFamily="49" charset="0"/>
+              </a:rPr>
+              <a:t>&lt;/</a:t>
+            </a:r>
+            <a:r>
+              <a:rPr lang="en-US" sz="1400" b="1" dirty="0" err="1">
+                <a:latin typeface="Courier New" pitchFamily="49" charset="0"/>
+                <a:cs typeface="Courier New" pitchFamily="49" charset="0"/>
+              </a:rPr>
+              <a:t>jndiFactoryBean</a:t>
+            </a:r>
+            <a:r>
+              <a:rPr lang="en-US" sz="1400" b="1" dirty="0" smtClean="0">
+                <a:latin typeface="Courier New" pitchFamily="49" charset="0"/>
+                <a:cs typeface="Courier New" pitchFamily="49" charset="0"/>
+              </a:rPr>
+              <a:t>&gt;</a:t>
+            </a:r>
+            <a:endParaRPr lang="ru-RU" sz="1400" b="1" dirty="0">
+              <a:latin typeface="Courier New" pitchFamily="49" charset="0"/>
+              <a:cs typeface="Courier New" pitchFamily="49" charset="0"/>
+            </a:endParaRPr>
+          </a:p>
+          <a:p>
+            <a:r>
+              <a:rPr lang="en-US" sz="1400" b="1" dirty="0" smtClean="0">
+                <a:latin typeface="Courier New" pitchFamily="49" charset="0"/>
+                <a:cs typeface="Courier New" pitchFamily="49" charset="0"/>
+              </a:rPr>
+              <a:t>            &lt;</a:t>
+            </a:r>
+            <a:r>
+              <a:rPr lang="en-US" sz="1400" b="1" dirty="0" err="1">
+                <a:latin typeface="Courier New" pitchFamily="49" charset="0"/>
+                <a:cs typeface="Courier New" pitchFamily="49" charset="0"/>
+              </a:rPr>
+              <a:t>eclipseLinkTargetServer</a:t>
+            </a:r>
+            <a:r>
+              <a:rPr lang="en-US" sz="1400" b="1" dirty="0">
+                <a:latin typeface="Courier New" pitchFamily="49" charset="0"/>
+                <a:cs typeface="Courier New" pitchFamily="49" charset="0"/>
+              </a:rPr>
+              <a:t>&gt;OC4J&lt;/</a:t>
+            </a:r>
+            <a:r>
+              <a:rPr lang="en-US" sz="1400" b="1" dirty="0" err="1">
+                <a:latin typeface="Courier New" pitchFamily="49" charset="0"/>
+                <a:cs typeface="Courier New" pitchFamily="49" charset="0"/>
+              </a:rPr>
+              <a:t>eclipseLinkTargetServer</a:t>
+            </a:r>
+            <a:r>
+              <a:rPr lang="en-US" sz="1400" b="1" dirty="0">
+                <a:latin typeface="Courier New" pitchFamily="49" charset="0"/>
+                <a:cs typeface="Courier New" pitchFamily="49" charset="0"/>
+              </a:rPr>
+              <a:t>&gt;</a:t>
+            </a:r>
+          </a:p>
+          <a:p>
+            <a:r>
+              <a:rPr lang="en-US" sz="1400" b="1" dirty="0" smtClean="0">
+                <a:latin typeface="Courier New" pitchFamily="49" charset="0"/>
+                <a:cs typeface="Courier New" pitchFamily="49" charset="0"/>
+              </a:rPr>
+              <a:t>        &lt;/</a:t>
+            </a:r>
+            <a:r>
+              <a:rPr lang="en-US" sz="1400" b="1" dirty="0">
+                <a:latin typeface="Courier New" pitchFamily="49" charset="0"/>
+                <a:cs typeface="Courier New" pitchFamily="49" charset="0"/>
+              </a:rPr>
+              <a:t>properties&gt;</a:t>
+            </a:r>
+          </a:p>
+          <a:p>
+            <a:r>
+              <a:rPr lang="en-US" sz="1400" b="1" dirty="0" smtClean="0">
+                <a:latin typeface="Courier New" pitchFamily="49" charset="0"/>
+                <a:cs typeface="Courier New" pitchFamily="49" charset="0"/>
+              </a:rPr>
+              <a:t>    &lt;/</a:t>
+            </a:r>
+            <a:r>
+              <a:rPr lang="en-US" sz="1400" b="1" dirty="0">
+                <a:latin typeface="Courier New" pitchFamily="49" charset="0"/>
+                <a:cs typeface="Courier New" pitchFamily="49" charset="0"/>
+              </a:rPr>
+              <a:t>profile&gt;</a:t>
+            </a:r>
+          </a:p>
+          <a:p>
+            <a:r>
+              <a:rPr lang="en-US" sz="1400" b="1" dirty="0" smtClean="0">
+                <a:latin typeface="Courier New" pitchFamily="49" charset="0"/>
+                <a:cs typeface="Courier New" pitchFamily="49" charset="0"/>
+              </a:rPr>
+              <a:t>    &lt;</a:t>
+            </a:r>
+            <a:r>
+              <a:rPr lang="en-US" sz="1400" b="1" dirty="0">
+                <a:latin typeface="Courier New" pitchFamily="49" charset="0"/>
+                <a:cs typeface="Courier New" pitchFamily="49" charset="0"/>
+              </a:rPr>
+              <a:t>profile&gt;</a:t>
+            </a:r>
+          </a:p>
+          <a:p>
+            <a:r>
+              <a:rPr lang="en-US" sz="1400" b="1" dirty="0" smtClean="0">
+                <a:latin typeface="Courier New" pitchFamily="49" charset="0"/>
+                <a:cs typeface="Courier New" pitchFamily="49" charset="0"/>
+              </a:rPr>
+              <a:t>        &lt;</a:t>
+            </a:r>
+            <a:r>
+              <a:rPr lang="en-US" sz="1400" b="1" dirty="0">
+                <a:latin typeface="Courier New" pitchFamily="49" charset="0"/>
+                <a:cs typeface="Courier New" pitchFamily="49" charset="0"/>
+              </a:rPr>
+              <a:t>id&gt;</a:t>
+            </a:r>
+            <a:r>
+              <a:rPr lang="en-US" sz="1400" b="1" dirty="0" err="1">
+                <a:latin typeface="Courier New" pitchFamily="49" charset="0"/>
+                <a:cs typeface="Courier New" pitchFamily="49" charset="0"/>
+              </a:rPr>
+              <a:t>wls</a:t>
+            </a:r>
+            <a:r>
+              <a:rPr lang="en-US" sz="1400" b="1" dirty="0">
+                <a:latin typeface="Courier New" pitchFamily="49" charset="0"/>
+                <a:cs typeface="Courier New" pitchFamily="49" charset="0"/>
+              </a:rPr>
+              <a:t>&lt;/id&gt;</a:t>
+            </a:r>
+          </a:p>
+          <a:p>
+            <a:r>
+              <a:rPr lang="en-US" sz="1400" b="1" dirty="0" smtClean="0">
+                <a:latin typeface="Courier New" pitchFamily="49" charset="0"/>
+                <a:cs typeface="Courier New" pitchFamily="49" charset="0"/>
+              </a:rPr>
+              <a:t>        &lt;</a:t>
+            </a:r>
+            <a:r>
+              <a:rPr lang="en-US" sz="1400" b="1" dirty="0">
+                <a:latin typeface="Courier New" pitchFamily="49" charset="0"/>
+                <a:cs typeface="Courier New" pitchFamily="49" charset="0"/>
+              </a:rPr>
+              <a:t>properties&gt;</a:t>
+            </a:r>
+          </a:p>
+          <a:p>
+            <a:r>
+              <a:rPr lang="en-US" sz="1400" b="1" dirty="0" smtClean="0">
+                <a:latin typeface="Courier New" pitchFamily="49" charset="0"/>
+                <a:cs typeface="Courier New" pitchFamily="49" charset="0"/>
+              </a:rPr>
+              <a:t>            &lt;</a:t>
+            </a:r>
+            <a:r>
+              <a:rPr lang="en-US" sz="1400" b="1" dirty="0" err="1">
+                <a:latin typeface="Courier New" pitchFamily="49" charset="0"/>
+                <a:cs typeface="Courier New" pitchFamily="49" charset="0"/>
+              </a:rPr>
+              <a:t>bindingsPrefix</a:t>
+            </a:r>
+            <a:r>
+              <a:rPr lang="en-US" sz="1400" b="1" dirty="0">
+                <a:latin typeface="Courier New" pitchFamily="49" charset="0"/>
+                <a:cs typeface="Courier New" pitchFamily="49" charset="0"/>
+              </a:rPr>
+              <a:t>&gt;&lt;/</a:t>
+            </a:r>
+            <a:r>
+              <a:rPr lang="en-US" sz="1400" b="1" dirty="0" err="1">
+                <a:latin typeface="Courier New" pitchFamily="49" charset="0"/>
+                <a:cs typeface="Courier New" pitchFamily="49" charset="0"/>
+              </a:rPr>
+              <a:t>bindingsPrefix</a:t>
+            </a:r>
+            <a:r>
+              <a:rPr lang="en-US" sz="1400" b="1" dirty="0">
+                <a:latin typeface="Courier New" pitchFamily="49" charset="0"/>
+                <a:cs typeface="Courier New" pitchFamily="49" charset="0"/>
+              </a:rPr>
+              <a:t>&gt;</a:t>
+            </a:r>
+          </a:p>
+          <a:p>
+            <a:r>
+              <a:rPr lang="en-US" sz="1400" b="1" dirty="0" smtClean="0">
+                <a:latin typeface="Courier New" pitchFamily="49" charset="0"/>
+                <a:cs typeface="Courier New" pitchFamily="49" charset="0"/>
+              </a:rPr>
+              <a:t>            &lt;</a:t>
+            </a:r>
+            <a:r>
+              <a:rPr lang="en-US" sz="1400" b="1" dirty="0" err="1">
+                <a:latin typeface="Courier New" pitchFamily="49" charset="0"/>
+                <a:cs typeface="Courier New" pitchFamily="49" charset="0"/>
+              </a:rPr>
+              <a:t>profileName</a:t>
+            </a:r>
+            <a:r>
+              <a:rPr lang="en-US" sz="1400" b="1" dirty="0">
+                <a:latin typeface="Courier New" pitchFamily="49" charset="0"/>
+                <a:cs typeface="Courier New" pitchFamily="49" charset="0"/>
+              </a:rPr>
+              <a:t>&gt;</a:t>
+            </a:r>
+            <a:r>
+              <a:rPr lang="en-US" sz="1400" b="1" dirty="0" err="1">
+                <a:latin typeface="Courier New" pitchFamily="49" charset="0"/>
+                <a:cs typeface="Courier New" pitchFamily="49" charset="0"/>
+              </a:rPr>
+              <a:t>wls</a:t>
+            </a:r>
+            <a:r>
+              <a:rPr lang="en-US" sz="1400" b="1" dirty="0">
+                <a:latin typeface="Courier New" pitchFamily="49" charset="0"/>
+                <a:cs typeface="Courier New" pitchFamily="49" charset="0"/>
+              </a:rPr>
+              <a:t>&lt;/</a:t>
+            </a:r>
+            <a:r>
+              <a:rPr lang="en-US" sz="1400" b="1" dirty="0" err="1">
+                <a:latin typeface="Courier New" pitchFamily="49" charset="0"/>
+                <a:cs typeface="Courier New" pitchFamily="49" charset="0"/>
+              </a:rPr>
+              <a:t>profileName</a:t>
+            </a:r>
+            <a:r>
+              <a:rPr lang="en-US" sz="1400" b="1" dirty="0">
+                <a:latin typeface="Courier New" pitchFamily="49" charset="0"/>
+                <a:cs typeface="Courier New" pitchFamily="49" charset="0"/>
+              </a:rPr>
+              <a:t>&gt;</a:t>
+            </a:r>
+          </a:p>
+          <a:p>
+            <a:r>
+              <a:rPr lang="en-US" sz="1400" b="1" dirty="0" smtClean="0">
+                <a:latin typeface="Courier New" pitchFamily="49" charset="0"/>
+                <a:cs typeface="Courier New" pitchFamily="49" charset="0"/>
+              </a:rPr>
+              <a:t>            &lt;</a:t>
+            </a:r>
+            <a:r>
+              <a:rPr lang="en-US" sz="1400" b="1" dirty="0" err="1">
+                <a:latin typeface="Courier New" pitchFamily="49" charset="0"/>
+                <a:cs typeface="Courier New" pitchFamily="49" charset="0"/>
+              </a:rPr>
+              <a:t>jndiFactoryBean</a:t>
+            </a:r>
+            <a:r>
+              <a:rPr lang="en-US" sz="1400" b="1" dirty="0">
+                <a:latin typeface="Courier New" pitchFamily="49" charset="0"/>
+                <a:cs typeface="Courier New" pitchFamily="49" charset="0"/>
+              </a:rPr>
+              <a:t>&gt;</a:t>
+            </a:r>
+            <a:r>
+              <a:rPr lang="en-US" sz="1400" b="1" dirty="0" err="1">
+                <a:latin typeface="Courier New" pitchFamily="49" charset="0"/>
+                <a:cs typeface="Courier New" pitchFamily="49" charset="0"/>
+              </a:rPr>
+              <a:t>jndiPropertyExtractor</a:t>
+            </a:r>
+            <a:r>
+              <a:rPr lang="en-US" sz="1400" b="1" dirty="0">
+                <a:latin typeface="Courier New" pitchFamily="49" charset="0"/>
+                <a:cs typeface="Courier New" pitchFamily="49" charset="0"/>
+              </a:rPr>
+              <a:t>&lt;/</a:t>
+            </a:r>
+            <a:r>
+              <a:rPr lang="en-US" sz="1400" b="1" dirty="0" err="1">
+                <a:latin typeface="Courier New" pitchFamily="49" charset="0"/>
+                <a:cs typeface="Courier New" pitchFamily="49" charset="0"/>
+              </a:rPr>
+              <a:t>jndiFactoryBean</a:t>
+            </a:r>
+            <a:r>
+              <a:rPr lang="en-US" sz="1400" b="1" dirty="0">
+                <a:latin typeface="Courier New" pitchFamily="49" charset="0"/>
+                <a:cs typeface="Courier New" pitchFamily="49" charset="0"/>
+              </a:rPr>
+              <a:t>&gt;</a:t>
+            </a:r>
+          </a:p>
+          <a:p>
+            <a:r>
+              <a:rPr lang="en-US" sz="1400" b="1" dirty="0" smtClean="0">
+                <a:latin typeface="Courier New" pitchFamily="49" charset="0"/>
+                <a:cs typeface="Courier New" pitchFamily="49" charset="0"/>
+              </a:rPr>
+              <a:t>            &lt;</a:t>
+            </a:r>
+            <a:r>
+              <a:rPr lang="en-US" sz="1400" b="1" dirty="0" err="1">
+                <a:latin typeface="Courier New" pitchFamily="49" charset="0"/>
+                <a:cs typeface="Courier New" pitchFamily="49" charset="0"/>
+              </a:rPr>
+              <a:t>eclipseLinkTargetServer</a:t>
+            </a:r>
+            <a:r>
+              <a:rPr lang="en-US" sz="1400" b="1" dirty="0">
+                <a:latin typeface="Courier New" pitchFamily="49" charset="0"/>
+                <a:cs typeface="Courier New" pitchFamily="49" charset="0"/>
+              </a:rPr>
+              <a:t>&gt;Weblogic_10&lt;/</a:t>
+            </a:r>
+            <a:r>
+              <a:rPr lang="en-US" sz="1400" b="1" dirty="0" err="1">
+                <a:latin typeface="Courier New" pitchFamily="49" charset="0"/>
+                <a:cs typeface="Courier New" pitchFamily="49" charset="0"/>
+              </a:rPr>
+              <a:t>eclipseLinkTargetServer</a:t>
+            </a:r>
+            <a:r>
+              <a:rPr lang="en-US" sz="1400" b="1" dirty="0">
+                <a:latin typeface="Courier New" pitchFamily="49" charset="0"/>
+                <a:cs typeface="Courier New" pitchFamily="49" charset="0"/>
+              </a:rPr>
+              <a:t>&gt;</a:t>
+            </a:r>
+          </a:p>
+          <a:p>
+            <a:r>
+              <a:rPr lang="en-US" sz="1400" b="1" dirty="0" smtClean="0">
+                <a:latin typeface="Courier New" pitchFamily="49" charset="0"/>
+                <a:cs typeface="Courier New" pitchFamily="49" charset="0"/>
+              </a:rPr>
+              <a:t>        &lt;/</a:t>
+            </a:r>
+            <a:r>
+              <a:rPr lang="en-US" sz="1400" b="1" dirty="0">
+                <a:latin typeface="Courier New" pitchFamily="49" charset="0"/>
+                <a:cs typeface="Courier New" pitchFamily="49" charset="0"/>
+              </a:rPr>
+              <a:t>properties&gt;</a:t>
+            </a:r>
+          </a:p>
+          <a:p>
+            <a:r>
+              <a:rPr lang="en-US" sz="1400" b="1" dirty="0" smtClean="0">
+                <a:latin typeface="Courier New" pitchFamily="49" charset="0"/>
+                <a:cs typeface="Courier New" pitchFamily="49" charset="0"/>
+              </a:rPr>
+              <a:t>    &lt;/</a:t>
+            </a:r>
+            <a:r>
+              <a:rPr lang="en-US" sz="1400" b="1" dirty="0">
+                <a:latin typeface="Courier New" pitchFamily="49" charset="0"/>
+                <a:cs typeface="Courier New" pitchFamily="49" charset="0"/>
+              </a:rPr>
+              <a:t>profile&gt;</a:t>
+            </a:r>
+          </a:p>
+          <a:p>
+            <a:r>
+              <a:rPr lang="en-US" sz="1400" b="1" dirty="0">
+                <a:latin typeface="Courier New" pitchFamily="49" charset="0"/>
+                <a:cs typeface="Courier New" pitchFamily="49" charset="0"/>
+              </a:rPr>
+              <a:t>&lt;/profiles&gt;</a:t>
+            </a:r>
+          </a:p>
+        </p:txBody>
+      </p:sp>
+    </p:spTree>
+    <p:extLst>
+      <p:ext uri="{BB962C8B-B14F-4D97-AF65-F5344CB8AC3E}">
+        <p14:creationId xmlns:p14="http://schemas.microsoft.com/office/powerpoint/2010/main" val="2200421622"/>
+      </p:ext>
+    </p:extLst>
+  </p:cSld>
+  <p:clrMapOvr>
+    <a:masterClrMapping/>
+  </p:clrMapOvr>
+  <p:timing>
+    <p:tnLst>
+      <p:par>
+        <p:cTn id="1" dur="indefinite" restart="never" nodeType="tmRoot"/>
+      </p:par>
+    </p:tnLst>
+  </p:timing>
+</p:sld>
+</file>
+
+<file path=ppt/slides/slide21.xml><?xml version="1.0" encoding="utf-8"?>
+<p:sld xmlns:a="http://schemas.openxmlformats.org/drawingml/2006/main" xmlns:r="http://schemas.openxmlformats.org/officeDocument/2006/relationships" xmlns:p="http://schemas.openxmlformats.org/presentationml/2006/main">
+  <p:cSld>
+    <p:spTree>
+      <p:nvGrpSpPr>
+        <p:cNvPr id="1" name=""/>
+        <p:cNvGrpSpPr/>
+        <p:nvPr/>
+      </p:nvGrpSpPr>
+      <p:grpSpPr>
+        <a:xfrm>
+          <a:off x="0" y="0"/>
+          <a:ext cx="0" cy="0"/>
+          <a:chOff x="0" y="0"/>
+          <a:chExt cx="0" cy="0"/>
+        </a:xfrm>
+      </p:grpSpPr>
+      <p:sp>
+        <p:nvSpPr>
+          <p:cNvPr id="2" name="Title 1"/>
+          <p:cNvSpPr>
+            <a:spLocks noGrp="1"/>
+          </p:cNvSpPr>
+          <p:nvPr>
+            <p:ph type="title"/>
+          </p:nvPr>
+        </p:nvSpPr>
+        <p:spPr>
+          <a:xfrm>
+            <a:off x="457200" y="274638"/>
+            <a:ext cx="8229600" cy="439718"/>
+          </a:xfrm>
+          <a:ln>
+            <a:noFill/>
+          </a:ln>
+        </p:spPr>
+        <p:txBody>
+          <a:bodyPr>
+            <a:normAutofit fontScale="90000"/>
+          </a:bodyPr>
+          <a:lstStyle/>
+          <a:p>
+            <a:pPr algn="l"/>
+            <a:r>
+              <a:rPr lang="en-US" sz="3200" dirty="0" smtClean="0"/>
+              <a:t>Maven</a:t>
+            </a:r>
+            <a:endParaRPr lang="ru-RU" sz="3200" dirty="0"/>
+          </a:p>
+        </p:txBody>
+      </p:sp>
+      <p:cxnSp>
+        <p:nvCxnSpPr>
+          <p:cNvPr id="7" name="Straight Connector 6"/>
+          <p:cNvCxnSpPr/>
+          <p:nvPr/>
+        </p:nvCxnSpPr>
+        <p:spPr>
+          <a:xfrm>
+            <a:off x="428596" y="714356"/>
+            <a:ext cx="8286808" cy="1588"/>
+          </a:xfrm>
+          <a:prstGeom prst="line">
+            <a:avLst/>
+          </a:prstGeom>
+          <a:ln>
+            <a:solidFill>
+              <a:schemeClr val="tx1"/>
+            </a:solidFill>
+          </a:ln>
+        </p:spPr>
+        <p:style>
+          <a:lnRef idx="1">
+            <a:schemeClr val="accent1"/>
+          </a:lnRef>
+          <a:fillRef idx="0">
+            <a:schemeClr val="accent1"/>
+          </a:fillRef>
+          <a:effectRef idx="0">
+            <a:schemeClr val="accent1"/>
+          </a:effectRef>
+          <a:fontRef idx="minor">
+            <a:schemeClr val="tx1"/>
+          </a:fontRef>
+        </p:style>
+      </p:cxnSp>
+      <p:sp>
+        <p:nvSpPr>
+          <p:cNvPr id="10" name="TextBox 9"/>
+          <p:cNvSpPr txBox="1"/>
+          <p:nvPr/>
+        </p:nvSpPr>
+        <p:spPr>
+          <a:xfrm>
+            <a:off x="428596" y="1000108"/>
+            <a:ext cx="8286808" cy="2677656"/>
+          </a:xfrm>
+          <a:prstGeom prst="rect">
+            <a:avLst/>
+          </a:prstGeom>
+          <a:noFill/>
+        </p:spPr>
+        <p:txBody>
+          <a:bodyPr wrap="square" rtlCol="0">
+            <a:spAutoFit/>
+          </a:bodyPr>
+          <a:lstStyle/>
+          <a:p>
+            <a:r>
+              <a:rPr lang="en-US" sz="1400" b="1" dirty="0" smtClean="0">
+                <a:cs typeface="Courier New" pitchFamily="49" charset="0"/>
+              </a:rPr>
+              <a:t>C</a:t>
+            </a:r>
+            <a:r>
+              <a:rPr lang="ru-RU" sz="1400" b="1" dirty="0" err="1" smtClean="0">
+                <a:cs typeface="Courier New" pitchFamily="49" charset="0"/>
+              </a:rPr>
+              <a:t>борка</a:t>
+            </a:r>
+            <a:r>
+              <a:rPr lang="ru-RU" sz="1400" b="1" dirty="0" smtClean="0">
+                <a:cs typeface="Courier New" pitchFamily="49" charset="0"/>
+              </a:rPr>
+              <a:t> и профили</a:t>
+            </a:r>
+            <a:endParaRPr lang="en-US" sz="1400" b="1" dirty="0" smtClean="0">
+              <a:cs typeface="Courier New" pitchFamily="49" charset="0"/>
+            </a:endParaRPr>
+          </a:p>
+          <a:p>
+            <a:endParaRPr lang="en-US" sz="1400" b="1" dirty="0">
+              <a:latin typeface="Courier New" pitchFamily="49" charset="0"/>
+              <a:cs typeface="Courier New" pitchFamily="49" charset="0"/>
+            </a:endParaRPr>
+          </a:p>
+          <a:p>
+            <a:r>
+              <a:rPr lang="en-US" sz="1400" b="1" dirty="0">
+                <a:latin typeface="Courier New" pitchFamily="49" charset="0"/>
+                <a:cs typeface="Courier New" pitchFamily="49" charset="0"/>
+              </a:rPr>
+              <a:t>&lt;build&gt;</a:t>
+            </a:r>
+          </a:p>
+          <a:p>
+            <a:r>
+              <a:rPr lang="ru-RU" sz="1400" b="1" dirty="0" smtClean="0">
+                <a:latin typeface="Courier New" pitchFamily="49" charset="0"/>
+                <a:cs typeface="Courier New" pitchFamily="49" charset="0"/>
+              </a:rPr>
+              <a:t>    </a:t>
+            </a:r>
+            <a:r>
+              <a:rPr lang="en-US" sz="1400" b="1" dirty="0" smtClean="0">
+                <a:latin typeface="Courier New" pitchFamily="49" charset="0"/>
+                <a:cs typeface="Courier New" pitchFamily="49" charset="0"/>
+              </a:rPr>
+              <a:t>&lt;</a:t>
+            </a:r>
+            <a:r>
+              <a:rPr lang="en-US" sz="1400" b="1" dirty="0">
+                <a:latin typeface="Courier New" pitchFamily="49" charset="0"/>
+                <a:cs typeface="Courier New" pitchFamily="49" charset="0"/>
+              </a:rPr>
+              <a:t>plugins&gt;</a:t>
+            </a:r>
+          </a:p>
+          <a:p>
+            <a:r>
+              <a:rPr lang="ru-RU" sz="1400" b="1" dirty="0" smtClean="0">
+                <a:latin typeface="Courier New" pitchFamily="49" charset="0"/>
+                <a:cs typeface="Courier New" pitchFamily="49" charset="0"/>
+              </a:rPr>
+              <a:t>        </a:t>
+            </a:r>
+            <a:r>
+              <a:rPr lang="en-US" sz="1400" b="1" dirty="0" smtClean="0">
+                <a:latin typeface="Courier New" pitchFamily="49" charset="0"/>
+                <a:cs typeface="Courier New" pitchFamily="49" charset="0"/>
+              </a:rPr>
+              <a:t>&lt;</a:t>
+            </a:r>
+            <a:r>
+              <a:rPr lang="en-US" sz="1400" b="1" dirty="0">
+                <a:latin typeface="Courier New" pitchFamily="49" charset="0"/>
+                <a:cs typeface="Courier New" pitchFamily="49" charset="0"/>
+              </a:rPr>
+              <a:t>plugin&gt;</a:t>
+            </a:r>
+          </a:p>
+          <a:p>
+            <a:r>
+              <a:rPr lang="ru-RU" sz="1400" b="1" dirty="0" smtClean="0">
+                <a:latin typeface="Courier New" pitchFamily="49" charset="0"/>
+                <a:cs typeface="Courier New" pitchFamily="49" charset="0"/>
+              </a:rPr>
+              <a:t>            </a:t>
+            </a:r>
+            <a:r>
+              <a:rPr lang="en-US" sz="1400" b="1" dirty="0" smtClean="0">
+                <a:latin typeface="Courier New" pitchFamily="49" charset="0"/>
+                <a:cs typeface="Courier New" pitchFamily="49" charset="0"/>
+              </a:rPr>
+              <a:t>&lt;</a:t>
+            </a:r>
+            <a:r>
+              <a:rPr lang="en-US" sz="1400" b="1" dirty="0" err="1">
+                <a:latin typeface="Courier New" pitchFamily="49" charset="0"/>
+                <a:cs typeface="Courier New" pitchFamily="49" charset="0"/>
+              </a:rPr>
+              <a:t>groupId</a:t>
+            </a:r>
+            <a:r>
+              <a:rPr lang="en-US" sz="1400" b="1" dirty="0">
+                <a:latin typeface="Courier New" pitchFamily="49" charset="0"/>
+                <a:cs typeface="Courier New" pitchFamily="49" charset="0"/>
+              </a:rPr>
+              <a:t>&gt;</a:t>
+            </a:r>
+            <a:r>
+              <a:rPr lang="en-US" sz="1400" b="1" dirty="0" err="1">
+                <a:latin typeface="Courier New" pitchFamily="49" charset="0"/>
+                <a:cs typeface="Courier New" pitchFamily="49" charset="0"/>
+              </a:rPr>
+              <a:t>org.eclipse.tycho</a:t>
+            </a:r>
+            <a:r>
+              <a:rPr lang="en-US" sz="1400" b="1" dirty="0">
+                <a:latin typeface="Courier New" pitchFamily="49" charset="0"/>
+                <a:cs typeface="Courier New" pitchFamily="49" charset="0"/>
+              </a:rPr>
+              <a:t>&lt;/</a:t>
+            </a:r>
+            <a:r>
+              <a:rPr lang="en-US" sz="1400" b="1" dirty="0" err="1">
+                <a:latin typeface="Courier New" pitchFamily="49" charset="0"/>
+                <a:cs typeface="Courier New" pitchFamily="49" charset="0"/>
+              </a:rPr>
+              <a:t>groupId</a:t>
+            </a:r>
+            <a:r>
+              <a:rPr lang="en-US" sz="1400" b="1" dirty="0">
+                <a:latin typeface="Courier New" pitchFamily="49" charset="0"/>
+                <a:cs typeface="Courier New" pitchFamily="49" charset="0"/>
+              </a:rPr>
+              <a:t>&gt;</a:t>
+            </a:r>
+          </a:p>
+          <a:p>
+            <a:r>
+              <a:rPr lang="ru-RU" sz="1400" b="1" dirty="0" smtClean="0">
+                <a:latin typeface="Courier New" pitchFamily="49" charset="0"/>
+                <a:cs typeface="Courier New" pitchFamily="49" charset="0"/>
+              </a:rPr>
+              <a:t>            </a:t>
+            </a:r>
+            <a:r>
+              <a:rPr lang="en-US" sz="1400" b="1" dirty="0" smtClean="0">
+                <a:latin typeface="Courier New" pitchFamily="49" charset="0"/>
+                <a:cs typeface="Courier New" pitchFamily="49" charset="0"/>
+              </a:rPr>
+              <a:t>&lt;</a:t>
+            </a:r>
+            <a:r>
+              <a:rPr lang="en-US" sz="1400" b="1" dirty="0" err="1">
+                <a:latin typeface="Courier New" pitchFamily="49" charset="0"/>
+                <a:cs typeface="Courier New" pitchFamily="49" charset="0"/>
+              </a:rPr>
+              <a:t>artifactId</a:t>
+            </a:r>
+            <a:r>
+              <a:rPr lang="en-US" sz="1400" b="1" dirty="0">
+                <a:latin typeface="Courier New" pitchFamily="49" charset="0"/>
+                <a:cs typeface="Courier New" pitchFamily="49" charset="0"/>
+              </a:rPr>
+              <a:t>&gt;</a:t>
+            </a:r>
+            <a:r>
+              <a:rPr lang="en-US" sz="1400" b="1" dirty="0" err="1">
+                <a:latin typeface="Courier New" pitchFamily="49" charset="0"/>
+                <a:cs typeface="Courier New" pitchFamily="49" charset="0"/>
+              </a:rPr>
+              <a:t>tycho</a:t>
+            </a:r>
+            <a:r>
+              <a:rPr lang="en-US" sz="1400" b="1" dirty="0">
+                <a:latin typeface="Courier New" pitchFamily="49" charset="0"/>
+                <a:cs typeface="Courier New" pitchFamily="49" charset="0"/>
+              </a:rPr>
+              <a:t>-maven-plugin&lt;/</a:t>
+            </a:r>
+            <a:r>
+              <a:rPr lang="en-US" sz="1400" b="1" dirty="0" err="1">
+                <a:latin typeface="Courier New" pitchFamily="49" charset="0"/>
+                <a:cs typeface="Courier New" pitchFamily="49" charset="0"/>
+              </a:rPr>
+              <a:t>artifactId</a:t>
+            </a:r>
+            <a:r>
+              <a:rPr lang="en-US" sz="1400" b="1" dirty="0">
+                <a:latin typeface="Courier New" pitchFamily="49" charset="0"/>
+                <a:cs typeface="Courier New" pitchFamily="49" charset="0"/>
+              </a:rPr>
+              <a:t>&gt;</a:t>
+            </a:r>
+          </a:p>
+          <a:p>
+            <a:r>
+              <a:rPr lang="ru-RU" sz="1400" b="1" dirty="0" smtClean="0">
+                <a:latin typeface="Courier New" pitchFamily="49" charset="0"/>
+                <a:cs typeface="Courier New" pitchFamily="49" charset="0"/>
+              </a:rPr>
+              <a:t>            </a:t>
+            </a:r>
+            <a:r>
+              <a:rPr lang="en-US" sz="1400" b="1" dirty="0" smtClean="0">
+                <a:latin typeface="Courier New" pitchFamily="49" charset="0"/>
+                <a:cs typeface="Courier New" pitchFamily="49" charset="0"/>
+              </a:rPr>
+              <a:t>&lt;</a:t>
+            </a:r>
+            <a:r>
+              <a:rPr lang="en-US" sz="1400" b="1" dirty="0">
+                <a:latin typeface="Courier New" pitchFamily="49" charset="0"/>
+                <a:cs typeface="Courier New" pitchFamily="49" charset="0"/>
+              </a:rPr>
+              <a:t>version&gt;${</a:t>
+            </a:r>
+            <a:r>
+              <a:rPr lang="en-US" sz="1400" b="1" dirty="0" err="1">
+                <a:latin typeface="Courier New" pitchFamily="49" charset="0"/>
+                <a:cs typeface="Courier New" pitchFamily="49" charset="0"/>
+              </a:rPr>
+              <a:t>tycho</a:t>
+            </a:r>
+            <a:r>
+              <a:rPr lang="en-US" sz="1400" b="1" dirty="0">
+                <a:latin typeface="Courier New" pitchFamily="49" charset="0"/>
+                <a:cs typeface="Courier New" pitchFamily="49" charset="0"/>
+              </a:rPr>
+              <a:t>-version}&lt;/version&gt;</a:t>
+            </a:r>
+          </a:p>
+          <a:p>
+            <a:r>
+              <a:rPr lang="ru-RU" sz="1400" b="1" dirty="0" smtClean="0">
+                <a:latin typeface="Courier New" pitchFamily="49" charset="0"/>
+                <a:cs typeface="Courier New" pitchFamily="49" charset="0"/>
+              </a:rPr>
+              <a:t>            </a:t>
+            </a:r>
+            <a:r>
+              <a:rPr lang="en-US" sz="1400" b="1" dirty="0" smtClean="0">
+                <a:latin typeface="Courier New" pitchFamily="49" charset="0"/>
+                <a:cs typeface="Courier New" pitchFamily="49" charset="0"/>
+              </a:rPr>
+              <a:t>&lt;</a:t>
+            </a:r>
+            <a:r>
+              <a:rPr lang="en-US" sz="1400" b="1" dirty="0">
+                <a:latin typeface="Courier New" pitchFamily="49" charset="0"/>
+                <a:cs typeface="Courier New" pitchFamily="49" charset="0"/>
+              </a:rPr>
+              <a:t>extensions&gt;true&lt;/extensions&gt;</a:t>
+            </a:r>
+          </a:p>
+          <a:p>
+            <a:r>
+              <a:rPr lang="ru-RU" sz="1400" b="1" dirty="0" smtClean="0">
+                <a:latin typeface="Courier New" pitchFamily="49" charset="0"/>
+                <a:cs typeface="Courier New" pitchFamily="49" charset="0"/>
+              </a:rPr>
+              <a:t>        </a:t>
+            </a:r>
+            <a:r>
+              <a:rPr lang="en-US" sz="1400" b="1" dirty="0" smtClean="0">
+                <a:latin typeface="Courier New" pitchFamily="49" charset="0"/>
+                <a:cs typeface="Courier New" pitchFamily="49" charset="0"/>
+              </a:rPr>
+              <a:t>&lt;/</a:t>
+            </a:r>
+            <a:r>
+              <a:rPr lang="en-US" sz="1400" b="1" dirty="0">
+                <a:latin typeface="Courier New" pitchFamily="49" charset="0"/>
+                <a:cs typeface="Courier New" pitchFamily="49" charset="0"/>
+              </a:rPr>
+              <a:t>plugin&gt;</a:t>
+            </a:r>
+          </a:p>
+          <a:p>
+            <a:r>
+              <a:rPr lang="ru-RU" sz="1400" b="1" dirty="0" smtClean="0">
+                <a:latin typeface="Courier New" pitchFamily="49" charset="0"/>
+                <a:cs typeface="Courier New" pitchFamily="49" charset="0"/>
+              </a:rPr>
+              <a:t>    </a:t>
+            </a:r>
+            <a:r>
+              <a:rPr lang="en-US" sz="1400" b="1" dirty="0" smtClean="0">
+                <a:latin typeface="Courier New" pitchFamily="49" charset="0"/>
+                <a:cs typeface="Courier New" pitchFamily="49" charset="0"/>
+              </a:rPr>
+              <a:t>&lt;/</a:t>
+            </a:r>
+            <a:r>
+              <a:rPr lang="en-US" sz="1400" b="1" dirty="0">
+                <a:latin typeface="Courier New" pitchFamily="49" charset="0"/>
+                <a:cs typeface="Courier New" pitchFamily="49" charset="0"/>
+              </a:rPr>
+              <a:t>plugins&gt;</a:t>
+            </a:r>
+          </a:p>
+          <a:p>
+            <a:r>
+              <a:rPr lang="en-US" sz="1400" b="1" dirty="0">
+                <a:latin typeface="Courier New" pitchFamily="49" charset="0"/>
+                <a:cs typeface="Courier New" pitchFamily="49" charset="0"/>
+              </a:rPr>
+              <a:t>&lt;/build&gt;</a:t>
+            </a:r>
+          </a:p>
+        </p:txBody>
+      </p:sp>
+    </p:spTree>
+    <p:extLst>
+      <p:ext uri="{BB962C8B-B14F-4D97-AF65-F5344CB8AC3E}">
+        <p14:creationId xmlns:p14="http://schemas.microsoft.com/office/powerpoint/2010/main" val="4208141864"/>
+      </p:ext>
+    </p:extLst>
+  </p:cSld>
+  <p:clrMapOvr>
+    <a:masterClrMapping/>
+  </p:clrMapOvr>
+  <p:timing>
+    <p:tnLst>
+      <p:par>
+        <p:cTn id="1" dur="indefinite" restart="never" nodeType="tmRoot"/>
+      </p:par>
+    </p:tnLst>
+  </p:timing>
+</p:sld>
+</file>
+
+<file path=ppt/slides/slide22.xml><?xml version="1.0" encoding="utf-8"?>
+<p:sld xmlns:a="http://schemas.openxmlformats.org/drawingml/2006/main" xmlns:r="http://schemas.openxmlformats.org/officeDocument/2006/relationships" xmlns:p="http://schemas.openxmlformats.org/presentationml/2006/main">
+  <p:cSld>
+    <p:spTree>
+      <p:nvGrpSpPr>
+        <p:cNvPr id="1" name=""/>
+        <p:cNvGrpSpPr/>
+        <p:nvPr/>
+      </p:nvGrpSpPr>
+      <p:grpSpPr>
+        <a:xfrm>
+          <a:off x="0" y="0"/>
+          <a:ext cx="0" cy="0"/>
+          <a:chOff x="0" y="0"/>
+          <a:chExt cx="0" cy="0"/>
+        </a:xfrm>
+      </p:grpSpPr>
+      <p:sp>
+        <p:nvSpPr>
+          <p:cNvPr id="2" name="Title 1"/>
+          <p:cNvSpPr>
+            <a:spLocks noGrp="1"/>
+          </p:cNvSpPr>
+          <p:nvPr>
+            <p:ph type="title"/>
+          </p:nvPr>
+        </p:nvSpPr>
+        <p:spPr>
+          <a:xfrm>
+            <a:off x="457200" y="274638"/>
+            <a:ext cx="8229600" cy="439718"/>
+          </a:xfrm>
+          <a:ln>
+            <a:noFill/>
+          </a:ln>
+        </p:spPr>
+        <p:txBody>
+          <a:bodyPr>
+            <a:normAutofit fontScale="90000"/>
+          </a:bodyPr>
+          <a:lstStyle/>
+          <a:p>
+            <a:pPr algn="l"/>
+            <a:r>
+              <a:rPr lang="en-US" sz="3200" dirty="0" smtClean="0"/>
+              <a:t>Spring Framework</a:t>
+            </a:r>
+            <a:endParaRPr lang="ru-RU" sz="3200" dirty="0"/>
+          </a:p>
+        </p:txBody>
+      </p:sp>
+      <p:cxnSp>
+        <p:nvCxnSpPr>
+          <p:cNvPr id="7" name="Straight Connector 6"/>
+          <p:cNvCxnSpPr/>
+          <p:nvPr/>
+        </p:nvCxnSpPr>
+        <p:spPr>
+          <a:xfrm>
+            <a:off x="428596" y="714356"/>
+            <a:ext cx="8286808" cy="1588"/>
+          </a:xfrm>
+          <a:prstGeom prst="line">
+            <a:avLst/>
+          </a:prstGeom>
+          <a:ln>
+            <a:solidFill>
+              <a:schemeClr val="tx1"/>
+            </a:solidFill>
+          </a:ln>
+        </p:spPr>
+        <p:style>
+          <a:lnRef idx="1">
+            <a:schemeClr val="accent1"/>
+          </a:lnRef>
+          <a:fillRef idx="0">
+            <a:schemeClr val="accent1"/>
+          </a:fillRef>
+          <a:effectRef idx="0">
+            <a:schemeClr val="accent1"/>
+          </a:effectRef>
+          <a:fontRef idx="minor">
+            <a:schemeClr val="tx1"/>
+          </a:fontRef>
+        </p:style>
+      </p:cxnSp>
+      <p:sp>
+        <p:nvSpPr>
+          <p:cNvPr id="10" name="TextBox 9"/>
+          <p:cNvSpPr txBox="1"/>
+          <p:nvPr/>
+        </p:nvSpPr>
+        <p:spPr>
+          <a:xfrm>
+            <a:off x="428596" y="1000108"/>
+            <a:ext cx="8286808" cy="2031325"/>
+          </a:xfrm>
+          <a:prstGeom prst="rect">
+            <a:avLst/>
+          </a:prstGeom>
+          <a:noFill/>
+        </p:spPr>
+        <p:txBody>
+          <a:bodyPr wrap="square" rtlCol="0">
+            <a:spAutoFit/>
+          </a:bodyPr>
+          <a:lstStyle/>
+          <a:p>
+            <a:r>
+              <a:rPr lang="ru-RU" dirty="0" smtClean="0">
+                <a:cs typeface="Courier New" pitchFamily="49" charset="0"/>
+              </a:rPr>
+              <a:t>Вернемся к </a:t>
+            </a:r>
+            <a:r>
+              <a:rPr lang="en-US" dirty="0" smtClean="0">
+                <a:cs typeface="Courier New" pitchFamily="49" charset="0"/>
+              </a:rPr>
+              <a:t>Spring</a:t>
+            </a:r>
+            <a:endParaRPr lang="ru-RU" dirty="0" smtClean="0">
+              <a:cs typeface="Courier New" pitchFamily="49" charset="0"/>
+            </a:endParaRPr>
+          </a:p>
+          <a:p>
+            <a:endParaRPr lang="ru-RU" dirty="0">
+              <a:cs typeface="Courier New" pitchFamily="49" charset="0"/>
+            </a:endParaRPr>
+          </a:p>
+          <a:p>
+            <a:r>
+              <a:rPr lang="en-US" dirty="0" smtClean="0">
+                <a:cs typeface="Courier New" pitchFamily="49" charset="0"/>
+              </a:rPr>
+              <a:t>DEMO !</a:t>
+            </a:r>
+          </a:p>
+          <a:p>
+            <a:endParaRPr lang="en-US" dirty="0">
+              <a:cs typeface="Courier New" pitchFamily="49" charset="0"/>
+            </a:endParaRPr>
+          </a:p>
+          <a:p>
+            <a:r>
+              <a:rPr lang="ru-RU" dirty="0" smtClean="0">
+                <a:cs typeface="Courier New" pitchFamily="49" charset="0"/>
+              </a:rPr>
+              <a:t>См. в </a:t>
+            </a:r>
+            <a:r>
+              <a:rPr lang="en-US" dirty="0" err="1" smtClean="0">
+                <a:cs typeface="Courier New" pitchFamily="49" charset="0"/>
+              </a:rPr>
+              <a:t>github</a:t>
+            </a:r>
+            <a:endParaRPr lang="en-US" dirty="0" smtClean="0">
+              <a:cs typeface="Courier New" pitchFamily="49" charset="0"/>
+            </a:endParaRPr>
+          </a:p>
+          <a:p>
+            <a:pPr marL="285750" indent="-285750">
+              <a:buFont typeface="Arial" pitchFamily="34" charset="0"/>
+              <a:buChar char="•"/>
+            </a:pPr>
+            <a:r>
+              <a:rPr lang="en-US" dirty="0" smtClean="0">
+                <a:cs typeface="Courier New" pitchFamily="49" charset="0"/>
+              </a:rPr>
+              <a:t>pictures/lectures 1</a:t>
+            </a:r>
+          </a:p>
+          <a:p>
+            <a:pPr marL="285750" indent="-285750">
+              <a:buFont typeface="Arial" pitchFamily="34" charset="0"/>
+              <a:buChar char="•"/>
+            </a:pPr>
+            <a:r>
+              <a:rPr lang="en-US" dirty="0" err="1" smtClean="0">
+                <a:cs typeface="Courier New" pitchFamily="49" charset="0"/>
+              </a:rPr>
+              <a:t>code.samples</a:t>
+            </a:r>
+            <a:r>
+              <a:rPr lang="en-US" dirty="0" smtClean="0">
+                <a:cs typeface="Courier New" pitchFamily="49" charset="0"/>
+              </a:rPr>
+              <a:t>/lec.1.spring</a:t>
+            </a:r>
+          </a:p>
+        </p:txBody>
+      </p:sp>
+    </p:spTree>
+    <p:extLst>
+      <p:ext uri="{BB962C8B-B14F-4D97-AF65-F5344CB8AC3E}">
+        <p14:creationId xmlns:p14="http://schemas.microsoft.com/office/powerpoint/2010/main" val="656007328"/>
+      </p:ext>
+    </p:extLst>
+  </p:cSld>
+  <p:clrMapOvr>
+    <a:masterClrMapping/>
+  </p:clrMapOvr>
+  <p:timing>
+    <p:tnLst>
+      <p:par>
+        <p:cTn id="1" dur="indefinite" restart="never" nodeType="tmRoot"/>
+      </p:par>
+    </p:tnLst>
+  </p:timing>
+</p:sld>
+</file>
+
+<file path=ppt/slides/slide23.xml><?xml version="1.0" encoding="utf-8"?>
+<p:sld xmlns:a="http://schemas.openxmlformats.org/drawingml/2006/main" xmlns:r="http://schemas.openxmlformats.org/officeDocument/2006/relationships" xmlns:p="http://schemas.openxmlformats.org/presentationml/2006/main">
+  <p:cSld>
+    <p:spTree>
+      <p:nvGrpSpPr>
+        <p:cNvPr id="1" name=""/>
+        <p:cNvGrpSpPr/>
+        <p:nvPr/>
+      </p:nvGrpSpPr>
+      <p:grpSpPr>
+        <a:xfrm>
+          <a:off x="0" y="0"/>
+          <a:ext cx="0" cy="0"/>
+          <a:chOff x="0" y="0"/>
+          <a:chExt cx="0" cy="0"/>
+        </a:xfrm>
+      </p:grpSpPr>
+      <p:sp>
+        <p:nvSpPr>
+          <p:cNvPr id="2" name="Title 1"/>
+          <p:cNvSpPr>
+            <a:spLocks noGrp="1"/>
+          </p:cNvSpPr>
+          <p:nvPr>
+            <p:ph type="title"/>
+          </p:nvPr>
+        </p:nvSpPr>
+        <p:spPr>
+          <a:xfrm>
+            <a:off x="457200" y="274638"/>
+            <a:ext cx="8229600" cy="439718"/>
+          </a:xfrm>
+          <a:ln>
+            <a:noFill/>
+          </a:ln>
+        </p:spPr>
+        <p:txBody>
+          <a:bodyPr>
+            <a:normAutofit fontScale="90000"/>
+          </a:bodyPr>
+          <a:lstStyle/>
+          <a:p>
+            <a:pPr algn="l"/>
+            <a:r>
               <a:rPr lang="ru-RU" sz="3200" dirty="0" smtClean="0"/>
-              <a:t>Что предстоит изучить</a:t>
+              <a:t>Задача</a:t>
             </a:r>
             <a:endParaRPr lang="ru-RU" sz="3200" dirty="0"/>
           </a:p>
@@ -5433,6 +8915,327 @@
           </a:bodyPr>
           <a:lstStyle/>
           <a:p>
+            <a:pPr marL="342900" indent="-342900">
+              <a:buAutoNum type="arabicPeriod"/>
+            </a:pPr>
+            <a:r>
+              <a:rPr lang="ru-RU" dirty="0" smtClean="0">
+                <a:cs typeface="Courier New" pitchFamily="49" charset="0"/>
+              </a:rPr>
+              <a:t>Создать проект </a:t>
+            </a:r>
+            <a:r>
+              <a:rPr lang="en-US" dirty="0" smtClean="0">
+                <a:cs typeface="Courier New" pitchFamily="49" charset="0"/>
+              </a:rPr>
+              <a:t>maven </a:t>
+            </a:r>
+            <a:r>
+              <a:rPr lang="ru-RU" dirty="0" smtClean="0">
+                <a:cs typeface="Courier New" pitchFamily="49" charset="0"/>
+              </a:rPr>
+              <a:t>с поддержкой </a:t>
+            </a:r>
+            <a:r>
+              <a:rPr lang="en-US" dirty="0" smtClean="0">
+                <a:cs typeface="Courier New" pitchFamily="49" charset="0"/>
+              </a:rPr>
+              <a:t>Spring Framework</a:t>
+            </a:r>
+          </a:p>
+          <a:p>
+            <a:endParaRPr lang="ru-RU" dirty="0">
+              <a:cs typeface="Courier New" pitchFamily="49" charset="0"/>
+            </a:endParaRPr>
+          </a:p>
+          <a:p>
+            <a:r>
+              <a:rPr lang="ru-RU" dirty="0" smtClean="0">
+                <a:cs typeface="Courier New" pitchFamily="49" charset="0"/>
+              </a:rPr>
+              <a:t>2. Создать необходимые классы, интерфейсы, определения </a:t>
+            </a:r>
+            <a:r>
+              <a:rPr lang="en-US" dirty="0" smtClean="0">
+                <a:cs typeface="Courier New" pitchFamily="49" charset="0"/>
+              </a:rPr>
+              <a:t>bean’</a:t>
+            </a:r>
+            <a:r>
+              <a:rPr lang="ru-RU" dirty="0" err="1" smtClean="0">
+                <a:cs typeface="Courier New" pitchFamily="49" charset="0"/>
+              </a:rPr>
+              <a:t>ов</a:t>
+            </a:r>
+            <a:r>
+              <a:rPr lang="ru-RU" dirty="0" smtClean="0">
+                <a:cs typeface="Courier New" pitchFamily="49" charset="0"/>
+              </a:rPr>
+              <a:t> согласно определению задачи:</a:t>
+            </a:r>
+          </a:p>
+          <a:p>
+            <a:endParaRPr lang="ru-RU" dirty="0">
+              <a:cs typeface="Courier New" pitchFamily="49" charset="0"/>
+            </a:endParaRPr>
+          </a:p>
+          <a:p>
+            <a:r>
+              <a:rPr lang="ru-RU" dirty="0" smtClean="0">
+                <a:cs typeface="Courier New" pitchFamily="49" charset="0"/>
+              </a:rPr>
+              <a:t>Есть склад (</a:t>
+            </a:r>
+            <a:r>
+              <a:rPr lang="en-US" dirty="0" smtClean="0">
+                <a:cs typeface="Courier New" pitchFamily="49" charset="0"/>
+              </a:rPr>
+              <a:t>Warehouse)</a:t>
+            </a:r>
+            <a:r>
+              <a:rPr lang="ru-RU" dirty="0" smtClean="0">
+                <a:cs typeface="Courier New" pitchFamily="49" charset="0"/>
+              </a:rPr>
+              <a:t>, на нем могут хранится товары (</a:t>
+            </a:r>
+            <a:r>
+              <a:rPr lang="en-US" dirty="0" smtClean="0">
+                <a:cs typeface="Courier New" pitchFamily="49" charset="0"/>
+              </a:rPr>
+              <a:t>Goods) </a:t>
+            </a:r>
+            <a:r>
+              <a:rPr lang="ru-RU" dirty="0" smtClean="0">
+                <a:cs typeface="Courier New" pitchFamily="49" charset="0"/>
+              </a:rPr>
+              <a:t>различных категорий (</a:t>
+            </a:r>
+            <a:r>
+              <a:rPr lang="en-US" dirty="0" smtClean="0">
+                <a:cs typeface="Courier New" pitchFamily="49" charset="0"/>
+              </a:rPr>
+              <a:t>Categories). </a:t>
+            </a:r>
+            <a:r>
+              <a:rPr lang="ru-RU" dirty="0" smtClean="0">
+                <a:cs typeface="Courier New" pitchFamily="49" charset="0"/>
+              </a:rPr>
+              <a:t>Товары имеют количество в единицах (</a:t>
+            </a:r>
+            <a:r>
+              <a:rPr lang="en-US" dirty="0" smtClean="0">
+                <a:cs typeface="Courier New" pitchFamily="49" charset="0"/>
+              </a:rPr>
+              <a:t>quantity, </a:t>
+            </a:r>
+            <a:r>
+              <a:rPr lang="en-US" dirty="0" err="1" smtClean="0">
+                <a:cs typeface="Courier New" pitchFamily="49" charset="0"/>
+              </a:rPr>
+              <a:t>qty</a:t>
+            </a:r>
+            <a:r>
+              <a:rPr lang="en-US" dirty="0" smtClean="0">
+                <a:cs typeface="Courier New" pitchFamily="49" charset="0"/>
+              </a:rPr>
+              <a:t>) </a:t>
+            </a:r>
+            <a:r>
+              <a:rPr lang="ru-RU" dirty="0" smtClean="0">
+                <a:cs typeface="Courier New" pitchFamily="49" charset="0"/>
+              </a:rPr>
+              <a:t>и цену за штуку (</a:t>
+            </a:r>
+            <a:r>
+              <a:rPr lang="en-US" dirty="0" smtClean="0">
+                <a:cs typeface="Courier New" pitchFamily="49" charset="0"/>
+              </a:rPr>
+              <a:t>price)</a:t>
+            </a:r>
+            <a:r>
+              <a:rPr lang="ru-RU" dirty="0" smtClean="0">
+                <a:cs typeface="Courier New" pitchFamily="49" charset="0"/>
+              </a:rPr>
+              <a:t>. Товары на склад могут поступать, товары со склада можно забирать. В каждый момент времени мы можем получить выписку о товарах на складе.</a:t>
+            </a:r>
+          </a:p>
+          <a:p>
+            <a:endParaRPr lang="ru-RU" dirty="0">
+              <a:cs typeface="Courier New" pitchFamily="49" charset="0"/>
+            </a:endParaRPr>
+          </a:p>
+          <a:p>
+            <a:r>
+              <a:rPr lang="ru-RU" dirty="0" smtClean="0">
+                <a:cs typeface="Courier New" pitchFamily="49" charset="0"/>
+              </a:rPr>
+              <a:t>Предусмотреть возможность изменения типа склада.</a:t>
+            </a:r>
+          </a:p>
+          <a:p>
+            <a:endParaRPr lang="ru-RU" dirty="0">
+              <a:cs typeface="Courier New" pitchFamily="49" charset="0"/>
+            </a:endParaRPr>
+          </a:p>
+          <a:p>
+            <a:r>
+              <a:rPr lang="ru-RU" dirty="0" smtClean="0">
+                <a:cs typeface="Courier New" pitchFamily="49" charset="0"/>
+              </a:rPr>
+              <a:t>Задачу оформить в виде проекта. Проверятся будут классы и определения </a:t>
+            </a:r>
+            <a:r>
+              <a:rPr lang="en-US" dirty="0" smtClean="0">
+                <a:cs typeface="Courier New" pitchFamily="49" charset="0"/>
+              </a:rPr>
+              <a:t>bean’</a:t>
+            </a:r>
+            <a:r>
+              <a:rPr lang="ru-RU" dirty="0" err="1" smtClean="0">
+                <a:cs typeface="Courier New" pitchFamily="49" charset="0"/>
+              </a:rPr>
+              <a:t>ов</a:t>
+            </a:r>
+            <a:r>
+              <a:rPr lang="ru-RU" dirty="0" smtClean="0">
+                <a:cs typeface="Courier New" pitchFamily="49" charset="0"/>
+              </a:rPr>
+              <a:t>.</a:t>
+            </a:r>
+            <a:endParaRPr lang="en-US" dirty="0" smtClean="0">
+              <a:cs typeface="Courier New" pitchFamily="49" charset="0"/>
+            </a:endParaRPr>
+          </a:p>
+        </p:txBody>
+      </p:sp>
+    </p:spTree>
+    <p:extLst>
+      <p:ext uri="{BB962C8B-B14F-4D97-AF65-F5344CB8AC3E}">
+        <p14:creationId xmlns:p14="http://schemas.microsoft.com/office/powerpoint/2010/main" val="3240445498"/>
+      </p:ext>
+    </p:extLst>
+  </p:cSld>
+  <p:clrMapOvr>
+    <a:masterClrMapping/>
+  </p:clrMapOvr>
+  <p:timing>
+    <p:tnLst>
+      <p:par>
+        <p:cTn id="1" dur="indefinite" restart="never" nodeType="tmRoot"/>
+      </p:par>
+    </p:tnLst>
+  </p:timing>
+</p:sld>
+</file>
+
+<file path=ppt/slides/slide3.xml><?xml version="1.0" encoding="utf-8"?>
+<p:sld xmlns:a="http://schemas.openxmlformats.org/drawingml/2006/main" xmlns:r="http://schemas.openxmlformats.org/officeDocument/2006/relationships" xmlns:p="http://schemas.openxmlformats.org/presentationml/2006/main">
+  <p:cSld>
+    <p:spTree>
+      <p:nvGrpSpPr>
+        <p:cNvPr id="1" name=""/>
+        <p:cNvGrpSpPr/>
+        <p:nvPr/>
+      </p:nvGrpSpPr>
+      <p:grpSpPr>
+        <a:xfrm>
+          <a:off x="0" y="0"/>
+          <a:ext cx="0" cy="0"/>
+          <a:chOff x="0" y="0"/>
+          <a:chExt cx="0" cy="0"/>
+        </a:xfrm>
+      </p:grpSpPr>
+      <p:sp>
+        <p:nvSpPr>
+          <p:cNvPr id="2" name="Title 1"/>
+          <p:cNvSpPr>
+            <a:spLocks noGrp="1"/>
+          </p:cNvSpPr>
+          <p:nvPr>
+            <p:ph type="title"/>
+          </p:nvPr>
+        </p:nvSpPr>
+        <p:spPr>
+          <a:xfrm>
+            <a:off x="457200" y="274638"/>
+            <a:ext cx="8229600" cy="439718"/>
+          </a:xfrm>
+          <a:ln>
+            <a:noFill/>
+          </a:ln>
+        </p:spPr>
+        <p:txBody>
+          <a:bodyPr>
+            <a:normAutofit fontScale="90000"/>
+          </a:bodyPr>
+          <a:lstStyle/>
+          <a:p>
+            <a:pPr algn="l"/>
+            <a:r>
+              <a:rPr lang="ru-RU" sz="3200" dirty="0" smtClean="0"/>
+              <a:t>Что предстоит изучить</a:t>
+            </a:r>
+            <a:endParaRPr lang="ru-RU" sz="3200" dirty="0"/>
+          </a:p>
+        </p:txBody>
+      </p:sp>
+      <p:cxnSp>
+        <p:nvCxnSpPr>
+          <p:cNvPr id="7" name="Straight Connector 6"/>
+          <p:cNvCxnSpPr/>
+          <p:nvPr/>
+        </p:nvCxnSpPr>
+        <p:spPr>
+          <a:xfrm>
+            <a:off x="428596" y="714356"/>
+            <a:ext cx="8286808" cy="1588"/>
+          </a:xfrm>
+          <a:prstGeom prst="line">
+            <a:avLst/>
+          </a:prstGeom>
+          <a:ln>
+            <a:solidFill>
+              <a:schemeClr val="tx1"/>
+            </a:solidFill>
+          </a:ln>
+        </p:spPr>
+        <p:style>
+          <a:lnRef idx="1">
+            <a:schemeClr val="accent1"/>
+          </a:lnRef>
+          <a:fillRef idx="0">
+            <a:schemeClr val="accent1"/>
+          </a:fillRef>
+          <a:effectRef idx="0">
+            <a:schemeClr val="accent1"/>
+          </a:effectRef>
+          <a:fontRef idx="minor">
+            <a:schemeClr val="tx1"/>
+          </a:fontRef>
+        </p:style>
+      </p:cxnSp>
+      <p:sp>
+        <p:nvSpPr>
+          <p:cNvPr id="10" name="TextBox 9"/>
+          <p:cNvSpPr txBox="1"/>
+          <p:nvPr/>
+        </p:nvSpPr>
+        <p:spPr>
+          <a:xfrm>
+            <a:off x="428596" y="1000108"/>
+            <a:ext cx="8286808" cy="4247317"/>
+          </a:xfrm>
+          <a:prstGeom prst="rect">
+            <a:avLst/>
+          </a:prstGeom>
+          <a:noFill/>
+        </p:spPr>
+        <p:txBody>
+          <a:bodyPr wrap="square" rtlCol="0">
+            <a:spAutoFit/>
+          </a:bodyPr>
+          <a:lstStyle/>
+          <a:p>
             <a:pPr>
               <a:buClr>
                 <a:schemeClr val="tx1">
@@ -5542,14 +9345,6 @@
               </a:rPr>
               <a:t>и зачем он нужен</a:t>
             </a:r>
-            <a:endParaRPr lang="ru-RU" dirty="0" smtClean="0">
-              <a:solidFill>
-                <a:schemeClr val="tx1">
-                  <a:lumMod val="85000"/>
-                  <a:lumOff val="15000"/>
-                </a:schemeClr>
-              </a:solidFill>
-            </a:endParaRPr>
           </a:p>
           <a:p>
             <a:pPr lvl="1">
@@ -5593,14 +9388,6 @@
               </a:rPr>
               <a:t>приложений</a:t>
             </a:r>
-            <a:endParaRPr lang="ru-RU" dirty="0" smtClean="0">
-              <a:solidFill>
-                <a:schemeClr val="tx1">
-                  <a:lumMod val="85000"/>
-                  <a:lumOff val="15000"/>
-                </a:schemeClr>
-              </a:solidFill>
-            </a:endParaRPr>
           </a:p>
           <a:p>
             <a:pPr lvl="1">
@@ -5684,14 +9471,6 @@
               </a:rPr>
               <a:t>Основные технологии для повседневного использования</a:t>
             </a:r>
-            <a:endParaRPr lang="ru-RU" dirty="0" smtClean="0">
-              <a:solidFill>
-                <a:schemeClr val="tx1">
-                  <a:lumMod val="85000"/>
-                  <a:lumOff val="15000"/>
-                </a:schemeClr>
-              </a:solidFill>
-            </a:endParaRPr>
           </a:p>
           <a:p>
             <a:pPr lvl="1">
@@ -5780,14 +9559,6 @@
               </a:rPr>
               <a:t>Практические пример применения изучаемых технологий</a:t>
             </a:r>
-            <a:endParaRPr lang="ru-RU" dirty="0" smtClean="0">
-              <a:solidFill>
-                <a:schemeClr val="tx1">
-                  <a:lumMod val="85000"/>
-                  <a:lumOff val="15000"/>
-                </a:schemeClr>
-              </a:solidFill>
-            </a:endParaRPr>
           </a:p>
           <a:p>
             <a:pPr lvl="1">
@@ -5827,14 +9598,6 @@
               </a:rPr>
               <a:t>Все о чем рассказал – все попробуем</a:t>
             </a:r>
-            <a:endParaRPr lang="ru-RU" dirty="0" smtClean="0">
-              <a:solidFill>
-                <a:schemeClr val="tx1">
-                  <a:lumMod val="85000"/>
-                  <a:lumOff val="15000"/>
-                </a:schemeClr>
-              </a:solidFill>
-            </a:endParaRPr>
           </a:p>
           <a:p>
             <a:pPr lvl="1">
@@ -5885,14 +9648,6 @@
               </a:rPr>
               <a:t>Сделаем интернет-витрину в качестве учебного проекта</a:t>
             </a:r>
-            <a:endParaRPr lang="ru-RU" dirty="0" smtClean="0">
-              <a:solidFill>
-                <a:schemeClr val="tx1">
-                  <a:lumMod val="85000"/>
-                  <a:lumOff val="15000"/>
-                </a:schemeClr>
-              </a:solidFill>
-            </a:endParaRPr>
           </a:p>
           <a:p>
             <a:pPr lvl="1">
@@ -6066,14 +9821,6 @@
               </a:rPr>
               <a:t>Хорошая новость </a:t>
             </a:r>
-            <a:endParaRPr lang="ru-RU" dirty="0" smtClean="0">
-              <a:solidFill>
-                <a:schemeClr val="tx1">
-                  <a:lumMod val="85000"/>
-                  <a:lumOff val="15000"/>
-                </a:schemeClr>
-              </a:solidFill>
-            </a:endParaRPr>
           </a:p>
           <a:p>
             <a:pPr lvl="1">
@@ -6333,14 +10080,6 @@
               </a:rPr>
               <a:t>Плохая архитектура. Что вы думаете об этой картинке?</a:t>
             </a:r>
-            <a:endParaRPr lang="ru-RU" dirty="0" smtClean="0">
-              <a:solidFill>
-                <a:schemeClr val="tx1">
-                  <a:lumMod val="85000"/>
-                  <a:lumOff val="15000"/>
-                </a:schemeClr>
-              </a:solidFill>
-            </a:endParaRPr>
           </a:p>
         </p:txBody>
       </p:sp>
@@ -6531,14 +10270,6 @@
               </a:rPr>
               <a:t>Хорошая архитектура. А что об этой картинке?</a:t>
             </a:r>
-            <a:endParaRPr lang="ru-RU" dirty="0" smtClean="0">
-              <a:solidFill>
-                <a:schemeClr val="tx1">
-                  <a:lumMod val="85000"/>
-                  <a:lumOff val="15000"/>
-                </a:schemeClr>
-              </a:solidFill>
-            </a:endParaRPr>
           </a:p>
         </p:txBody>
       </p:sp>
@@ -7143,11 +10874,7 @@
             </a:r>
             <a:r>
               <a:rPr lang="ru-RU" dirty="0" smtClean="0"/>
-              <a:t>есть паттерн объектно</a:t>
-            </a:r>
-            <a:r>
-              <a:rPr lang="ru-RU" dirty="0" smtClean="0"/>
-              <a:t>-ориентированного программирования, который позволяет снизить связность объектов.</a:t>
+              <a:t>есть паттерн объектно-ориентированного программирования, который позволяет снизить связность объектов.</a:t>
             </a:r>
           </a:p>
           <a:p>
@@ -7812,14 +11539,6 @@
               </a:rPr>
               <a:t>Какие проблемы Вы здесь видите?</a:t>
             </a:r>
-            <a:endParaRPr lang="ru-RU" dirty="0" smtClean="0">
-              <a:solidFill>
-                <a:schemeClr val="tx1">
-                  <a:lumMod val="85000"/>
-                  <a:lumOff val="15000"/>
-                </a:schemeClr>
-              </a:solidFill>
-            </a:endParaRPr>
           </a:p>
         </p:txBody>
       </p:sp>

--- a/lectures/j2ee. Lecture 1.pptx
+++ b/lectures/j2ee. Lecture 1.pptx
@@ -28,6 +28,8 @@
     <p:sldId id="287" r:id="rId22"/>
     <p:sldId id="288" r:id="rId23"/>
     <p:sldId id="289" r:id="rId24"/>
+    <p:sldId id="290" r:id="rId25"/>
+    <p:sldId id="291" r:id="rId26"/>
   </p:sldIdLst>
   <p:sldSz cx="9144000" cy="6858000" type="screen4x3"/>
   <p:notesSz cx="6858000" cy="9144000"/>
@@ -126,6 +128,22 @@
       </a:defRPr>
     </a:lvl9pPr>
   </p:defaultTextStyle>
+  <p:extLst>
+    <p:ext uri="{EFAFB233-063F-42B5-8137-9DF3F51BA10A}">
+      <p15:sldGuideLst xmlns:p15="http://schemas.microsoft.com/office/powerpoint/2012/main">
+        <p15:guide id="1" orient="horz" pos="2160">
+          <p15:clr>
+            <a:srgbClr val="A4A3A4"/>
+          </p15:clr>
+        </p15:guide>
+        <p15:guide id="2" pos="2880">
+          <p15:clr>
+            <a:srgbClr val="A4A3A4"/>
+          </p15:clr>
+        </p15:guide>
+      </p15:sldGuideLst>
+    </p:ext>
+  </p:extLst>
 </p:presentation>
 </file>
 
@@ -311,7 +329,7 @@
             <a:fld id="{04794622-6F41-4D08-898D-573420FBC607}" type="datetimeFigureOut">
               <a:rPr lang="ru-RU" smtClean="0"/>
               <a:pPr/>
-              <a:t>07.10.2013</a:t>
+              <a:t>пн 12.10.15</a:t>
             </a:fld>
             <a:endParaRPr lang="ru-RU"/>
           </a:p>
@@ -478,7 +496,7 @@
             <a:fld id="{04794622-6F41-4D08-898D-573420FBC607}" type="datetimeFigureOut">
               <a:rPr lang="ru-RU" smtClean="0"/>
               <a:pPr/>
-              <a:t>07.10.2013</a:t>
+              <a:t>пн 12.10.15</a:t>
             </a:fld>
             <a:endParaRPr lang="ru-RU"/>
           </a:p>
@@ -655,7 +673,7 @@
             <a:fld id="{04794622-6F41-4D08-898D-573420FBC607}" type="datetimeFigureOut">
               <a:rPr lang="ru-RU" smtClean="0"/>
               <a:pPr/>
-              <a:t>07.10.2013</a:t>
+              <a:t>пн 12.10.15</a:t>
             </a:fld>
             <a:endParaRPr lang="ru-RU"/>
           </a:p>
@@ -822,7 +840,7 @@
             <a:fld id="{04794622-6F41-4D08-898D-573420FBC607}" type="datetimeFigureOut">
               <a:rPr lang="ru-RU" smtClean="0"/>
               <a:pPr/>
-              <a:t>07.10.2013</a:t>
+              <a:t>пн 12.10.15</a:t>
             </a:fld>
             <a:endParaRPr lang="ru-RU"/>
           </a:p>
@@ -1065,7 +1083,7 @@
             <a:fld id="{04794622-6F41-4D08-898D-573420FBC607}" type="datetimeFigureOut">
               <a:rPr lang="ru-RU" smtClean="0"/>
               <a:pPr/>
-              <a:t>07.10.2013</a:t>
+              <a:t>пн 12.10.15</a:t>
             </a:fld>
             <a:endParaRPr lang="ru-RU"/>
           </a:p>
@@ -1350,7 +1368,7 @@
             <a:fld id="{04794622-6F41-4D08-898D-573420FBC607}" type="datetimeFigureOut">
               <a:rPr lang="ru-RU" smtClean="0"/>
               <a:pPr/>
-              <a:t>07.10.2013</a:t>
+              <a:t>пн 12.10.15</a:t>
             </a:fld>
             <a:endParaRPr lang="ru-RU"/>
           </a:p>
@@ -1769,7 +1787,7 @@
             <a:fld id="{04794622-6F41-4D08-898D-573420FBC607}" type="datetimeFigureOut">
               <a:rPr lang="ru-RU" smtClean="0"/>
               <a:pPr/>
-              <a:t>07.10.2013</a:t>
+              <a:t>пн 12.10.15</a:t>
             </a:fld>
             <a:endParaRPr lang="ru-RU"/>
           </a:p>
@@ -1884,7 +1902,7 @@
             <a:fld id="{04794622-6F41-4D08-898D-573420FBC607}" type="datetimeFigureOut">
               <a:rPr lang="ru-RU" smtClean="0"/>
               <a:pPr/>
-              <a:t>07.10.2013</a:t>
+              <a:t>пн 12.10.15</a:t>
             </a:fld>
             <a:endParaRPr lang="ru-RU"/>
           </a:p>
@@ -1976,7 +1994,7 @@
             <a:fld id="{04794622-6F41-4D08-898D-573420FBC607}" type="datetimeFigureOut">
               <a:rPr lang="ru-RU" smtClean="0"/>
               <a:pPr/>
-              <a:t>07.10.2013</a:t>
+              <a:t>пн 12.10.15</a:t>
             </a:fld>
             <a:endParaRPr lang="ru-RU"/>
           </a:p>
@@ -2250,7 +2268,7 @@
             <a:fld id="{04794622-6F41-4D08-898D-573420FBC607}" type="datetimeFigureOut">
               <a:rPr lang="ru-RU" smtClean="0"/>
               <a:pPr/>
-              <a:t>07.10.2013</a:t>
+              <a:t>пн 12.10.15</a:t>
             </a:fld>
             <a:endParaRPr lang="ru-RU"/>
           </a:p>
@@ -2500,7 +2518,7 @@
             <a:fld id="{04794622-6F41-4D08-898D-573420FBC607}" type="datetimeFigureOut">
               <a:rPr lang="ru-RU" smtClean="0"/>
               <a:pPr/>
-              <a:t>07.10.2013</a:t>
+              <a:t>пн 12.10.15</a:t>
             </a:fld>
             <a:endParaRPr lang="ru-RU"/>
           </a:p>
@@ -2710,7 +2728,7 @@
             <a:fld id="{04794622-6F41-4D08-898D-573420FBC607}" type="datetimeFigureOut">
               <a:rPr lang="ru-RU" smtClean="0"/>
               <a:pPr/>
-              <a:t>07.10.2013</a:t>
+              <a:t>пн 12.10.15</a:t>
             </a:fld>
             <a:endParaRPr lang="ru-RU"/>
           </a:p>
@@ -4125,15 +4143,7 @@
             </a:pPr>
             <a:r>
               <a:rPr lang="ru-RU" dirty="0" smtClean="0"/>
-              <a:t>Тем </a:t>
-            </a:r>
-            <a:r>
-              <a:rPr lang="ru-RU" dirty="0" smtClean="0"/>
-              <a:t>самым мы абстрагируемся от деталей реализации конкретных </a:t>
-            </a:r>
-            <a:r>
-              <a:rPr lang="ru-RU" dirty="0" smtClean="0"/>
-              <a:t>модулей</a:t>
+              <a:t>Тем самым мы абстрагируемся от деталей реализации конкретных модулей</a:t>
             </a:r>
             <a:r>
               <a:rPr lang="en-US" dirty="0"/>
@@ -5754,14 +5764,14 @@
           </a:p>
           <a:p>
             <a:r>
-              <a:rPr lang="en-US" sz="1400" b="1" dirty="0" smtClean="0">
+              <a:rPr lang="en-US" sz="1400" dirty="0" smtClean="0">
                 <a:latin typeface="Courier New" pitchFamily="49" charset="0"/>
                 <a:cs typeface="Courier New" pitchFamily="49" charset="0"/>
               </a:rPr>
               <a:t>&lt;</a:t>
             </a:r>
             <a:r>
-              <a:rPr lang="en-US" sz="1400" b="1" dirty="0">
+              <a:rPr lang="en-US" sz="1400" dirty="0">
                 <a:latin typeface="Courier New" pitchFamily="49" charset="0"/>
                 <a:cs typeface="Courier New" pitchFamily="49" charset="0"/>
               </a:rPr>
@@ -5770,21 +5780,21 @@
           </a:p>
           <a:p>
             <a:r>
-              <a:rPr lang="ru-RU" sz="1400" b="1" dirty="0" smtClean="0">
+              <a:rPr lang="ru-RU" sz="1400" dirty="0" smtClean="0">
                 <a:latin typeface="Courier New" pitchFamily="49" charset="0"/>
                 <a:cs typeface="Courier New" pitchFamily="49" charset="0"/>
               </a:rPr>
               <a:t>    </a:t>
             </a:r>
             <a:r>
-              <a:rPr lang="en-US" sz="1400" b="1" dirty="0" smtClean="0">
+              <a:rPr lang="en-US" sz="1400" dirty="0" smtClean="0">
                 <a:latin typeface="Courier New" pitchFamily="49" charset="0"/>
                 <a:cs typeface="Courier New" pitchFamily="49" charset="0"/>
               </a:rPr>
               <a:t>&lt;!-- </a:t>
             </a:r>
             <a:r>
-              <a:rPr lang="en-US" sz="1400" b="1" dirty="0">
+              <a:rPr lang="en-US" sz="1400" dirty="0">
                 <a:latin typeface="Courier New" pitchFamily="49" charset="0"/>
                 <a:cs typeface="Courier New" pitchFamily="49" charset="0"/>
               </a:rPr>
@@ -5793,49 +5803,49 @@
           </a:p>
           <a:p>
             <a:r>
-              <a:rPr lang="ru-RU" sz="1400" b="1" dirty="0" smtClean="0">
+              <a:rPr lang="ru-RU" sz="1400" dirty="0" smtClean="0">
                 <a:latin typeface="Courier New" pitchFamily="49" charset="0"/>
                 <a:cs typeface="Courier New" pitchFamily="49" charset="0"/>
               </a:rPr>
               <a:t>    </a:t>
             </a:r>
             <a:r>
-              <a:rPr lang="en-US" sz="1400" b="1" dirty="0" smtClean="0">
+              <a:rPr lang="en-US" sz="1400" dirty="0" smtClean="0">
                 <a:latin typeface="Courier New" pitchFamily="49" charset="0"/>
                 <a:cs typeface="Courier New" pitchFamily="49" charset="0"/>
               </a:rPr>
               <a:t>&lt;spring</a:t>
             </a:r>
             <a:r>
-              <a:rPr lang="ru-RU" sz="1400" b="1" dirty="0" smtClean="0">
+              <a:rPr lang="ru-RU" sz="1400" dirty="0" smtClean="0">
                 <a:latin typeface="Courier New" pitchFamily="49" charset="0"/>
                 <a:cs typeface="Courier New" pitchFamily="49" charset="0"/>
               </a:rPr>
               <a:t>-</a:t>
             </a:r>
             <a:r>
-              <a:rPr lang="en-US" sz="1400" b="1" dirty="0" smtClean="0">
+              <a:rPr lang="en-US" sz="1400" dirty="0" smtClean="0">
                 <a:latin typeface="Courier New" pitchFamily="49" charset="0"/>
                 <a:cs typeface="Courier New" pitchFamily="49" charset="0"/>
               </a:rPr>
               <a:t>version&gt;2.5.6</a:t>
             </a:r>
             <a:r>
-              <a:rPr lang="en-US" sz="1400" b="1" dirty="0">
+              <a:rPr lang="en-US" sz="1400" dirty="0">
                 <a:latin typeface="Courier New" pitchFamily="49" charset="0"/>
                 <a:cs typeface="Courier New" pitchFamily="49" charset="0"/>
               </a:rPr>
               <a:t>&lt;/</a:t>
             </a:r>
             <a:r>
-              <a:rPr lang="en-US" sz="1400" b="1" dirty="0" err="1">
+              <a:rPr lang="en-US" sz="1400" dirty="0" err="1">
                 <a:latin typeface="Courier New" pitchFamily="49" charset="0"/>
                 <a:cs typeface="Courier New" pitchFamily="49" charset="0"/>
               </a:rPr>
               <a:t>springVersion</a:t>
             </a:r>
             <a:r>
-              <a:rPr lang="en-US" sz="1400" b="1" dirty="0">
+              <a:rPr lang="en-US" sz="1400" dirty="0">
                 <a:latin typeface="Courier New" pitchFamily="49" charset="0"/>
                 <a:cs typeface="Courier New" pitchFamily="49" charset="0"/>
               </a:rPr>
@@ -5844,14 +5854,14 @@
           </a:p>
           <a:p>
             <a:r>
-              <a:rPr lang="en-US" sz="1400" b="1" dirty="0" smtClean="0">
+              <a:rPr lang="en-US" sz="1400" dirty="0" smtClean="0">
                 <a:latin typeface="Courier New" pitchFamily="49" charset="0"/>
                 <a:cs typeface="Courier New" pitchFamily="49" charset="0"/>
               </a:rPr>
               <a:t>    &lt;org.slf4j-version&gt;1.7.2</a:t>
             </a:r>
             <a:r>
-              <a:rPr lang="en-US" sz="1400" b="1" dirty="0">
+              <a:rPr lang="en-US" sz="1400" dirty="0">
                 <a:latin typeface="Courier New" pitchFamily="49" charset="0"/>
                 <a:cs typeface="Courier New" pitchFamily="49" charset="0"/>
               </a:rPr>
@@ -5860,14 +5870,14 @@
           </a:p>
           <a:p>
             <a:r>
-              <a:rPr lang="en-US" sz="1400" b="1" dirty="0" smtClean="0">
+              <a:rPr lang="en-US" sz="1400" dirty="0" smtClean="0">
                 <a:latin typeface="Courier New" pitchFamily="49" charset="0"/>
                 <a:cs typeface="Courier New" pitchFamily="49" charset="0"/>
               </a:rPr>
               <a:t>    &lt;</a:t>
             </a:r>
             <a:r>
-              <a:rPr lang="en-US" sz="1400" b="1" dirty="0">
+              <a:rPr lang="en-US" sz="1400" dirty="0">
                 <a:latin typeface="Courier New" pitchFamily="49" charset="0"/>
                 <a:cs typeface="Courier New" pitchFamily="49" charset="0"/>
               </a:rPr>
@@ -5876,35 +5886,35 @@
           </a:p>
           <a:p>
             <a:r>
-              <a:rPr lang="en-US" sz="1400" b="1" dirty="0" smtClean="0">
+              <a:rPr lang="en-US" sz="1400" dirty="0" smtClean="0">
                 <a:latin typeface="Courier New" pitchFamily="49" charset="0"/>
                 <a:cs typeface="Courier New" pitchFamily="49" charset="0"/>
               </a:rPr>
               <a:t>    &lt;</a:t>
             </a:r>
             <a:r>
-              <a:rPr lang="en-US" sz="1400" b="1" dirty="0" err="1">
+              <a:rPr lang="en-US" sz="1400" dirty="0" err="1">
                 <a:latin typeface="Courier New" pitchFamily="49" charset="0"/>
                 <a:cs typeface="Courier New" pitchFamily="49" charset="0"/>
               </a:rPr>
               <a:t>junit</a:t>
             </a:r>
             <a:r>
-              <a:rPr lang="en-US" sz="1400" b="1" dirty="0">
+              <a:rPr lang="en-US" sz="1400" dirty="0">
                 <a:latin typeface="Courier New" pitchFamily="49" charset="0"/>
                 <a:cs typeface="Courier New" pitchFamily="49" charset="0"/>
               </a:rPr>
               <a:t>-version&gt;4.11&lt;/</a:t>
             </a:r>
             <a:r>
-              <a:rPr lang="en-US" sz="1400" b="1" dirty="0" err="1">
+              <a:rPr lang="en-US" sz="1400" dirty="0" err="1">
                 <a:latin typeface="Courier New" pitchFamily="49" charset="0"/>
                 <a:cs typeface="Courier New" pitchFamily="49" charset="0"/>
               </a:rPr>
               <a:t>junit</a:t>
             </a:r>
             <a:r>
-              <a:rPr lang="en-US" sz="1400" b="1" dirty="0">
+              <a:rPr lang="en-US" sz="1400" dirty="0">
                 <a:latin typeface="Courier New" pitchFamily="49" charset="0"/>
                 <a:cs typeface="Courier New" pitchFamily="49" charset="0"/>
               </a:rPr>
@@ -5913,35 +5923,35 @@
           </a:p>
           <a:p>
             <a:r>
-              <a:rPr lang="en-US" sz="1400" b="1" dirty="0" smtClean="0">
+              <a:rPr lang="en-US" sz="1400" dirty="0" smtClean="0">
                 <a:latin typeface="Courier New" pitchFamily="49" charset="0"/>
                 <a:cs typeface="Courier New" pitchFamily="49" charset="0"/>
               </a:rPr>
               <a:t>    &lt;</a:t>
             </a:r>
             <a:r>
-              <a:rPr lang="en-US" sz="1400" b="1" dirty="0" err="1">
+              <a:rPr lang="en-US" sz="1400" dirty="0" err="1">
                 <a:latin typeface="Courier New" pitchFamily="49" charset="0"/>
                 <a:cs typeface="Courier New" pitchFamily="49" charset="0"/>
               </a:rPr>
               <a:t>joda.time</a:t>
             </a:r>
             <a:r>
-              <a:rPr lang="en-US" sz="1400" b="1" dirty="0">
+              <a:rPr lang="en-US" sz="1400" dirty="0">
                 <a:latin typeface="Courier New" pitchFamily="49" charset="0"/>
                 <a:cs typeface="Courier New" pitchFamily="49" charset="0"/>
               </a:rPr>
               <a:t>-version&gt;2.0&lt;/</a:t>
             </a:r>
             <a:r>
-              <a:rPr lang="en-US" sz="1400" b="1" dirty="0" err="1">
+              <a:rPr lang="en-US" sz="1400" dirty="0" err="1">
                 <a:latin typeface="Courier New" pitchFamily="49" charset="0"/>
                 <a:cs typeface="Courier New" pitchFamily="49" charset="0"/>
               </a:rPr>
               <a:t>joda.time</a:t>
             </a:r>
             <a:r>
-              <a:rPr lang="en-US" sz="1400" b="1" dirty="0">
+              <a:rPr lang="en-US" sz="1400" dirty="0">
                 <a:latin typeface="Courier New" pitchFamily="49" charset="0"/>
                 <a:cs typeface="Courier New" pitchFamily="49" charset="0"/>
               </a:rPr>
@@ -5949,28 +5959,28 @@
             </a:r>
           </a:p>
           <a:p>
-            <a:endParaRPr lang="en-US" sz="1400" b="1" dirty="0" smtClean="0">
+            <a:endParaRPr lang="en-US" sz="1400" dirty="0" smtClean="0">
               <a:latin typeface="Courier New" pitchFamily="49" charset="0"/>
               <a:cs typeface="Courier New" pitchFamily="49" charset="0"/>
             </a:endParaRPr>
           </a:p>
           <a:p>
             <a:r>
-              <a:rPr lang="en-US" sz="1400" b="1" dirty="0">
+              <a:rPr lang="en-US" sz="1400" dirty="0">
                 <a:latin typeface="Courier New" pitchFamily="49" charset="0"/>
                 <a:cs typeface="Courier New" pitchFamily="49" charset="0"/>
               </a:rPr>
               <a:t> </a:t>
             </a:r>
             <a:r>
-              <a:rPr lang="en-US" sz="1400" b="1" dirty="0" smtClean="0">
+              <a:rPr lang="en-US" sz="1400" dirty="0" smtClean="0">
                 <a:latin typeface="Courier New" pitchFamily="49" charset="0"/>
                 <a:cs typeface="Courier New" pitchFamily="49" charset="0"/>
               </a:rPr>
               <a:t>   &lt;!-- </a:t>
             </a:r>
             <a:r>
-              <a:rPr lang="en-US" sz="1400" b="1" dirty="0">
+              <a:rPr lang="en-US" sz="1400" dirty="0">
                 <a:latin typeface="Courier New" pitchFamily="49" charset="0"/>
                 <a:cs typeface="Courier New" pitchFamily="49" charset="0"/>
               </a:rPr>
@@ -5979,35 +5989,35 @@
           </a:p>
           <a:p>
             <a:r>
-              <a:rPr lang="en-US" sz="1400" b="1" dirty="0" smtClean="0">
+              <a:rPr lang="en-US" sz="1400" dirty="0" smtClean="0">
                 <a:latin typeface="Courier New" pitchFamily="49" charset="0"/>
                 <a:cs typeface="Courier New" pitchFamily="49" charset="0"/>
               </a:rPr>
               <a:t>    &lt;</a:t>
             </a:r>
             <a:r>
-              <a:rPr lang="en-US" sz="1400" b="1" dirty="0" err="1">
+              <a:rPr lang="en-US" sz="1400" dirty="0" err="1">
                 <a:latin typeface="Courier New" pitchFamily="49" charset="0"/>
                 <a:cs typeface="Courier New" pitchFamily="49" charset="0"/>
               </a:rPr>
               <a:t>project.build.sourceEncoding</a:t>
             </a:r>
             <a:r>
-              <a:rPr lang="en-US" sz="1400" b="1" dirty="0">
+              <a:rPr lang="en-US" sz="1400" dirty="0">
                 <a:latin typeface="Courier New" pitchFamily="49" charset="0"/>
                 <a:cs typeface="Courier New" pitchFamily="49" charset="0"/>
               </a:rPr>
               <a:t>&gt;UTF-8&lt;/</a:t>
             </a:r>
             <a:r>
-              <a:rPr lang="en-US" sz="1400" b="1" dirty="0" err="1">
+              <a:rPr lang="en-US" sz="1400" dirty="0" err="1">
                 <a:latin typeface="Courier New" pitchFamily="49" charset="0"/>
                 <a:cs typeface="Courier New" pitchFamily="49" charset="0"/>
               </a:rPr>
               <a:t>project.build.sourceEncoding</a:t>
             </a:r>
             <a:r>
-              <a:rPr lang="en-US" sz="1400" b="1" dirty="0">
+              <a:rPr lang="en-US" sz="1400" dirty="0">
                 <a:latin typeface="Courier New" pitchFamily="49" charset="0"/>
                 <a:cs typeface="Courier New" pitchFamily="49" charset="0"/>
               </a:rPr>
@@ -6016,41 +6026,41 @@
           </a:p>
           <a:p>
             <a:r>
-              <a:rPr lang="ru-RU" sz="1400" b="1" dirty="0">
+              <a:rPr lang="ru-RU" sz="1400" dirty="0">
                 <a:latin typeface="Courier New" pitchFamily="49" charset="0"/>
                 <a:cs typeface="Courier New" pitchFamily="49" charset="0"/>
               </a:rPr>
               <a:t>        </a:t>
             </a:r>
             <a:r>
-              <a:rPr lang="ru-RU" sz="1400" b="1" dirty="0" smtClean="0">
+              <a:rPr lang="ru-RU" sz="1400" dirty="0" smtClean="0">
                 <a:latin typeface="Courier New" pitchFamily="49" charset="0"/>
                 <a:cs typeface="Courier New" pitchFamily="49" charset="0"/>
               </a:rPr>
               <a:t>               </a:t>
             </a:r>
-            <a:endParaRPr lang="ru-RU" sz="1400" b="1" dirty="0">
+            <a:endParaRPr lang="ru-RU" sz="1400" dirty="0">
               <a:latin typeface="Courier New" pitchFamily="49" charset="0"/>
               <a:cs typeface="Courier New" pitchFamily="49" charset="0"/>
             </a:endParaRPr>
           </a:p>
           <a:p>
             <a:r>
-              <a:rPr lang="en-US" sz="1400" b="1" dirty="0" smtClean="0">
+              <a:rPr lang="en-US" sz="1400" dirty="0" smtClean="0">
                 <a:latin typeface="Courier New" pitchFamily="49" charset="0"/>
                 <a:cs typeface="Courier New" pitchFamily="49" charset="0"/>
               </a:rPr>
               <a:t>    &lt;!-- </a:t>
             </a:r>
             <a:r>
-              <a:rPr lang="en-US" sz="1400" b="1" u="sng" dirty="0" err="1">
+              <a:rPr lang="en-US" sz="1400" u="sng" dirty="0" err="1">
                 <a:latin typeface="Courier New" pitchFamily="49" charset="0"/>
                 <a:cs typeface="Courier New" pitchFamily="49" charset="0"/>
               </a:rPr>
               <a:t>params</a:t>
             </a:r>
             <a:r>
-              <a:rPr lang="en-US" sz="1400" b="1" u="sng" dirty="0">
+              <a:rPr lang="en-US" sz="1400" u="sng" dirty="0">
                 <a:latin typeface="Courier New" pitchFamily="49" charset="0"/>
                 <a:cs typeface="Courier New" pitchFamily="49" charset="0"/>
               </a:rPr>
@@ -6059,35 +6069,35 @@
           </a:p>
           <a:p>
             <a:r>
-              <a:rPr lang="en-US" sz="1400" b="1" dirty="0" smtClean="0">
+              <a:rPr lang="en-US" sz="1400" dirty="0" smtClean="0">
                 <a:latin typeface="Courier New" pitchFamily="49" charset="0"/>
                 <a:cs typeface="Courier New" pitchFamily="49" charset="0"/>
               </a:rPr>
               <a:t>    &lt;</a:t>
             </a:r>
             <a:r>
-              <a:rPr lang="en-US" sz="1400" b="1" dirty="0" err="1">
+              <a:rPr lang="en-US" sz="1400" dirty="0" err="1">
                 <a:latin typeface="Courier New" pitchFamily="49" charset="0"/>
                 <a:cs typeface="Courier New" pitchFamily="49" charset="0"/>
               </a:rPr>
               <a:t>work.encoding</a:t>
             </a:r>
             <a:r>
-              <a:rPr lang="en-US" sz="1400" b="1" dirty="0">
+              <a:rPr lang="en-US" sz="1400" dirty="0">
                 <a:latin typeface="Courier New" pitchFamily="49" charset="0"/>
                 <a:cs typeface="Courier New" pitchFamily="49" charset="0"/>
               </a:rPr>
               <a:t>&gt;UTF-8&lt;/</a:t>
             </a:r>
             <a:r>
-              <a:rPr lang="en-US" sz="1400" b="1" dirty="0" err="1">
+              <a:rPr lang="en-US" sz="1400" dirty="0" err="1">
                 <a:latin typeface="Courier New" pitchFamily="49" charset="0"/>
                 <a:cs typeface="Courier New" pitchFamily="49" charset="0"/>
               </a:rPr>
               <a:t>work.encoding</a:t>
             </a:r>
             <a:r>
-              <a:rPr lang="en-US" sz="1400" b="1" dirty="0">
+              <a:rPr lang="en-US" sz="1400" dirty="0">
                 <a:latin typeface="Courier New" pitchFamily="49" charset="0"/>
                 <a:cs typeface="Courier New" pitchFamily="49" charset="0"/>
               </a:rPr>
@@ -6096,21 +6106,21 @@
           </a:p>
           <a:p>
             <a:r>
-              <a:rPr lang="en-US" sz="1400" b="1" dirty="0" smtClean="0">
+              <a:rPr lang="en-US" sz="1400" dirty="0" smtClean="0">
                 <a:latin typeface="Courier New" pitchFamily="49" charset="0"/>
                 <a:cs typeface="Courier New" pitchFamily="49" charset="0"/>
               </a:rPr>
               <a:t>&lt;/</a:t>
             </a:r>
             <a:r>
-              <a:rPr lang="en-US" sz="1400" b="1" dirty="0">
+              <a:rPr lang="en-US" sz="1400" dirty="0">
                 <a:latin typeface="Courier New" pitchFamily="49" charset="0"/>
                 <a:cs typeface="Courier New" pitchFamily="49" charset="0"/>
               </a:rPr>
               <a:t>properties</a:t>
             </a:r>
             <a:r>
-              <a:rPr lang="en-US" sz="1400" b="1" dirty="0" smtClean="0">
+              <a:rPr lang="en-US" sz="1400" dirty="0" smtClean="0">
                 <a:latin typeface="Courier New" pitchFamily="49" charset="0"/>
                 <a:cs typeface="Courier New" pitchFamily="49" charset="0"/>
               </a:rPr>
@@ -6118,13 +6128,13 @@
             </a:r>
           </a:p>
           <a:p>
-            <a:endParaRPr lang="en-US" sz="1400" b="1" dirty="0">
+            <a:endParaRPr lang="en-US" sz="1400" dirty="0">
               <a:latin typeface="Courier New" pitchFamily="49" charset="0"/>
               <a:cs typeface="Courier New" pitchFamily="49" charset="0"/>
             </a:endParaRPr>
           </a:p>
           <a:p>
-            <a:endParaRPr lang="en-US" sz="1400" b="1" dirty="0" smtClean="0">
+            <a:endParaRPr lang="en-US" sz="1400" dirty="0" smtClean="0">
               <a:latin typeface="Courier New" pitchFamily="49" charset="0"/>
               <a:cs typeface="Courier New" pitchFamily="49" charset="0"/>
             </a:endParaRPr>
@@ -6158,16 +6168,12 @@
           </a:p>
           <a:p>
             <a:r>
-              <a:rPr lang="en-US" sz="1400" b="1" dirty="0" smtClean="0">
+              <a:rPr lang="en-US" sz="1400" dirty="0" smtClean="0">
                 <a:latin typeface="Courier New" pitchFamily="49" charset="0"/>
                 <a:cs typeface="Courier New" pitchFamily="49" charset="0"/>
               </a:rPr>
               <a:t>...</a:t>
             </a:r>
-            <a:endParaRPr lang="en-US" sz="1400" b="1" dirty="0" smtClean="0">
-              <a:latin typeface="Courier New" pitchFamily="49" charset="0"/>
-              <a:cs typeface="Courier New" pitchFamily="49" charset="0"/>
-            </a:endParaRPr>
           </a:p>
         </p:txBody>
       </p:sp>
@@ -6317,7 +6323,7 @@
           </a:p>
           <a:p>
             <a:r>
-              <a:rPr lang="en-US" sz="1400" b="1" dirty="0">
+              <a:rPr lang="en-US" sz="1400" dirty="0">
                 <a:latin typeface="Courier New" pitchFamily="49" charset="0"/>
                 <a:cs typeface="Courier New" pitchFamily="49" charset="0"/>
               </a:rPr>
@@ -6326,21 +6332,234 @@
           </a:p>
           <a:p>
             <a:r>
-              <a:rPr lang="ru-RU" sz="1400" b="1" dirty="0" smtClean="0">
+              <a:rPr lang="ru-RU" sz="1400" dirty="0" smtClean="0">
                 <a:latin typeface="Courier New" pitchFamily="49" charset="0"/>
                 <a:cs typeface="Courier New" pitchFamily="49" charset="0"/>
               </a:rPr>
               <a:t>    </a:t>
             </a:r>
             <a:r>
+              <a:rPr lang="en-US" sz="1400" dirty="0" smtClean="0">
+                <a:latin typeface="Courier New" pitchFamily="49" charset="0"/>
+                <a:cs typeface="Courier New" pitchFamily="49" charset="0"/>
+              </a:rPr>
+              <a:t>&lt;</a:t>
+            </a:r>
+            <a:r>
+              <a:rPr lang="en-US" sz="1400" dirty="0">
+                <a:latin typeface="Courier New" pitchFamily="49" charset="0"/>
+                <a:cs typeface="Courier New" pitchFamily="49" charset="0"/>
+              </a:rPr>
+              <a:t>dependency&gt;</a:t>
+            </a:r>
+          </a:p>
+          <a:p>
+            <a:r>
+              <a:rPr lang="ru-RU" sz="1400" dirty="0" smtClean="0">
+                <a:latin typeface="Courier New" pitchFamily="49" charset="0"/>
+                <a:cs typeface="Courier New" pitchFamily="49" charset="0"/>
+              </a:rPr>
+              <a:t>        </a:t>
+            </a:r>
+            <a:r>
+              <a:rPr lang="en-US" sz="1400" dirty="0" smtClean="0">
+                <a:latin typeface="Courier New" pitchFamily="49" charset="0"/>
+                <a:cs typeface="Courier New" pitchFamily="49" charset="0"/>
+              </a:rPr>
+              <a:t>&lt;</a:t>
+            </a:r>
+            <a:r>
+              <a:rPr lang="en-US" sz="1400" dirty="0" err="1">
+                <a:latin typeface="Courier New" pitchFamily="49" charset="0"/>
+                <a:cs typeface="Courier New" pitchFamily="49" charset="0"/>
+              </a:rPr>
+              <a:t>groupId</a:t>
+            </a:r>
+            <a:r>
+              <a:rPr lang="en-US" sz="1400" dirty="0">
+                <a:latin typeface="Courier New" pitchFamily="49" charset="0"/>
+                <a:cs typeface="Courier New" pitchFamily="49" charset="0"/>
+              </a:rPr>
+              <a:t>&gt;</a:t>
+            </a:r>
+            <a:r>
+              <a:rPr lang="en-US" sz="1400" dirty="0" err="1">
+                <a:latin typeface="Courier New" pitchFamily="49" charset="0"/>
+                <a:cs typeface="Courier New" pitchFamily="49" charset="0"/>
+              </a:rPr>
+              <a:t>javax.activation</a:t>
+            </a:r>
+            <a:r>
+              <a:rPr lang="en-US" sz="1400" dirty="0">
+                <a:latin typeface="Courier New" pitchFamily="49" charset="0"/>
+                <a:cs typeface="Courier New" pitchFamily="49" charset="0"/>
+              </a:rPr>
+              <a:t>&lt;/</a:t>
+            </a:r>
+            <a:r>
+              <a:rPr lang="en-US" sz="1400" dirty="0" err="1">
+                <a:latin typeface="Courier New" pitchFamily="49" charset="0"/>
+                <a:cs typeface="Courier New" pitchFamily="49" charset="0"/>
+              </a:rPr>
+              <a:t>groupId</a:t>
+            </a:r>
+            <a:r>
+              <a:rPr lang="en-US" sz="1400" dirty="0">
+                <a:latin typeface="Courier New" pitchFamily="49" charset="0"/>
+                <a:cs typeface="Courier New" pitchFamily="49" charset="0"/>
+              </a:rPr>
+              <a:t>&gt;</a:t>
+            </a:r>
+          </a:p>
+          <a:p>
+            <a:r>
+              <a:rPr lang="ru-RU" sz="1400" dirty="0" smtClean="0">
+                <a:latin typeface="Courier New" pitchFamily="49" charset="0"/>
+                <a:cs typeface="Courier New" pitchFamily="49" charset="0"/>
+              </a:rPr>
+              <a:t>        </a:t>
+            </a:r>
+            <a:r>
+              <a:rPr lang="en-US" sz="1400" dirty="0" smtClean="0">
+                <a:latin typeface="Courier New" pitchFamily="49" charset="0"/>
+                <a:cs typeface="Courier New" pitchFamily="49" charset="0"/>
+              </a:rPr>
+              <a:t>&lt;</a:t>
+            </a:r>
+            <a:r>
+              <a:rPr lang="en-US" sz="1400" dirty="0" err="1">
+                <a:latin typeface="Courier New" pitchFamily="49" charset="0"/>
+                <a:cs typeface="Courier New" pitchFamily="49" charset="0"/>
+              </a:rPr>
+              <a:t>artifactId</a:t>
+            </a:r>
+            <a:r>
+              <a:rPr lang="en-US" sz="1400" dirty="0">
+                <a:latin typeface="Courier New" pitchFamily="49" charset="0"/>
+                <a:cs typeface="Courier New" pitchFamily="49" charset="0"/>
+              </a:rPr>
+              <a:t>&gt;activation&lt;/</a:t>
+            </a:r>
+            <a:r>
+              <a:rPr lang="en-US" sz="1400" dirty="0" err="1">
+                <a:latin typeface="Courier New" pitchFamily="49" charset="0"/>
+                <a:cs typeface="Courier New" pitchFamily="49" charset="0"/>
+              </a:rPr>
+              <a:t>artifactId</a:t>
+            </a:r>
+            <a:r>
+              <a:rPr lang="en-US" sz="1400" dirty="0">
+                <a:latin typeface="Courier New" pitchFamily="49" charset="0"/>
+                <a:cs typeface="Courier New" pitchFamily="49" charset="0"/>
+              </a:rPr>
+              <a:t>&gt;</a:t>
+            </a:r>
+          </a:p>
+          <a:p>
+            <a:r>
+              <a:rPr lang="ru-RU" sz="1400" dirty="0" smtClean="0">
+                <a:latin typeface="Courier New" pitchFamily="49" charset="0"/>
+                <a:cs typeface="Courier New" pitchFamily="49" charset="0"/>
+              </a:rPr>
+              <a:t>        </a:t>
+            </a:r>
+            <a:r>
+              <a:rPr lang="en-US" sz="1400" dirty="0" smtClean="0">
+                <a:latin typeface="Courier New" pitchFamily="49" charset="0"/>
+                <a:cs typeface="Courier New" pitchFamily="49" charset="0"/>
+              </a:rPr>
+              <a:t>&lt;</a:t>
+            </a:r>
+            <a:r>
+              <a:rPr lang="en-US" sz="1400" dirty="0">
+                <a:latin typeface="Courier New" pitchFamily="49" charset="0"/>
+                <a:cs typeface="Courier New" pitchFamily="49" charset="0"/>
+              </a:rPr>
+              <a:t>version</a:t>
+            </a:r>
+            <a:r>
+              <a:rPr lang="en-US" sz="1400" dirty="0" smtClean="0">
+                <a:latin typeface="Courier New" pitchFamily="49" charset="0"/>
+                <a:cs typeface="Courier New" pitchFamily="49" charset="0"/>
+              </a:rPr>
+              <a:t>&gt;</a:t>
+            </a:r>
+            <a:r>
               <a:rPr lang="en-US" sz="1400" b="1" dirty="0" smtClean="0">
                 <a:latin typeface="Courier New" pitchFamily="49" charset="0"/>
                 <a:cs typeface="Courier New" pitchFamily="49" charset="0"/>
               </a:rPr>
+              <a:t>${</a:t>
+            </a:r>
+            <a:r>
+              <a:rPr lang="en-US" sz="1400" b="1" dirty="0" err="1" smtClean="0">
+                <a:latin typeface="Courier New" pitchFamily="49" charset="0"/>
+                <a:cs typeface="Courier New" pitchFamily="49" charset="0"/>
+              </a:rPr>
+              <a:t>javax.activation</a:t>
+            </a:r>
+            <a:r>
+              <a:rPr lang="en-US" sz="1400" b="1" dirty="0" smtClean="0">
+                <a:latin typeface="Courier New" pitchFamily="49" charset="0"/>
+                <a:cs typeface="Courier New" pitchFamily="49" charset="0"/>
+              </a:rPr>
+              <a:t>-version}</a:t>
+            </a:r>
+            <a:r>
+              <a:rPr lang="en-US" sz="1400" dirty="0" smtClean="0">
+                <a:latin typeface="Courier New" pitchFamily="49" charset="0"/>
+                <a:cs typeface="Courier New" pitchFamily="49" charset="0"/>
+              </a:rPr>
+              <a:t>&lt;/</a:t>
+            </a:r>
+            <a:r>
+              <a:rPr lang="en-US" sz="1400" dirty="0">
+                <a:latin typeface="Courier New" pitchFamily="49" charset="0"/>
+                <a:cs typeface="Courier New" pitchFamily="49" charset="0"/>
+              </a:rPr>
+              <a:t>version&gt;</a:t>
+            </a:r>
+          </a:p>
+          <a:p>
+            <a:r>
+              <a:rPr lang="ru-RU" sz="1400" dirty="0" smtClean="0">
+                <a:latin typeface="Courier New" pitchFamily="49" charset="0"/>
+                <a:cs typeface="Courier New" pitchFamily="49" charset="0"/>
+              </a:rPr>
+              <a:t>    </a:t>
+            </a:r>
+            <a:r>
+              <a:rPr lang="en-US" sz="1400" dirty="0" smtClean="0">
+                <a:latin typeface="Courier New" pitchFamily="49" charset="0"/>
+                <a:cs typeface="Courier New" pitchFamily="49" charset="0"/>
+              </a:rPr>
+              <a:t>&lt;/</a:t>
+            </a:r>
+            <a:r>
+              <a:rPr lang="en-US" sz="1400" dirty="0">
+                <a:latin typeface="Courier New" pitchFamily="49" charset="0"/>
+                <a:cs typeface="Courier New" pitchFamily="49" charset="0"/>
+              </a:rPr>
+              <a:t>dependency&gt;</a:t>
+            </a:r>
+          </a:p>
+          <a:p>
+            <a:r>
+              <a:rPr lang="ru-RU" sz="1400" dirty="0" smtClean="0">
+                <a:latin typeface="Courier New" pitchFamily="49" charset="0"/>
+                <a:cs typeface="Courier New" pitchFamily="49" charset="0"/>
+              </a:rPr>
+              <a:t>    </a:t>
+            </a:r>
+            <a:r>
+              <a:rPr lang="en-US" sz="1400" dirty="0" smtClean="0">
+                <a:latin typeface="Courier New" pitchFamily="49" charset="0"/>
+                <a:cs typeface="Courier New" pitchFamily="49" charset="0"/>
+              </a:rPr>
               <a:t>&lt;</a:t>
             </a:r>
             <a:r>
-              <a:rPr lang="en-US" sz="1400" b="1" dirty="0">
+              <a:rPr lang="en-US" sz="1400" dirty="0">
                 <a:latin typeface="Courier New" pitchFamily="49" charset="0"/>
                 <a:cs typeface="Courier New" pitchFamily="49" charset="0"/>
               </a:rPr>
@@ -6349,56 +6568,100 @@
           </a:p>
           <a:p>
             <a:r>
-              <a:rPr lang="ru-RU" sz="1400" b="1" dirty="0" smtClean="0">
+              <a:rPr lang="ru-RU" sz="1400" dirty="0" smtClean="0">
                 <a:latin typeface="Courier New" pitchFamily="49" charset="0"/>
                 <a:cs typeface="Courier New" pitchFamily="49" charset="0"/>
               </a:rPr>
               <a:t>        </a:t>
             </a:r>
             <a:r>
-              <a:rPr lang="en-US" sz="1400" b="1" dirty="0" smtClean="0">
+              <a:rPr lang="en-US" sz="1400" dirty="0" smtClean="0">
                 <a:latin typeface="Courier New" pitchFamily="49" charset="0"/>
                 <a:cs typeface="Courier New" pitchFamily="49" charset="0"/>
               </a:rPr>
               <a:t>&lt;</a:t>
             </a:r>
             <a:r>
-              <a:rPr lang="en-US" sz="1400" b="1" dirty="0" err="1">
+              <a:rPr lang="en-US" sz="1400" dirty="0" err="1">
                 <a:latin typeface="Courier New" pitchFamily="49" charset="0"/>
                 <a:cs typeface="Courier New" pitchFamily="49" charset="0"/>
               </a:rPr>
               <a:t>groupId</a:t>
             </a:r>
             <a:r>
-              <a:rPr lang="en-US" sz="1400" b="1" dirty="0">
+              <a:rPr lang="en-US" sz="1400" dirty="0">
+                <a:latin typeface="Courier New" pitchFamily="49" charset="0"/>
+                <a:cs typeface="Courier New" pitchFamily="49" charset="0"/>
+              </a:rPr>
+              <a:t>&gt;javax.xml&lt;/</a:t>
+            </a:r>
+            <a:r>
+              <a:rPr lang="en-US" sz="1400" dirty="0" err="1">
+                <a:latin typeface="Courier New" pitchFamily="49" charset="0"/>
+                <a:cs typeface="Courier New" pitchFamily="49" charset="0"/>
+              </a:rPr>
+              <a:t>groupId</a:t>
+            </a:r>
+            <a:r>
+              <a:rPr lang="en-US" sz="1400" dirty="0">
                 <a:latin typeface="Courier New" pitchFamily="49" charset="0"/>
                 <a:cs typeface="Courier New" pitchFamily="49" charset="0"/>
               </a:rPr>
               <a:t>&gt;</a:t>
             </a:r>
-            <a:r>
-              <a:rPr lang="en-US" sz="1400" b="1" dirty="0" err="1">
-                <a:latin typeface="Courier New" pitchFamily="49" charset="0"/>
-                <a:cs typeface="Courier New" pitchFamily="49" charset="0"/>
-              </a:rPr>
-              <a:t>javax.activation</a:t>
-            </a:r>
-            <a:r>
-              <a:rPr lang="en-US" sz="1400" b="1" dirty="0">
+          </a:p>
+          <a:p>
+            <a:r>
+              <a:rPr lang="ru-RU" sz="1400" dirty="0" smtClean="0">
+                <a:latin typeface="Courier New" pitchFamily="49" charset="0"/>
+                <a:cs typeface="Courier New" pitchFamily="49" charset="0"/>
+              </a:rPr>
+              <a:t>        </a:t>
+            </a:r>
+            <a:r>
+              <a:rPr lang="en-US" sz="1400" dirty="0" smtClean="0">
+                <a:latin typeface="Courier New" pitchFamily="49" charset="0"/>
+                <a:cs typeface="Courier New" pitchFamily="49" charset="0"/>
+              </a:rPr>
+              <a:t>&lt;</a:t>
+            </a:r>
+            <a:r>
+              <a:rPr lang="en-US" sz="1400" dirty="0" err="1">
+                <a:latin typeface="Courier New" pitchFamily="49" charset="0"/>
+                <a:cs typeface="Courier New" pitchFamily="49" charset="0"/>
+              </a:rPr>
+              <a:t>artifactId</a:t>
+            </a:r>
+            <a:r>
+              <a:rPr lang="en-US" sz="1400" dirty="0">
+                <a:latin typeface="Courier New" pitchFamily="49" charset="0"/>
+                <a:cs typeface="Courier New" pitchFamily="49" charset="0"/>
+              </a:rPr>
+              <a:t>&gt;</a:t>
+            </a:r>
+            <a:r>
+              <a:rPr lang="en-US" sz="1400" dirty="0" err="1">
+                <a:latin typeface="Courier New" pitchFamily="49" charset="0"/>
+                <a:cs typeface="Courier New" pitchFamily="49" charset="0"/>
+              </a:rPr>
+              <a:t>jaxrpc-api</a:t>
+            </a:r>
+            <a:r>
+              <a:rPr lang="en-US" sz="1400" dirty="0">
                 <a:latin typeface="Courier New" pitchFamily="49" charset="0"/>
                 <a:cs typeface="Courier New" pitchFamily="49" charset="0"/>
               </a:rPr>
               <a:t>&lt;/</a:t>
             </a:r>
             <a:r>
-              <a:rPr lang="en-US" sz="1400" b="1" dirty="0" err="1">
-                <a:latin typeface="Courier New" pitchFamily="49" charset="0"/>
-                <a:cs typeface="Courier New" pitchFamily="49" charset="0"/>
-              </a:rPr>
-              <a:t>groupId</a:t>
-            </a:r>
-            <a:r>
-              <a:rPr lang="en-US" sz="1400" b="1" dirty="0">
+              <a:rPr lang="en-US" sz="1400" dirty="0" err="1">
+                <a:latin typeface="Courier New" pitchFamily="49" charset="0"/>
+                <a:cs typeface="Courier New" pitchFamily="49" charset="0"/>
+              </a:rPr>
+              <a:t>artifactId</a:t>
+            </a:r>
+            <a:r>
+              <a:rPr lang="en-US" sz="1400" dirty="0">
                 <a:latin typeface="Courier New" pitchFamily="49" charset="0"/>
                 <a:cs typeface="Courier New" pitchFamily="49" charset="0"/>
               </a:rPr>
@@ -6407,285 +6670,70 @@
           </a:p>
           <a:p>
             <a:r>
-              <a:rPr lang="ru-RU" sz="1400" b="1" dirty="0" smtClean="0">
+              <a:rPr lang="ru-RU" sz="1400" dirty="0" smtClean="0">
                 <a:latin typeface="Courier New" pitchFamily="49" charset="0"/>
                 <a:cs typeface="Courier New" pitchFamily="49" charset="0"/>
               </a:rPr>
               <a:t>        </a:t>
             </a:r>
             <a:r>
-              <a:rPr lang="en-US" sz="1400" b="1" dirty="0" smtClean="0">
+              <a:rPr lang="en-US" sz="1400" dirty="0" smtClean="0">
                 <a:latin typeface="Courier New" pitchFamily="49" charset="0"/>
                 <a:cs typeface="Courier New" pitchFamily="49" charset="0"/>
               </a:rPr>
               <a:t>&lt;</a:t>
             </a:r>
             <a:r>
-              <a:rPr lang="en-US" sz="1400" b="1" dirty="0" err="1">
-                <a:latin typeface="Courier New" pitchFamily="49" charset="0"/>
-                <a:cs typeface="Courier New" pitchFamily="49" charset="0"/>
-              </a:rPr>
-              <a:t>artifactId</a:t>
-            </a:r>
-            <a:r>
-              <a:rPr lang="en-US" sz="1400" b="1" dirty="0">
-                <a:latin typeface="Courier New" pitchFamily="49" charset="0"/>
-                <a:cs typeface="Courier New" pitchFamily="49" charset="0"/>
-              </a:rPr>
-              <a:t>&gt;activation&lt;/</a:t>
-            </a:r>
-            <a:r>
-              <a:rPr lang="en-US" sz="1400" b="1" dirty="0" err="1">
-                <a:latin typeface="Courier New" pitchFamily="49" charset="0"/>
-                <a:cs typeface="Courier New" pitchFamily="49" charset="0"/>
-              </a:rPr>
-              <a:t>artifactId</a:t>
-            </a:r>
-            <a:r>
-              <a:rPr lang="en-US" sz="1400" b="1" dirty="0">
+              <a:rPr lang="en-US" sz="1400" dirty="0">
+                <a:latin typeface="Courier New" pitchFamily="49" charset="0"/>
+                <a:cs typeface="Courier New" pitchFamily="49" charset="0"/>
+              </a:rPr>
+              <a:t>version&gt;1.1&lt;/version&gt;</a:t>
+            </a:r>
+          </a:p>
+          <a:p>
+            <a:r>
+              <a:rPr lang="ru-RU" sz="1400" dirty="0" smtClean="0">
+                <a:latin typeface="Courier New" pitchFamily="49" charset="0"/>
+                <a:cs typeface="Courier New" pitchFamily="49" charset="0"/>
+              </a:rPr>
+              <a:t>    </a:t>
+            </a:r>
+            <a:r>
+              <a:rPr lang="en-US" sz="1400" dirty="0" smtClean="0">
+                <a:latin typeface="Courier New" pitchFamily="49" charset="0"/>
+                <a:cs typeface="Courier New" pitchFamily="49" charset="0"/>
+              </a:rPr>
+              <a:t>&lt;/</a:t>
+            </a:r>
+            <a:r>
+              <a:rPr lang="en-US" sz="1400" dirty="0">
+                <a:latin typeface="Courier New" pitchFamily="49" charset="0"/>
+                <a:cs typeface="Courier New" pitchFamily="49" charset="0"/>
+              </a:rPr>
+              <a:t>dependency</a:t>
+            </a:r>
+            <a:r>
+              <a:rPr lang="en-US" sz="1400" dirty="0" smtClean="0">
                 <a:latin typeface="Courier New" pitchFamily="49" charset="0"/>
                 <a:cs typeface="Courier New" pitchFamily="49" charset="0"/>
               </a:rPr>
               <a:t>&gt;</a:t>
             </a:r>
-          </a:p>
-          <a:p>
-            <a:r>
-              <a:rPr lang="ru-RU" sz="1400" b="1" dirty="0" smtClean="0">
-                <a:latin typeface="Courier New" pitchFamily="49" charset="0"/>
-                <a:cs typeface="Courier New" pitchFamily="49" charset="0"/>
-              </a:rPr>
-              <a:t>        </a:t>
-            </a:r>
-            <a:r>
-              <a:rPr lang="en-US" sz="1400" b="1" dirty="0" smtClean="0">
-                <a:latin typeface="Courier New" pitchFamily="49" charset="0"/>
-                <a:cs typeface="Courier New" pitchFamily="49" charset="0"/>
-              </a:rPr>
-              <a:t>&lt;</a:t>
-            </a:r>
-            <a:r>
-              <a:rPr lang="en-US" sz="1400" b="1" dirty="0">
-                <a:latin typeface="Courier New" pitchFamily="49" charset="0"/>
-                <a:cs typeface="Courier New" pitchFamily="49" charset="0"/>
-              </a:rPr>
-              <a:t>version&gt;1.1&lt;/version&gt;</a:t>
-            </a:r>
-          </a:p>
-          <a:p>
-            <a:r>
-              <a:rPr lang="ru-RU" sz="1400" b="1" dirty="0" smtClean="0">
-                <a:latin typeface="Courier New" pitchFamily="49" charset="0"/>
-                <a:cs typeface="Courier New" pitchFamily="49" charset="0"/>
-              </a:rPr>
-              <a:t>    </a:t>
-            </a:r>
-            <a:r>
-              <a:rPr lang="en-US" sz="1400" b="1" dirty="0" smtClean="0">
-                <a:latin typeface="Courier New" pitchFamily="49" charset="0"/>
-                <a:cs typeface="Courier New" pitchFamily="49" charset="0"/>
-              </a:rPr>
-              <a:t>&lt;/</a:t>
-            </a:r>
-            <a:r>
-              <a:rPr lang="en-US" sz="1400" b="1" dirty="0">
-                <a:latin typeface="Courier New" pitchFamily="49" charset="0"/>
-                <a:cs typeface="Courier New" pitchFamily="49" charset="0"/>
-              </a:rPr>
-              <a:t>dependency&gt;</a:t>
-            </a:r>
-          </a:p>
-          <a:p>
-            <a:r>
-              <a:rPr lang="ru-RU" sz="1400" b="1" dirty="0" smtClean="0">
-                <a:latin typeface="Courier New" pitchFamily="49" charset="0"/>
-                <a:cs typeface="Courier New" pitchFamily="49" charset="0"/>
-              </a:rPr>
-              <a:t>    </a:t>
-            </a:r>
-            <a:r>
-              <a:rPr lang="en-US" sz="1400" b="1" dirty="0" smtClean="0">
-                <a:latin typeface="Courier New" pitchFamily="49" charset="0"/>
-                <a:cs typeface="Courier New" pitchFamily="49" charset="0"/>
-              </a:rPr>
-              <a:t>&lt;</a:t>
-            </a:r>
-            <a:r>
-              <a:rPr lang="en-US" sz="1400" b="1" dirty="0">
-                <a:latin typeface="Courier New" pitchFamily="49" charset="0"/>
-                <a:cs typeface="Courier New" pitchFamily="49" charset="0"/>
-              </a:rPr>
-              <a:t>dependency&gt;</a:t>
-            </a:r>
-          </a:p>
-          <a:p>
-            <a:r>
-              <a:rPr lang="ru-RU" sz="1400" b="1" dirty="0" smtClean="0">
-                <a:latin typeface="Courier New" pitchFamily="49" charset="0"/>
-                <a:cs typeface="Courier New" pitchFamily="49" charset="0"/>
-              </a:rPr>
-              <a:t>        </a:t>
-            </a:r>
-            <a:r>
-              <a:rPr lang="en-US" sz="1400" b="1" dirty="0" smtClean="0">
-                <a:latin typeface="Courier New" pitchFamily="49" charset="0"/>
-                <a:cs typeface="Courier New" pitchFamily="49" charset="0"/>
-              </a:rPr>
-              <a:t>&lt;</a:t>
-            </a:r>
-            <a:r>
-              <a:rPr lang="en-US" sz="1400" b="1" dirty="0" err="1">
-                <a:latin typeface="Courier New" pitchFamily="49" charset="0"/>
-                <a:cs typeface="Courier New" pitchFamily="49" charset="0"/>
-              </a:rPr>
-              <a:t>groupId</a:t>
-            </a:r>
-            <a:r>
-              <a:rPr lang="en-US" sz="1400" b="1" dirty="0">
-                <a:latin typeface="Courier New" pitchFamily="49" charset="0"/>
-                <a:cs typeface="Courier New" pitchFamily="49" charset="0"/>
-              </a:rPr>
-              <a:t>&gt;javax.xml&lt;/</a:t>
-            </a:r>
-            <a:r>
-              <a:rPr lang="en-US" sz="1400" b="1" dirty="0" err="1">
-                <a:latin typeface="Courier New" pitchFamily="49" charset="0"/>
-                <a:cs typeface="Courier New" pitchFamily="49" charset="0"/>
-              </a:rPr>
-              <a:t>groupId</a:t>
-            </a:r>
-            <a:r>
-              <a:rPr lang="en-US" sz="1400" b="1" dirty="0">
-                <a:latin typeface="Courier New" pitchFamily="49" charset="0"/>
-                <a:cs typeface="Courier New" pitchFamily="49" charset="0"/>
-              </a:rPr>
-              <a:t>&gt;</a:t>
-            </a:r>
-          </a:p>
-          <a:p>
-            <a:r>
-              <a:rPr lang="ru-RU" sz="1400" b="1" dirty="0" smtClean="0">
-                <a:latin typeface="Courier New" pitchFamily="49" charset="0"/>
-                <a:cs typeface="Courier New" pitchFamily="49" charset="0"/>
-              </a:rPr>
-              <a:t>        </a:t>
-            </a:r>
-            <a:r>
-              <a:rPr lang="en-US" sz="1400" b="1" dirty="0" smtClean="0">
-                <a:latin typeface="Courier New" pitchFamily="49" charset="0"/>
-                <a:cs typeface="Courier New" pitchFamily="49" charset="0"/>
-              </a:rPr>
-              <a:t>&lt;</a:t>
-            </a:r>
-            <a:r>
-              <a:rPr lang="en-US" sz="1400" b="1" dirty="0" err="1">
-                <a:latin typeface="Courier New" pitchFamily="49" charset="0"/>
-                <a:cs typeface="Courier New" pitchFamily="49" charset="0"/>
-              </a:rPr>
-              <a:t>artifactId</a:t>
-            </a:r>
-            <a:r>
-              <a:rPr lang="en-US" sz="1400" b="1" dirty="0">
-                <a:latin typeface="Courier New" pitchFamily="49" charset="0"/>
-                <a:cs typeface="Courier New" pitchFamily="49" charset="0"/>
-              </a:rPr>
-              <a:t>&gt;</a:t>
-            </a:r>
-            <a:r>
-              <a:rPr lang="en-US" sz="1400" b="1" dirty="0" err="1">
-                <a:latin typeface="Courier New" pitchFamily="49" charset="0"/>
-                <a:cs typeface="Courier New" pitchFamily="49" charset="0"/>
-              </a:rPr>
-              <a:t>jaxrpc-api</a:t>
-            </a:r>
-            <a:r>
-              <a:rPr lang="en-US" sz="1400" b="1" dirty="0">
-                <a:latin typeface="Courier New" pitchFamily="49" charset="0"/>
-                <a:cs typeface="Courier New" pitchFamily="49" charset="0"/>
-              </a:rPr>
-              <a:t>&lt;/</a:t>
-            </a:r>
-            <a:r>
-              <a:rPr lang="en-US" sz="1400" b="1" dirty="0" err="1">
-                <a:latin typeface="Courier New" pitchFamily="49" charset="0"/>
-                <a:cs typeface="Courier New" pitchFamily="49" charset="0"/>
-              </a:rPr>
-              <a:t>artifactId</a:t>
-            </a:r>
-            <a:r>
-              <a:rPr lang="en-US" sz="1400" b="1" dirty="0">
-                <a:latin typeface="Courier New" pitchFamily="49" charset="0"/>
-                <a:cs typeface="Courier New" pitchFamily="49" charset="0"/>
-              </a:rPr>
-              <a:t>&gt;</a:t>
-            </a:r>
-          </a:p>
-          <a:p>
-            <a:r>
-              <a:rPr lang="ru-RU" sz="1400" b="1" dirty="0" smtClean="0">
-                <a:latin typeface="Courier New" pitchFamily="49" charset="0"/>
-                <a:cs typeface="Courier New" pitchFamily="49" charset="0"/>
-              </a:rPr>
-              <a:t>        </a:t>
-            </a:r>
-            <a:r>
-              <a:rPr lang="en-US" sz="1400" b="1" dirty="0" smtClean="0">
-                <a:latin typeface="Courier New" pitchFamily="49" charset="0"/>
-                <a:cs typeface="Courier New" pitchFamily="49" charset="0"/>
-              </a:rPr>
-              <a:t>&lt;</a:t>
-            </a:r>
-            <a:r>
-              <a:rPr lang="en-US" sz="1400" b="1" dirty="0">
-                <a:latin typeface="Courier New" pitchFamily="49" charset="0"/>
-                <a:cs typeface="Courier New" pitchFamily="49" charset="0"/>
-              </a:rPr>
-              <a:t>version&gt;1.1&lt;/version&gt;</a:t>
-            </a:r>
-          </a:p>
-          <a:p>
-            <a:r>
-              <a:rPr lang="ru-RU" sz="1400" b="1" dirty="0" smtClean="0">
-                <a:latin typeface="Courier New" pitchFamily="49" charset="0"/>
-                <a:cs typeface="Courier New" pitchFamily="49" charset="0"/>
-              </a:rPr>
-              <a:t>    </a:t>
-            </a:r>
-            <a:r>
-              <a:rPr lang="en-US" sz="1400" b="1" dirty="0" smtClean="0">
-                <a:latin typeface="Courier New" pitchFamily="49" charset="0"/>
-                <a:cs typeface="Courier New" pitchFamily="49" charset="0"/>
-              </a:rPr>
-              <a:t>&lt;/</a:t>
-            </a:r>
-            <a:r>
-              <a:rPr lang="en-US" sz="1400" b="1" dirty="0">
-                <a:latin typeface="Courier New" pitchFamily="49" charset="0"/>
-                <a:cs typeface="Courier New" pitchFamily="49" charset="0"/>
-              </a:rPr>
-              <a:t>dependency</a:t>
-            </a:r>
-            <a:r>
-              <a:rPr lang="en-US" sz="1400" b="1" dirty="0" smtClean="0">
-                <a:latin typeface="Courier New" pitchFamily="49" charset="0"/>
-                <a:cs typeface="Courier New" pitchFamily="49" charset="0"/>
-              </a:rPr>
-              <a:t>&gt;</a:t>
-            </a:r>
-            <a:endParaRPr lang="ru-RU" sz="1400" b="1" dirty="0" smtClean="0">
+            <a:endParaRPr lang="ru-RU" sz="1400" dirty="0" smtClean="0">
               <a:latin typeface="Courier New" pitchFamily="49" charset="0"/>
               <a:cs typeface="Courier New" pitchFamily="49" charset="0"/>
             </a:endParaRPr>
           </a:p>
           <a:p>
             <a:r>
-              <a:rPr lang="en-US" sz="1400" b="1" dirty="0" smtClean="0">
+              <a:rPr lang="en-US" sz="1400" dirty="0" smtClean="0">
                 <a:latin typeface="Courier New" pitchFamily="49" charset="0"/>
                 <a:cs typeface="Courier New" pitchFamily="49" charset="0"/>
               </a:rPr>
               <a:t>&lt;/dependencies&gt;</a:t>
             </a:r>
-            <a:endParaRPr lang="en-US" sz="1400" b="1" dirty="0">
+            <a:endParaRPr lang="en-US" sz="1400" dirty="0">
               <a:latin typeface="Courier New" pitchFamily="49" charset="0"/>
               <a:cs typeface="Courier New" pitchFamily="49" charset="0"/>
             </a:endParaRPr>
@@ -6838,7 +6886,7 @@
           </a:p>
           <a:p>
             <a:r>
-              <a:rPr lang="en-US" sz="1400" b="1" dirty="0">
+              <a:rPr lang="en-US" sz="1400" dirty="0">
                 <a:latin typeface="Courier New" pitchFamily="49" charset="0"/>
                 <a:cs typeface="Courier New" pitchFamily="49" charset="0"/>
               </a:rPr>
@@ -6847,14 +6895,14 @@
           </a:p>
           <a:p>
             <a:r>
-              <a:rPr lang="en-US" sz="1400" b="1" dirty="0" smtClean="0">
+              <a:rPr lang="en-US" sz="1400" dirty="0" smtClean="0">
                 <a:latin typeface="Courier New" pitchFamily="49" charset="0"/>
                 <a:cs typeface="Courier New" pitchFamily="49" charset="0"/>
               </a:rPr>
               <a:t>    &lt;</a:t>
             </a:r>
             <a:r>
-              <a:rPr lang="en-US" sz="1400" b="1" dirty="0">
+              <a:rPr lang="en-US" sz="1400" dirty="0">
                 <a:latin typeface="Courier New" pitchFamily="49" charset="0"/>
                 <a:cs typeface="Courier New" pitchFamily="49" charset="0"/>
               </a:rPr>
@@ -6863,14 +6911,14 @@
           </a:p>
           <a:p>
             <a:r>
-              <a:rPr lang="en-US" sz="1400" b="1" dirty="0" smtClean="0">
+              <a:rPr lang="en-US" sz="1400" dirty="0" smtClean="0">
                 <a:latin typeface="Courier New" pitchFamily="49" charset="0"/>
                 <a:cs typeface="Courier New" pitchFamily="49" charset="0"/>
               </a:rPr>
               <a:t>        &lt;</a:t>
             </a:r>
             <a:r>
-              <a:rPr lang="en-US" sz="1400" b="1" dirty="0">
+              <a:rPr lang="en-US" sz="1400" dirty="0">
                 <a:latin typeface="Courier New" pitchFamily="49" charset="0"/>
                 <a:cs typeface="Courier New" pitchFamily="49" charset="0"/>
               </a:rPr>
@@ -6879,14 +6927,14 @@
           </a:p>
           <a:p>
             <a:r>
-              <a:rPr lang="en-US" sz="1400" b="1" dirty="0" smtClean="0">
+              <a:rPr lang="en-US" sz="1400" dirty="0" smtClean="0">
                 <a:latin typeface="Courier New" pitchFamily="49" charset="0"/>
                 <a:cs typeface="Courier New" pitchFamily="49" charset="0"/>
               </a:rPr>
               <a:t>        &lt;</a:t>
             </a:r>
             <a:r>
-              <a:rPr lang="en-US" sz="1400" b="1" dirty="0">
+              <a:rPr lang="en-US" sz="1400" dirty="0">
                 <a:latin typeface="Courier New" pitchFamily="49" charset="0"/>
                 <a:cs typeface="Courier New" pitchFamily="49" charset="0"/>
               </a:rPr>
@@ -6895,35 +6943,35 @@
           </a:p>
           <a:p>
             <a:r>
-              <a:rPr lang="en-US" sz="1400" b="1" dirty="0" smtClean="0">
+              <a:rPr lang="en-US" sz="1400" dirty="0" smtClean="0">
                 <a:latin typeface="Courier New" pitchFamily="49" charset="0"/>
                 <a:cs typeface="Courier New" pitchFamily="49" charset="0"/>
               </a:rPr>
               <a:t>        &lt;</a:t>
             </a:r>
             <a:r>
-              <a:rPr lang="en-US" sz="1400" b="1" dirty="0" err="1">
+              <a:rPr lang="en-US" sz="1400" dirty="0" err="1">
                 <a:latin typeface="Courier New" pitchFamily="49" charset="0"/>
                 <a:cs typeface="Courier New" pitchFamily="49" charset="0"/>
               </a:rPr>
               <a:t>url</a:t>
             </a:r>
             <a:r>
-              <a:rPr lang="en-US" sz="1400" b="1" dirty="0">
+              <a:rPr lang="en-US" sz="1400" dirty="0">
                 <a:latin typeface="Courier New" pitchFamily="49" charset="0"/>
                 <a:cs typeface="Courier New" pitchFamily="49" charset="0"/>
               </a:rPr>
               <a:t>&gt;http://download.eclipse.org</a:t>
             </a:r>
             <a:r>
-              <a:rPr lang="en-US" sz="1400" b="1" dirty="0" smtClean="0">
+              <a:rPr lang="en-US" sz="1400" dirty="0" smtClean="0">
                 <a:latin typeface="Courier New" pitchFamily="49" charset="0"/>
                 <a:cs typeface="Courier New" pitchFamily="49" charset="0"/>
               </a:rPr>
               <a:t>/...&lt;/</a:t>
             </a:r>
             <a:r>
-              <a:rPr lang="en-US" sz="1400" b="1" dirty="0">
+              <a:rPr lang="en-US" sz="1400" dirty="0">
                 <a:latin typeface="Courier New" pitchFamily="49" charset="0"/>
                 <a:cs typeface="Courier New" pitchFamily="49" charset="0"/>
               </a:rPr>
@@ -6932,14 +6980,14 @@
           </a:p>
           <a:p>
             <a:r>
-              <a:rPr lang="en-US" sz="1400" b="1" dirty="0" smtClean="0">
+              <a:rPr lang="en-US" sz="1400" dirty="0" smtClean="0">
                 <a:latin typeface="Courier New" pitchFamily="49" charset="0"/>
                 <a:cs typeface="Courier New" pitchFamily="49" charset="0"/>
               </a:rPr>
               <a:t>    &lt;/</a:t>
             </a:r>
             <a:r>
-              <a:rPr lang="en-US" sz="1400" b="1" dirty="0">
+              <a:rPr lang="en-US" sz="1400" dirty="0">
                 <a:latin typeface="Courier New" pitchFamily="49" charset="0"/>
                 <a:cs typeface="Courier New" pitchFamily="49" charset="0"/>
               </a:rPr>
@@ -6948,7 +6996,7 @@
           </a:p>
           <a:p>
             <a:r>
-              <a:rPr lang="en-US" sz="1400" b="1" dirty="0">
+              <a:rPr lang="en-US" sz="1400" dirty="0">
                 <a:latin typeface="Courier New" pitchFamily="49" charset="0"/>
                 <a:cs typeface="Courier New" pitchFamily="49" charset="0"/>
               </a:rPr>
@@ -7182,7 +7230,29 @@
                   </a:schemeClr>
                 </a:solidFill>
               </a:rPr>
-              <a:t>Программист (</a:t>
+              <a:t>Программист </a:t>
+            </a:r>
+            <a:r>
+              <a:rPr lang="ru-RU" dirty="0" smtClean="0">
+                <a:solidFill>
+                  <a:schemeClr val="tx1">
+                    <a:lumMod val="85000"/>
+                    <a:lumOff val="15000"/>
+                  </a:schemeClr>
+                </a:solidFill>
+              </a:rPr>
+              <a:t>(</a:t>
+            </a:r>
+            <a:r>
+              <a:rPr lang="en-US" dirty="0" smtClean="0">
+                <a:solidFill>
+                  <a:schemeClr val="tx1">
+                    <a:lumMod val="85000"/>
+                    <a:lumOff val="15000"/>
+                  </a:schemeClr>
+                </a:solidFill>
+              </a:rPr>
+              <a:t>Java EE, </a:t>
             </a:r>
             <a:r>
               <a:rPr lang="en-US" dirty="0" err="1" smtClean="0">
@@ -7204,8 +7274,38 @@
                   </a:schemeClr>
                 </a:solidFill>
               </a:rPr>
-              <a:t> + Android, C++, Java, …)</a:t>
-            </a:r>
+              <a:t> </a:t>
+            </a:r>
+            <a:r>
+              <a:rPr lang="en-US" dirty="0" smtClean="0">
+                <a:solidFill>
+                  <a:schemeClr val="tx1">
+                    <a:lumMod val="85000"/>
+                    <a:lumOff val="15000"/>
+                  </a:schemeClr>
+                </a:solidFill>
+              </a:rPr>
+              <a:t>+ Android, C++, </a:t>
+            </a:r>
+            <a:r>
+              <a:rPr lang="en-US" dirty="0" smtClean="0">
+                <a:solidFill>
+                  <a:schemeClr val="tx1">
+                    <a:lumMod val="85000"/>
+                    <a:lumOff val="15000"/>
+                  </a:schemeClr>
+                </a:solidFill>
+              </a:rPr>
+              <a:t>…)</a:t>
+            </a:r>
+            <a:endParaRPr lang="en-US" dirty="0" smtClean="0">
+              <a:solidFill>
+                <a:schemeClr val="tx1">
+                  <a:lumMod val="85000"/>
+                  <a:lumOff val="15000"/>
+                </a:schemeClr>
+              </a:solidFill>
+            </a:endParaRPr>
           </a:p>
           <a:p>
             <a:pPr>
@@ -7556,263 +7656,561 @@
           </a:p>
           <a:p>
             <a:r>
+              <a:rPr lang="en-US" sz="1400" dirty="0">
+                <a:latin typeface="Courier New" pitchFamily="49" charset="0"/>
+                <a:cs typeface="Courier New" pitchFamily="49" charset="0"/>
+              </a:rPr>
+              <a:t>&lt;profiles&gt;</a:t>
+            </a:r>
+          </a:p>
+          <a:p>
+            <a:r>
+              <a:rPr lang="en-US" sz="1400" dirty="0" smtClean="0">
+                <a:latin typeface="Courier New" pitchFamily="49" charset="0"/>
+                <a:cs typeface="Courier New" pitchFamily="49" charset="0"/>
+              </a:rPr>
+              <a:t>    &lt;</a:t>
+            </a:r>
+            <a:r>
+              <a:rPr lang="en-US" sz="1400" dirty="0">
+                <a:latin typeface="Courier New" pitchFamily="49" charset="0"/>
+                <a:cs typeface="Courier New" pitchFamily="49" charset="0"/>
+              </a:rPr>
+              <a:t>profile&gt;</a:t>
+            </a:r>
+          </a:p>
+          <a:p>
+            <a:r>
+              <a:rPr lang="en-US" sz="1400" dirty="0" smtClean="0">
+                <a:latin typeface="Courier New" pitchFamily="49" charset="0"/>
+                <a:cs typeface="Courier New" pitchFamily="49" charset="0"/>
+              </a:rPr>
+              <a:t>        </a:t>
+            </a:r>
+            <a:r>
+              <a:rPr lang="en-US" sz="1400" b="1" dirty="0" smtClean="0">
+                <a:latin typeface="Courier New" pitchFamily="49" charset="0"/>
+                <a:cs typeface="Courier New" pitchFamily="49" charset="0"/>
+              </a:rPr>
+              <a:t>&lt;</a:t>
+            </a:r>
+            <a:r>
               <a:rPr lang="en-US" sz="1400" b="1" dirty="0">
                 <a:latin typeface="Courier New" pitchFamily="49" charset="0"/>
                 <a:cs typeface="Courier New" pitchFamily="49" charset="0"/>
               </a:rPr>
-              <a:t>&lt;profiles&gt;</a:t>
-            </a:r>
-          </a:p>
-          <a:p>
+              <a:t>id&gt;</a:t>
+            </a:r>
+            <a:r>
+              <a:rPr lang="en-US" sz="1400" b="1" dirty="0" err="1">
+                <a:latin typeface="Courier New" pitchFamily="49" charset="0"/>
+                <a:cs typeface="Courier New" pitchFamily="49" charset="0"/>
+              </a:rPr>
+              <a:t>oas</a:t>
+            </a:r>
+            <a:r>
+              <a:rPr lang="en-US" sz="1400" b="1" dirty="0">
+                <a:latin typeface="Courier New" pitchFamily="49" charset="0"/>
+                <a:cs typeface="Courier New" pitchFamily="49" charset="0"/>
+              </a:rPr>
+              <a:t>&lt;/id&gt;</a:t>
+            </a:r>
+          </a:p>
+          <a:p>
+            <a:r>
+              <a:rPr lang="en-US" sz="1400" dirty="0" smtClean="0">
+                <a:latin typeface="Courier New" pitchFamily="49" charset="0"/>
+                <a:cs typeface="Courier New" pitchFamily="49" charset="0"/>
+              </a:rPr>
+              <a:t>        &lt;</a:t>
+            </a:r>
+            <a:r>
+              <a:rPr lang="en-US" sz="1400" dirty="0">
+                <a:latin typeface="Courier New" pitchFamily="49" charset="0"/>
+                <a:cs typeface="Courier New" pitchFamily="49" charset="0"/>
+              </a:rPr>
+              <a:t>properties&gt;</a:t>
+            </a:r>
+          </a:p>
+          <a:p>
+            <a:r>
+              <a:rPr lang="en-US" sz="1400" dirty="0" smtClean="0">
+                <a:latin typeface="Courier New" pitchFamily="49" charset="0"/>
+                <a:cs typeface="Courier New" pitchFamily="49" charset="0"/>
+              </a:rPr>
+              <a:t>            </a:t>
+            </a:r>
             <a:r>
               <a:rPr lang="en-US" sz="1400" b="1" dirty="0" smtClean="0">
                 <a:latin typeface="Courier New" pitchFamily="49" charset="0"/>
                 <a:cs typeface="Courier New" pitchFamily="49" charset="0"/>
               </a:rPr>
-              <a:t>    &lt;</a:t>
+              <a:t>&lt;</a:t>
+            </a:r>
+            <a:r>
+              <a:rPr lang="en-US" sz="1400" b="1" dirty="0" err="1">
+                <a:latin typeface="Courier New" pitchFamily="49" charset="0"/>
+                <a:cs typeface="Courier New" pitchFamily="49" charset="0"/>
+              </a:rPr>
+              <a:t>bindingsPrefix</a:t>
             </a:r>
             <a:r>
               <a:rPr lang="en-US" sz="1400" b="1" dirty="0">
                 <a:latin typeface="Courier New" pitchFamily="49" charset="0"/>
                 <a:cs typeface="Courier New" pitchFamily="49" charset="0"/>
               </a:rPr>
-              <a:t>profile&gt;</a:t>
-            </a:r>
-          </a:p>
-          <a:p>
-            <a:r>
-              <a:rPr lang="en-US" sz="1400" b="1" dirty="0" smtClean="0">
-                <a:latin typeface="Courier New" pitchFamily="49" charset="0"/>
-                <a:cs typeface="Courier New" pitchFamily="49" charset="0"/>
-              </a:rPr>
-              <a:t>        &lt;</a:t>
+              <a:t>&gt;</a:t>
+            </a:r>
+            <a:r>
+              <a:rPr lang="en-US" sz="1400" b="1" dirty="0" err="1">
+                <a:latin typeface="Courier New" pitchFamily="49" charset="0"/>
+                <a:cs typeface="Courier New" pitchFamily="49" charset="0"/>
+              </a:rPr>
+              <a:t>java:comp</a:t>
             </a:r>
             <a:r>
               <a:rPr lang="en-US" sz="1400" b="1" dirty="0">
                 <a:latin typeface="Courier New" pitchFamily="49" charset="0"/>
                 <a:cs typeface="Courier New" pitchFamily="49" charset="0"/>
               </a:rPr>
-              <a:t>id&gt;</a:t>
+              <a:t>/resource/&lt;/</a:t>
             </a:r>
             <a:r>
               <a:rPr lang="en-US" sz="1400" b="1" dirty="0" err="1">
                 <a:latin typeface="Courier New" pitchFamily="49" charset="0"/>
                 <a:cs typeface="Courier New" pitchFamily="49" charset="0"/>
               </a:rPr>
+              <a:t>bindingsPrefix</a:t>
+            </a:r>
+            <a:r>
+              <a:rPr lang="en-US" sz="1400" b="1" dirty="0">
+                <a:latin typeface="Courier New" pitchFamily="49" charset="0"/>
+                <a:cs typeface="Courier New" pitchFamily="49" charset="0"/>
+              </a:rPr>
+              <a:t>&gt;</a:t>
+            </a:r>
+          </a:p>
+          <a:p>
+            <a:r>
+              <a:rPr lang="en-US" sz="1400" dirty="0" smtClean="0">
+                <a:latin typeface="Courier New" pitchFamily="49" charset="0"/>
+                <a:cs typeface="Courier New" pitchFamily="49" charset="0"/>
+              </a:rPr>
+              <a:t>            &lt;</a:t>
+            </a:r>
+            <a:r>
+              <a:rPr lang="en-US" sz="1400" dirty="0" err="1">
+                <a:latin typeface="Courier New" pitchFamily="49" charset="0"/>
+                <a:cs typeface="Courier New" pitchFamily="49" charset="0"/>
+              </a:rPr>
+              <a:t>profileName</a:t>
+            </a:r>
+            <a:r>
+              <a:rPr lang="en-US" sz="1400" dirty="0">
+                <a:latin typeface="Courier New" pitchFamily="49" charset="0"/>
+                <a:cs typeface="Courier New" pitchFamily="49" charset="0"/>
+              </a:rPr>
+              <a:t>&gt;</a:t>
+            </a:r>
+            <a:r>
+              <a:rPr lang="en-US" sz="1400" dirty="0" err="1">
+                <a:latin typeface="Courier New" pitchFamily="49" charset="0"/>
+                <a:cs typeface="Courier New" pitchFamily="49" charset="0"/>
+              </a:rPr>
               <a:t>oas</a:t>
             </a:r>
             <a:r>
-              <a:rPr lang="en-US" sz="1400" b="1" dirty="0">
-                <a:latin typeface="Courier New" pitchFamily="49" charset="0"/>
-                <a:cs typeface="Courier New" pitchFamily="49" charset="0"/>
-              </a:rPr>
-              <a:t>&lt;/id&gt;</a:t>
-            </a:r>
-          </a:p>
-          <a:p>
-            <a:r>
-              <a:rPr lang="en-US" sz="1400" b="1" dirty="0" smtClean="0">
-                <a:latin typeface="Courier New" pitchFamily="49" charset="0"/>
-                <a:cs typeface="Courier New" pitchFamily="49" charset="0"/>
-              </a:rPr>
-              <a:t>        &lt;</a:t>
-            </a:r>
-            <a:r>
-              <a:rPr lang="en-US" sz="1400" b="1" dirty="0">
-                <a:latin typeface="Courier New" pitchFamily="49" charset="0"/>
-                <a:cs typeface="Courier New" pitchFamily="49" charset="0"/>
-              </a:rPr>
-              <a:t>properties&gt;</a:t>
-            </a:r>
-          </a:p>
-          <a:p>
-            <a:r>
-              <a:rPr lang="en-US" sz="1400" b="1" dirty="0" smtClean="0">
+              <a:rPr lang="en-US" sz="1400" dirty="0">
+                <a:latin typeface="Courier New" pitchFamily="49" charset="0"/>
+                <a:cs typeface="Courier New" pitchFamily="49" charset="0"/>
+              </a:rPr>
+              <a:t>&lt;/</a:t>
+            </a:r>
+            <a:r>
+              <a:rPr lang="en-US" sz="1400" dirty="0" err="1">
+                <a:latin typeface="Courier New" pitchFamily="49" charset="0"/>
+                <a:cs typeface="Courier New" pitchFamily="49" charset="0"/>
+              </a:rPr>
+              <a:t>profileName</a:t>
+            </a:r>
+            <a:r>
+              <a:rPr lang="en-US" sz="1400" dirty="0">
+                <a:latin typeface="Courier New" pitchFamily="49" charset="0"/>
+                <a:cs typeface="Courier New" pitchFamily="49" charset="0"/>
+              </a:rPr>
+              <a:t>&gt;</a:t>
+            </a:r>
+          </a:p>
+          <a:p>
+            <a:r>
+              <a:rPr lang="en-US" sz="1400" dirty="0" smtClean="0">
                 <a:latin typeface="Courier New" pitchFamily="49" charset="0"/>
                 <a:cs typeface="Courier New" pitchFamily="49" charset="0"/>
               </a:rPr>
               <a:t>            &lt;</a:t>
             </a:r>
             <a:r>
-              <a:rPr lang="en-US" sz="1400" b="1" dirty="0" err="1">
-                <a:latin typeface="Courier New" pitchFamily="49" charset="0"/>
-                <a:cs typeface="Courier New" pitchFamily="49" charset="0"/>
-              </a:rPr>
-              <a:t>bindingsPrefix</a:t>
-            </a:r>
-            <a:r>
-              <a:rPr lang="en-US" sz="1400" b="1" dirty="0">
+              <a:rPr lang="en-US" sz="1400" dirty="0" err="1">
+                <a:latin typeface="Courier New" pitchFamily="49" charset="0"/>
+                <a:cs typeface="Courier New" pitchFamily="49" charset="0"/>
+              </a:rPr>
+              <a:t>jndiFactoryBean</a:t>
+            </a:r>
+            <a:r>
+              <a:rPr lang="en-US" sz="1400" dirty="0">
                 <a:latin typeface="Courier New" pitchFamily="49" charset="0"/>
                 <a:cs typeface="Courier New" pitchFamily="49" charset="0"/>
               </a:rPr>
               <a:t>&gt;</a:t>
             </a:r>
             <a:r>
-              <a:rPr lang="en-US" sz="1400" b="1" dirty="0" err="1">
-                <a:latin typeface="Courier New" pitchFamily="49" charset="0"/>
-                <a:cs typeface="Courier New" pitchFamily="49" charset="0"/>
-              </a:rPr>
-              <a:t>java:comp</a:t>
-            </a:r>
-            <a:r>
-              <a:rPr lang="en-US" sz="1400" b="1" dirty="0">
-                <a:latin typeface="Courier New" pitchFamily="49" charset="0"/>
-                <a:cs typeface="Courier New" pitchFamily="49" charset="0"/>
-              </a:rPr>
-              <a:t>/resource/&lt;/</a:t>
-            </a:r>
-            <a:r>
-              <a:rPr lang="en-US" sz="1400" b="1" dirty="0" err="1">
-                <a:latin typeface="Courier New" pitchFamily="49" charset="0"/>
-                <a:cs typeface="Courier New" pitchFamily="49" charset="0"/>
-              </a:rPr>
-              <a:t>bindingsPrefix</a:t>
-            </a:r>
-            <a:r>
-              <a:rPr lang="en-US" sz="1400" b="1" dirty="0">
+              <a:rPr lang="en-US" sz="1400" dirty="0" err="1">
+                <a:latin typeface="Courier New" pitchFamily="49" charset="0"/>
+                <a:cs typeface="Courier New" pitchFamily="49" charset="0"/>
+              </a:rPr>
+              <a:t>springJNDIPropertyFactory</a:t>
+            </a:r>
+            <a:r>
+              <a:rPr lang="en-US" sz="1400" dirty="0">
+                <a:latin typeface="Courier New" pitchFamily="49" charset="0"/>
+                <a:cs typeface="Courier New" pitchFamily="49" charset="0"/>
+              </a:rPr>
+              <a:t>&lt;/</a:t>
+            </a:r>
+            <a:r>
+              <a:rPr lang="en-US" sz="1400" dirty="0" err="1">
+                <a:latin typeface="Courier New" pitchFamily="49" charset="0"/>
+                <a:cs typeface="Courier New" pitchFamily="49" charset="0"/>
+              </a:rPr>
+              <a:t>jndiFactoryBean</a:t>
+            </a:r>
+            <a:r>
+              <a:rPr lang="en-US" sz="1400" dirty="0" smtClean="0">
                 <a:latin typeface="Courier New" pitchFamily="49" charset="0"/>
                 <a:cs typeface="Courier New" pitchFamily="49" charset="0"/>
               </a:rPr>
               <a:t>&gt;</a:t>
             </a:r>
-          </a:p>
-          <a:p>
-            <a:r>
-              <a:rPr lang="en-US" sz="1400" b="1" dirty="0" smtClean="0">
-                <a:latin typeface="Courier New" pitchFamily="49" charset="0"/>
-                <a:cs typeface="Courier New" pitchFamily="49" charset="0"/>
-              </a:rPr>
-              <a:t>            &lt;</a:t>
-            </a:r>
-            <a:r>
-              <a:rPr lang="en-US" sz="1400" b="1" dirty="0" err="1">
-                <a:latin typeface="Courier New" pitchFamily="49" charset="0"/>
-                <a:cs typeface="Courier New" pitchFamily="49" charset="0"/>
-              </a:rPr>
-              <a:t>profileName</a:t>
-            </a:r>
-            <a:r>
-              <a:rPr lang="en-US" sz="1400" b="1" dirty="0">
-                <a:latin typeface="Courier New" pitchFamily="49" charset="0"/>
-                <a:cs typeface="Courier New" pitchFamily="49" charset="0"/>
-              </a:rPr>
-              <a:t>&gt;</a:t>
-            </a:r>
-            <a:r>
-              <a:rPr lang="en-US" sz="1400" b="1" dirty="0" err="1">
-                <a:latin typeface="Courier New" pitchFamily="49" charset="0"/>
-                <a:cs typeface="Courier New" pitchFamily="49" charset="0"/>
-              </a:rPr>
-              <a:t>oas</a:t>
-            </a:r>
-            <a:r>
-              <a:rPr lang="en-US" sz="1400" b="1" dirty="0">
-                <a:latin typeface="Courier New" pitchFamily="49" charset="0"/>
-                <a:cs typeface="Courier New" pitchFamily="49" charset="0"/>
-              </a:rPr>
-              <a:t>&lt;/</a:t>
-            </a:r>
-            <a:r>
-              <a:rPr lang="en-US" sz="1400" b="1" dirty="0" err="1">
-                <a:latin typeface="Courier New" pitchFamily="49" charset="0"/>
-                <a:cs typeface="Courier New" pitchFamily="49" charset="0"/>
-              </a:rPr>
-              <a:t>profileName</a:t>
-            </a:r>
-            <a:r>
-              <a:rPr lang="en-US" sz="1400" b="1" dirty="0">
-                <a:latin typeface="Courier New" pitchFamily="49" charset="0"/>
-                <a:cs typeface="Courier New" pitchFamily="49" charset="0"/>
-              </a:rPr>
-              <a:t>&gt;</a:t>
-            </a:r>
-          </a:p>
-          <a:p>
-            <a:r>
-              <a:rPr lang="en-US" sz="1400" b="1" dirty="0" smtClean="0">
-                <a:latin typeface="Courier New" pitchFamily="49" charset="0"/>
-                <a:cs typeface="Courier New" pitchFamily="49" charset="0"/>
-              </a:rPr>
-              <a:t>            &lt;</a:t>
-            </a:r>
-            <a:r>
-              <a:rPr lang="en-US" sz="1400" b="1" dirty="0" err="1">
-                <a:latin typeface="Courier New" pitchFamily="49" charset="0"/>
-                <a:cs typeface="Courier New" pitchFamily="49" charset="0"/>
-              </a:rPr>
-              <a:t>jndiFactoryBean</a:t>
-            </a:r>
-            <a:r>
-              <a:rPr lang="en-US" sz="1400" b="1" dirty="0">
-                <a:latin typeface="Courier New" pitchFamily="49" charset="0"/>
-                <a:cs typeface="Courier New" pitchFamily="49" charset="0"/>
-              </a:rPr>
-              <a:t>&gt;</a:t>
-            </a:r>
-            <a:r>
-              <a:rPr lang="en-US" sz="1400" b="1" dirty="0" err="1">
-                <a:latin typeface="Courier New" pitchFamily="49" charset="0"/>
-                <a:cs typeface="Courier New" pitchFamily="49" charset="0"/>
-              </a:rPr>
-              <a:t>springJNDIPropertyFactory</a:t>
-            </a:r>
-            <a:r>
-              <a:rPr lang="en-US" sz="1400" b="1" dirty="0">
-                <a:latin typeface="Courier New" pitchFamily="49" charset="0"/>
-                <a:cs typeface="Courier New" pitchFamily="49" charset="0"/>
-              </a:rPr>
-              <a:t>&lt;/</a:t>
-            </a:r>
-            <a:r>
-              <a:rPr lang="en-US" sz="1400" b="1" dirty="0" err="1">
-                <a:latin typeface="Courier New" pitchFamily="49" charset="0"/>
-                <a:cs typeface="Courier New" pitchFamily="49" charset="0"/>
-              </a:rPr>
-              <a:t>jndiFactoryBean</a:t>
-            </a:r>
-            <a:r>
-              <a:rPr lang="en-US" sz="1400" b="1" dirty="0" smtClean="0">
-                <a:latin typeface="Courier New" pitchFamily="49" charset="0"/>
-                <a:cs typeface="Courier New" pitchFamily="49" charset="0"/>
-              </a:rPr>
-              <a:t>&gt;</a:t>
-            </a:r>
-            <a:endParaRPr lang="ru-RU" sz="1400" b="1" dirty="0">
+            <a:endParaRPr lang="ru-RU" sz="1400" dirty="0">
               <a:latin typeface="Courier New" pitchFamily="49" charset="0"/>
               <a:cs typeface="Courier New" pitchFamily="49" charset="0"/>
             </a:endParaRPr>
           </a:p>
           <a:p>
             <a:r>
+              <a:rPr lang="en-US" sz="1400" dirty="0" smtClean="0">
+                <a:latin typeface="Courier New" pitchFamily="49" charset="0"/>
+                <a:cs typeface="Courier New" pitchFamily="49" charset="0"/>
+              </a:rPr>
+              <a:t>            &lt;</a:t>
+            </a:r>
+            <a:r>
+              <a:rPr lang="en-US" sz="1400" dirty="0" err="1">
+                <a:latin typeface="Courier New" pitchFamily="49" charset="0"/>
+                <a:cs typeface="Courier New" pitchFamily="49" charset="0"/>
+              </a:rPr>
+              <a:t>eclipseLinkTargetServer</a:t>
+            </a:r>
+            <a:r>
+              <a:rPr lang="en-US" sz="1400" dirty="0">
+                <a:latin typeface="Courier New" pitchFamily="49" charset="0"/>
+                <a:cs typeface="Courier New" pitchFamily="49" charset="0"/>
+              </a:rPr>
+              <a:t>&gt;OC4J&lt;/</a:t>
+            </a:r>
+            <a:r>
+              <a:rPr lang="en-US" sz="1400" dirty="0" err="1">
+                <a:latin typeface="Courier New" pitchFamily="49" charset="0"/>
+                <a:cs typeface="Courier New" pitchFamily="49" charset="0"/>
+              </a:rPr>
+              <a:t>eclipseLinkTargetServer</a:t>
+            </a:r>
+            <a:r>
+              <a:rPr lang="en-US" sz="1400" dirty="0">
+                <a:latin typeface="Courier New" pitchFamily="49" charset="0"/>
+                <a:cs typeface="Courier New" pitchFamily="49" charset="0"/>
+              </a:rPr>
+              <a:t>&gt;</a:t>
+            </a:r>
+          </a:p>
+          <a:p>
+            <a:r>
+              <a:rPr lang="en-US" sz="1400" dirty="0" smtClean="0">
+                <a:latin typeface="Courier New" pitchFamily="49" charset="0"/>
+                <a:cs typeface="Courier New" pitchFamily="49" charset="0"/>
+              </a:rPr>
+              <a:t>        &lt;/</a:t>
+            </a:r>
+            <a:r>
+              <a:rPr lang="en-US" sz="1400" dirty="0">
+                <a:latin typeface="Courier New" pitchFamily="49" charset="0"/>
+                <a:cs typeface="Courier New" pitchFamily="49" charset="0"/>
+              </a:rPr>
+              <a:t>properties&gt;</a:t>
+            </a:r>
+          </a:p>
+          <a:p>
+            <a:r>
+              <a:rPr lang="en-US" sz="1400" dirty="0" smtClean="0">
+                <a:latin typeface="Courier New" pitchFamily="49" charset="0"/>
+                <a:cs typeface="Courier New" pitchFamily="49" charset="0"/>
+              </a:rPr>
+              <a:t>    &lt;/</a:t>
+            </a:r>
+            <a:r>
+              <a:rPr lang="en-US" sz="1400" dirty="0">
+                <a:latin typeface="Courier New" pitchFamily="49" charset="0"/>
+                <a:cs typeface="Courier New" pitchFamily="49" charset="0"/>
+              </a:rPr>
+              <a:t>profile&gt;</a:t>
+            </a:r>
+          </a:p>
+          <a:p>
+            <a:r>
+              <a:rPr lang="en-US" sz="1400" dirty="0" smtClean="0">
+                <a:latin typeface="Courier New" pitchFamily="49" charset="0"/>
+                <a:cs typeface="Courier New" pitchFamily="49" charset="0"/>
+              </a:rPr>
+              <a:t>    &lt;</a:t>
+            </a:r>
+            <a:r>
+              <a:rPr lang="en-US" sz="1400" dirty="0">
+                <a:latin typeface="Courier New" pitchFamily="49" charset="0"/>
+                <a:cs typeface="Courier New" pitchFamily="49" charset="0"/>
+              </a:rPr>
+              <a:t>profile&gt;</a:t>
+            </a:r>
+          </a:p>
+          <a:p>
+            <a:r>
+              <a:rPr lang="en-US" sz="1400" dirty="0" smtClean="0">
+                <a:latin typeface="Courier New" pitchFamily="49" charset="0"/>
+                <a:cs typeface="Courier New" pitchFamily="49" charset="0"/>
+              </a:rPr>
+              <a:t>        </a:t>
+            </a:r>
+            <a:r>
               <a:rPr lang="en-US" sz="1400" b="1" dirty="0" smtClean="0">
                 <a:latin typeface="Courier New" pitchFamily="49" charset="0"/>
                 <a:cs typeface="Courier New" pitchFamily="49" charset="0"/>
               </a:rPr>
+              <a:t>&lt;</a:t>
+            </a:r>
+            <a:r>
+              <a:rPr lang="en-US" sz="1400" b="1" dirty="0">
+                <a:latin typeface="Courier New" pitchFamily="49" charset="0"/>
+                <a:cs typeface="Courier New" pitchFamily="49" charset="0"/>
+              </a:rPr>
+              <a:t>id&gt;</a:t>
+            </a:r>
+            <a:r>
+              <a:rPr lang="en-US" sz="1400" b="1" dirty="0" err="1">
+                <a:latin typeface="Courier New" pitchFamily="49" charset="0"/>
+                <a:cs typeface="Courier New" pitchFamily="49" charset="0"/>
+              </a:rPr>
+              <a:t>wls</a:t>
+            </a:r>
+            <a:r>
+              <a:rPr lang="en-US" sz="1400" b="1" dirty="0">
+                <a:latin typeface="Courier New" pitchFamily="49" charset="0"/>
+                <a:cs typeface="Courier New" pitchFamily="49" charset="0"/>
+              </a:rPr>
+              <a:t>&lt;/id&gt;</a:t>
+            </a:r>
+          </a:p>
+          <a:p>
+            <a:r>
+              <a:rPr lang="en-US" sz="1400" dirty="0" smtClean="0">
+                <a:latin typeface="Courier New" pitchFamily="49" charset="0"/>
+                <a:cs typeface="Courier New" pitchFamily="49" charset="0"/>
+              </a:rPr>
+              <a:t>        &lt;</a:t>
+            </a:r>
+            <a:r>
+              <a:rPr lang="en-US" sz="1400" dirty="0">
+                <a:latin typeface="Courier New" pitchFamily="49" charset="0"/>
+                <a:cs typeface="Courier New" pitchFamily="49" charset="0"/>
+              </a:rPr>
+              <a:t>properties&gt;</a:t>
+            </a:r>
+          </a:p>
+          <a:p>
+            <a:r>
+              <a:rPr lang="en-US" sz="1400" dirty="0" smtClean="0">
+                <a:latin typeface="Courier New" pitchFamily="49" charset="0"/>
+                <a:cs typeface="Courier New" pitchFamily="49" charset="0"/>
+              </a:rPr>
+              <a:t>            </a:t>
+            </a:r>
+            <a:r>
+              <a:rPr lang="en-US" sz="1400" b="1" dirty="0" smtClean="0">
+                <a:latin typeface="Courier New" pitchFamily="49" charset="0"/>
+                <a:cs typeface="Courier New" pitchFamily="49" charset="0"/>
+              </a:rPr>
+              <a:t>&lt;</a:t>
+            </a:r>
+            <a:r>
+              <a:rPr lang="en-US" sz="1400" b="1" dirty="0" err="1">
+                <a:latin typeface="Courier New" pitchFamily="49" charset="0"/>
+                <a:cs typeface="Courier New" pitchFamily="49" charset="0"/>
+              </a:rPr>
+              <a:t>bindingsPrefix</a:t>
+            </a:r>
+            <a:r>
+              <a:rPr lang="en-US" sz="1400" b="1" dirty="0">
+                <a:latin typeface="Courier New" pitchFamily="49" charset="0"/>
+                <a:cs typeface="Courier New" pitchFamily="49" charset="0"/>
+              </a:rPr>
+              <a:t>&gt;&lt;/</a:t>
+            </a:r>
+            <a:r>
+              <a:rPr lang="en-US" sz="1400" b="1" dirty="0" err="1">
+                <a:latin typeface="Courier New" pitchFamily="49" charset="0"/>
+                <a:cs typeface="Courier New" pitchFamily="49" charset="0"/>
+              </a:rPr>
+              <a:t>bindingsPrefix</a:t>
+            </a:r>
+            <a:r>
+              <a:rPr lang="en-US" sz="1400" b="1" dirty="0">
+                <a:latin typeface="Courier New" pitchFamily="49" charset="0"/>
+                <a:cs typeface="Courier New" pitchFamily="49" charset="0"/>
+              </a:rPr>
+              <a:t>&gt;</a:t>
+            </a:r>
+          </a:p>
+          <a:p>
+            <a:r>
+              <a:rPr lang="en-US" sz="1400" dirty="0" smtClean="0">
+                <a:latin typeface="Courier New" pitchFamily="49" charset="0"/>
+                <a:cs typeface="Courier New" pitchFamily="49" charset="0"/>
+              </a:rPr>
               <a:t>            &lt;</a:t>
             </a:r>
             <a:r>
-              <a:rPr lang="en-US" sz="1400" b="1" dirty="0" err="1">
+              <a:rPr lang="en-US" sz="1400" dirty="0" err="1">
+                <a:latin typeface="Courier New" pitchFamily="49" charset="0"/>
+                <a:cs typeface="Courier New" pitchFamily="49" charset="0"/>
+              </a:rPr>
+              <a:t>profileName</a:t>
+            </a:r>
+            <a:r>
+              <a:rPr lang="en-US" sz="1400" dirty="0">
+                <a:latin typeface="Courier New" pitchFamily="49" charset="0"/>
+                <a:cs typeface="Courier New" pitchFamily="49" charset="0"/>
+              </a:rPr>
+              <a:t>&gt;</a:t>
+            </a:r>
+            <a:r>
+              <a:rPr lang="en-US" sz="1400" dirty="0" err="1">
+                <a:latin typeface="Courier New" pitchFamily="49" charset="0"/>
+                <a:cs typeface="Courier New" pitchFamily="49" charset="0"/>
+              </a:rPr>
+              <a:t>wls</a:t>
+            </a:r>
+            <a:r>
+              <a:rPr lang="en-US" sz="1400" dirty="0">
+                <a:latin typeface="Courier New" pitchFamily="49" charset="0"/>
+                <a:cs typeface="Courier New" pitchFamily="49" charset="0"/>
+              </a:rPr>
+              <a:t>&lt;/</a:t>
+            </a:r>
+            <a:r>
+              <a:rPr lang="en-US" sz="1400" dirty="0" err="1">
+                <a:latin typeface="Courier New" pitchFamily="49" charset="0"/>
+                <a:cs typeface="Courier New" pitchFamily="49" charset="0"/>
+              </a:rPr>
+              <a:t>profileName</a:t>
+            </a:r>
+            <a:r>
+              <a:rPr lang="en-US" sz="1400" dirty="0">
+                <a:latin typeface="Courier New" pitchFamily="49" charset="0"/>
+                <a:cs typeface="Courier New" pitchFamily="49" charset="0"/>
+              </a:rPr>
+              <a:t>&gt;</a:t>
+            </a:r>
+          </a:p>
+          <a:p>
+            <a:r>
+              <a:rPr lang="en-US" sz="1400" dirty="0" smtClean="0">
+                <a:latin typeface="Courier New" pitchFamily="49" charset="0"/>
+                <a:cs typeface="Courier New" pitchFamily="49" charset="0"/>
+              </a:rPr>
+              <a:t>            &lt;</a:t>
+            </a:r>
+            <a:r>
+              <a:rPr lang="en-US" sz="1400" dirty="0" err="1">
+                <a:latin typeface="Courier New" pitchFamily="49" charset="0"/>
+                <a:cs typeface="Courier New" pitchFamily="49" charset="0"/>
+              </a:rPr>
+              <a:t>jndiFactoryBean</a:t>
+            </a:r>
+            <a:r>
+              <a:rPr lang="en-US" sz="1400" dirty="0">
+                <a:latin typeface="Courier New" pitchFamily="49" charset="0"/>
+                <a:cs typeface="Courier New" pitchFamily="49" charset="0"/>
+              </a:rPr>
+              <a:t>&gt;</a:t>
+            </a:r>
+            <a:r>
+              <a:rPr lang="en-US" sz="1400" dirty="0" err="1">
+                <a:latin typeface="Courier New" pitchFamily="49" charset="0"/>
+                <a:cs typeface="Courier New" pitchFamily="49" charset="0"/>
+              </a:rPr>
+              <a:t>jndiPropertyExtractor</a:t>
+            </a:r>
+            <a:r>
+              <a:rPr lang="en-US" sz="1400" dirty="0">
+                <a:latin typeface="Courier New" pitchFamily="49" charset="0"/>
+                <a:cs typeface="Courier New" pitchFamily="49" charset="0"/>
+              </a:rPr>
+              <a:t>&lt;/</a:t>
+            </a:r>
+            <a:r>
+              <a:rPr lang="en-US" sz="1400" dirty="0" err="1">
+                <a:latin typeface="Courier New" pitchFamily="49" charset="0"/>
+                <a:cs typeface="Courier New" pitchFamily="49" charset="0"/>
+              </a:rPr>
+              <a:t>jndiFactoryBean</a:t>
+            </a:r>
+            <a:r>
+              <a:rPr lang="en-US" sz="1400" dirty="0">
+                <a:latin typeface="Courier New" pitchFamily="49" charset="0"/>
+                <a:cs typeface="Courier New" pitchFamily="49" charset="0"/>
+              </a:rPr>
+              <a:t>&gt;</a:t>
+            </a:r>
+          </a:p>
+          <a:p>
+            <a:r>
+              <a:rPr lang="en-US" sz="1400" dirty="0" smtClean="0">
+                <a:latin typeface="Courier New" pitchFamily="49" charset="0"/>
+                <a:cs typeface="Courier New" pitchFamily="49" charset="0"/>
+              </a:rPr>
+              <a:t>            &lt;</a:t>
+            </a:r>
+            <a:r>
+              <a:rPr lang="en-US" sz="1400" dirty="0" err="1">
                 <a:latin typeface="Courier New" pitchFamily="49" charset="0"/>
                 <a:cs typeface="Courier New" pitchFamily="49" charset="0"/>
               </a:rPr>
               <a:t>eclipseLinkTargetServer</a:t>
             </a:r>
             <a:r>
-              <a:rPr lang="en-US" sz="1400" b="1" dirty="0">
-                <a:latin typeface="Courier New" pitchFamily="49" charset="0"/>
-                <a:cs typeface="Courier New" pitchFamily="49" charset="0"/>
-              </a:rPr>
-              <a:t>&gt;OC4J&lt;/</a:t>
-            </a:r>
-            <a:r>
-              <a:rPr lang="en-US" sz="1400" b="1" dirty="0" err="1">
+              <a:rPr lang="en-US" sz="1400" dirty="0">
+                <a:latin typeface="Courier New" pitchFamily="49" charset="0"/>
+                <a:cs typeface="Courier New" pitchFamily="49" charset="0"/>
+              </a:rPr>
+              <a:t>&gt;Weblogic_10&lt;/</a:t>
+            </a:r>
+            <a:r>
+              <a:rPr lang="en-US" sz="1400" dirty="0" err="1">
                 <a:latin typeface="Courier New" pitchFamily="49" charset="0"/>
                 <a:cs typeface="Courier New" pitchFamily="49" charset="0"/>
               </a:rPr>
               <a:t>eclipseLinkTargetServer</a:t>
             </a:r>
             <a:r>
-              <a:rPr lang="en-US" sz="1400" b="1" dirty="0">
+              <a:rPr lang="en-US" sz="1400" dirty="0">
                 <a:latin typeface="Courier New" pitchFamily="49" charset="0"/>
                 <a:cs typeface="Courier New" pitchFamily="49" charset="0"/>
               </a:rPr>
@@ -7821,14 +8219,14 @@
           </a:p>
           <a:p>
             <a:r>
-              <a:rPr lang="en-US" sz="1400" b="1" dirty="0" smtClean="0">
+              <a:rPr lang="en-US" sz="1400" dirty="0" smtClean="0">
                 <a:latin typeface="Courier New" pitchFamily="49" charset="0"/>
                 <a:cs typeface="Courier New" pitchFamily="49" charset="0"/>
               </a:rPr>
               <a:t>        &lt;/</a:t>
             </a:r>
             <a:r>
-              <a:rPr lang="en-US" sz="1400" b="1" dirty="0">
+              <a:rPr lang="en-US" sz="1400" dirty="0">
                 <a:latin typeface="Courier New" pitchFamily="49" charset="0"/>
                 <a:cs typeface="Courier New" pitchFamily="49" charset="0"/>
               </a:rPr>
@@ -7837,14 +8235,14 @@
           </a:p>
           <a:p>
             <a:r>
-              <a:rPr lang="en-US" sz="1400" b="1" dirty="0" smtClean="0">
+              <a:rPr lang="en-US" sz="1400" dirty="0" smtClean="0">
                 <a:latin typeface="Courier New" pitchFamily="49" charset="0"/>
                 <a:cs typeface="Courier New" pitchFamily="49" charset="0"/>
               </a:rPr>
               <a:t>    &lt;/</a:t>
             </a:r>
             <a:r>
-              <a:rPr lang="en-US" sz="1400" b="1" dirty="0">
+              <a:rPr lang="en-US" sz="1400" dirty="0">
                 <a:latin typeface="Courier New" pitchFamily="49" charset="0"/>
                 <a:cs typeface="Courier New" pitchFamily="49" charset="0"/>
               </a:rPr>
@@ -7853,277 +8251,7 @@
           </a:p>
           <a:p>
             <a:r>
-              <a:rPr lang="en-US" sz="1400" b="1" dirty="0" smtClean="0">
-                <a:latin typeface="Courier New" pitchFamily="49" charset="0"/>
-                <a:cs typeface="Courier New" pitchFamily="49" charset="0"/>
-              </a:rPr>
-              <a:t>    &lt;</a:t>
-            </a:r>
-            <a:r>
-              <a:rPr lang="en-US" sz="1400" b="1" dirty="0">
-                <a:latin typeface="Courier New" pitchFamily="49" charset="0"/>
-                <a:cs typeface="Courier New" pitchFamily="49" charset="0"/>
-              </a:rPr>
-              <a:t>profile&gt;</a:t>
-            </a:r>
-          </a:p>
-          <a:p>
-            <a:r>
-              <a:rPr lang="en-US" sz="1400" b="1" dirty="0" smtClean="0">
-                <a:latin typeface="Courier New" pitchFamily="49" charset="0"/>
-                <a:cs typeface="Courier New" pitchFamily="49" charset="0"/>
-              </a:rPr>
-              <a:t>        &lt;</a:t>
-            </a:r>
-            <a:r>
-              <a:rPr lang="en-US" sz="1400" b="1" dirty="0">
-                <a:latin typeface="Courier New" pitchFamily="49" charset="0"/>
-                <a:cs typeface="Courier New" pitchFamily="49" charset="0"/>
-              </a:rPr>
-              <a:t>id&gt;</a:t>
-            </a:r>
-            <a:r>
-              <a:rPr lang="en-US" sz="1400" b="1" dirty="0" err="1">
-                <a:latin typeface="Courier New" pitchFamily="49" charset="0"/>
-                <a:cs typeface="Courier New" pitchFamily="49" charset="0"/>
-              </a:rPr>
-              <a:t>wls</a:t>
-            </a:r>
-            <a:r>
-              <a:rPr lang="en-US" sz="1400" b="1" dirty="0">
-                <a:latin typeface="Courier New" pitchFamily="49" charset="0"/>
-                <a:cs typeface="Courier New" pitchFamily="49" charset="0"/>
-              </a:rPr>
-              <a:t>&lt;/id&gt;</a:t>
-            </a:r>
-          </a:p>
-          <a:p>
-            <a:r>
-              <a:rPr lang="en-US" sz="1400" b="1" dirty="0" smtClean="0">
-                <a:latin typeface="Courier New" pitchFamily="49" charset="0"/>
-                <a:cs typeface="Courier New" pitchFamily="49" charset="0"/>
-              </a:rPr>
-              <a:t>        &lt;</a:t>
-            </a:r>
-            <a:r>
-              <a:rPr lang="en-US" sz="1400" b="1" dirty="0">
-                <a:latin typeface="Courier New" pitchFamily="49" charset="0"/>
-                <a:cs typeface="Courier New" pitchFamily="49" charset="0"/>
-              </a:rPr>
-              <a:t>properties&gt;</a:t>
-            </a:r>
-          </a:p>
-          <a:p>
-            <a:r>
-              <a:rPr lang="en-US" sz="1400" b="1" dirty="0" smtClean="0">
-                <a:latin typeface="Courier New" pitchFamily="49" charset="0"/>
-                <a:cs typeface="Courier New" pitchFamily="49" charset="0"/>
-              </a:rPr>
-              <a:t>            &lt;</a:t>
-            </a:r>
-            <a:r>
-              <a:rPr lang="en-US" sz="1400" b="1" dirty="0" err="1">
-                <a:latin typeface="Courier New" pitchFamily="49" charset="0"/>
-                <a:cs typeface="Courier New" pitchFamily="49" charset="0"/>
-              </a:rPr>
-              <a:t>bindingsPrefix</a:t>
-            </a:r>
-            <a:r>
-              <a:rPr lang="en-US" sz="1400" b="1" dirty="0">
-                <a:latin typeface="Courier New" pitchFamily="49" charset="0"/>
-                <a:cs typeface="Courier New" pitchFamily="49" charset="0"/>
-              </a:rPr>
-              <a:t>&gt;&lt;/</a:t>
-            </a:r>
-            <a:r>
-              <a:rPr lang="en-US" sz="1400" b="1" dirty="0" err="1">
-                <a:latin typeface="Courier New" pitchFamily="49" charset="0"/>
-                <a:cs typeface="Courier New" pitchFamily="49" charset="0"/>
-              </a:rPr>
-              <a:t>bindingsPrefix</a:t>
-            </a:r>
-            <a:r>
-              <a:rPr lang="en-US" sz="1400" b="1" dirty="0">
-                <a:latin typeface="Courier New" pitchFamily="49" charset="0"/>
-                <a:cs typeface="Courier New" pitchFamily="49" charset="0"/>
-              </a:rPr>
-              <a:t>&gt;</a:t>
-            </a:r>
-          </a:p>
-          <a:p>
-            <a:r>
-              <a:rPr lang="en-US" sz="1400" b="1" dirty="0" smtClean="0">
-                <a:latin typeface="Courier New" pitchFamily="49" charset="0"/>
-                <a:cs typeface="Courier New" pitchFamily="49" charset="0"/>
-              </a:rPr>
-              <a:t>            &lt;</a:t>
-            </a:r>
-            <a:r>
-              <a:rPr lang="en-US" sz="1400" b="1" dirty="0" err="1">
-                <a:latin typeface="Courier New" pitchFamily="49" charset="0"/>
-                <a:cs typeface="Courier New" pitchFamily="49" charset="0"/>
-              </a:rPr>
-              <a:t>profileName</a:t>
-            </a:r>
-            <a:r>
-              <a:rPr lang="en-US" sz="1400" b="1" dirty="0">
-                <a:latin typeface="Courier New" pitchFamily="49" charset="0"/>
-                <a:cs typeface="Courier New" pitchFamily="49" charset="0"/>
-              </a:rPr>
-              <a:t>&gt;</a:t>
-            </a:r>
-            <a:r>
-              <a:rPr lang="en-US" sz="1400" b="1" dirty="0" err="1">
-                <a:latin typeface="Courier New" pitchFamily="49" charset="0"/>
-                <a:cs typeface="Courier New" pitchFamily="49" charset="0"/>
-              </a:rPr>
-              <a:t>wls</a:t>
-            </a:r>
-            <a:r>
-              <a:rPr lang="en-US" sz="1400" b="1" dirty="0">
-                <a:latin typeface="Courier New" pitchFamily="49" charset="0"/>
-                <a:cs typeface="Courier New" pitchFamily="49" charset="0"/>
-              </a:rPr>
-              <a:t>&lt;/</a:t>
-            </a:r>
-            <a:r>
-              <a:rPr lang="en-US" sz="1400" b="1" dirty="0" err="1">
-                <a:latin typeface="Courier New" pitchFamily="49" charset="0"/>
-                <a:cs typeface="Courier New" pitchFamily="49" charset="0"/>
-              </a:rPr>
-              <a:t>profileName</a:t>
-            </a:r>
-            <a:r>
-              <a:rPr lang="en-US" sz="1400" b="1" dirty="0">
-                <a:latin typeface="Courier New" pitchFamily="49" charset="0"/>
-                <a:cs typeface="Courier New" pitchFamily="49" charset="0"/>
-              </a:rPr>
-              <a:t>&gt;</a:t>
-            </a:r>
-          </a:p>
-          <a:p>
-            <a:r>
-              <a:rPr lang="en-US" sz="1400" b="1" dirty="0" smtClean="0">
-                <a:latin typeface="Courier New" pitchFamily="49" charset="0"/>
-                <a:cs typeface="Courier New" pitchFamily="49" charset="0"/>
-              </a:rPr>
-              <a:t>            &lt;</a:t>
-            </a:r>
-            <a:r>
-              <a:rPr lang="en-US" sz="1400" b="1" dirty="0" err="1">
-                <a:latin typeface="Courier New" pitchFamily="49" charset="0"/>
-                <a:cs typeface="Courier New" pitchFamily="49" charset="0"/>
-              </a:rPr>
-              <a:t>jndiFactoryBean</a:t>
-            </a:r>
-            <a:r>
-              <a:rPr lang="en-US" sz="1400" b="1" dirty="0">
-                <a:latin typeface="Courier New" pitchFamily="49" charset="0"/>
-                <a:cs typeface="Courier New" pitchFamily="49" charset="0"/>
-              </a:rPr>
-              <a:t>&gt;</a:t>
-            </a:r>
-            <a:r>
-              <a:rPr lang="en-US" sz="1400" b="1" dirty="0" err="1">
-                <a:latin typeface="Courier New" pitchFamily="49" charset="0"/>
-                <a:cs typeface="Courier New" pitchFamily="49" charset="0"/>
-              </a:rPr>
-              <a:t>jndiPropertyExtractor</a:t>
-            </a:r>
-            <a:r>
-              <a:rPr lang="en-US" sz="1400" b="1" dirty="0">
-                <a:latin typeface="Courier New" pitchFamily="49" charset="0"/>
-                <a:cs typeface="Courier New" pitchFamily="49" charset="0"/>
-              </a:rPr>
-              <a:t>&lt;/</a:t>
-            </a:r>
-            <a:r>
-              <a:rPr lang="en-US" sz="1400" b="1" dirty="0" err="1">
-                <a:latin typeface="Courier New" pitchFamily="49" charset="0"/>
-                <a:cs typeface="Courier New" pitchFamily="49" charset="0"/>
-              </a:rPr>
-              <a:t>jndiFactoryBean</a:t>
-            </a:r>
-            <a:r>
-              <a:rPr lang="en-US" sz="1400" b="1" dirty="0">
-                <a:latin typeface="Courier New" pitchFamily="49" charset="0"/>
-                <a:cs typeface="Courier New" pitchFamily="49" charset="0"/>
-              </a:rPr>
-              <a:t>&gt;</a:t>
-            </a:r>
-          </a:p>
-          <a:p>
-            <a:r>
-              <a:rPr lang="en-US" sz="1400" b="1" dirty="0" smtClean="0">
-                <a:latin typeface="Courier New" pitchFamily="49" charset="0"/>
-                <a:cs typeface="Courier New" pitchFamily="49" charset="0"/>
-              </a:rPr>
-              <a:t>            &lt;</a:t>
-            </a:r>
-            <a:r>
-              <a:rPr lang="en-US" sz="1400" b="1" dirty="0" err="1">
-                <a:latin typeface="Courier New" pitchFamily="49" charset="0"/>
-                <a:cs typeface="Courier New" pitchFamily="49" charset="0"/>
-              </a:rPr>
-              <a:t>eclipseLinkTargetServer</a:t>
-            </a:r>
-            <a:r>
-              <a:rPr lang="en-US" sz="1400" b="1" dirty="0">
-                <a:latin typeface="Courier New" pitchFamily="49" charset="0"/>
-                <a:cs typeface="Courier New" pitchFamily="49" charset="0"/>
-              </a:rPr>
-              <a:t>&gt;Weblogic_10&lt;/</a:t>
-            </a:r>
-            <a:r>
-              <a:rPr lang="en-US" sz="1400" b="1" dirty="0" err="1">
-                <a:latin typeface="Courier New" pitchFamily="49" charset="0"/>
-                <a:cs typeface="Courier New" pitchFamily="49" charset="0"/>
-              </a:rPr>
-              <a:t>eclipseLinkTargetServer</a:t>
-            </a:r>
-            <a:r>
-              <a:rPr lang="en-US" sz="1400" b="1" dirty="0">
-                <a:latin typeface="Courier New" pitchFamily="49" charset="0"/>
-                <a:cs typeface="Courier New" pitchFamily="49" charset="0"/>
-              </a:rPr>
-              <a:t>&gt;</a:t>
-            </a:r>
-          </a:p>
-          <a:p>
-            <a:r>
-              <a:rPr lang="en-US" sz="1400" b="1" dirty="0" smtClean="0">
-                <a:latin typeface="Courier New" pitchFamily="49" charset="0"/>
-                <a:cs typeface="Courier New" pitchFamily="49" charset="0"/>
-              </a:rPr>
-              <a:t>        &lt;/</a:t>
-            </a:r>
-            <a:r>
-              <a:rPr lang="en-US" sz="1400" b="1" dirty="0">
-                <a:latin typeface="Courier New" pitchFamily="49" charset="0"/>
-                <a:cs typeface="Courier New" pitchFamily="49" charset="0"/>
-              </a:rPr>
-              <a:t>properties&gt;</a:t>
-            </a:r>
-          </a:p>
-          <a:p>
-            <a:r>
-              <a:rPr lang="en-US" sz="1400" b="1" dirty="0" smtClean="0">
-                <a:latin typeface="Courier New" pitchFamily="49" charset="0"/>
-                <a:cs typeface="Courier New" pitchFamily="49" charset="0"/>
-              </a:rPr>
-              <a:t>    &lt;/</a:t>
-            </a:r>
-            <a:r>
-              <a:rPr lang="en-US" sz="1400" b="1" dirty="0">
-                <a:latin typeface="Courier New" pitchFamily="49" charset="0"/>
-                <a:cs typeface="Courier New" pitchFamily="49" charset="0"/>
-              </a:rPr>
-              <a:t>profile&gt;</a:t>
-            </a:r>
-          </a:p>
-          <a:p>
-            <a:r>
-              <a:rPr lang="en-US" sz="1400" b="1" dirty="0">
+              <a:rPr lang="en-US" sz="1400" dirty="0">
                 <a:latin typeface="Courier New" pitchFamily="49" charset="0"/>
                 <a:cs typeface="Courier New" pitchFamily="49" charset="0"/>
               </a:rPr>
@@ -8247,7 +8375,7 @@
         <p:spPr>
           <a:xfrm>
             <a:off x="428596" y="1000108"/>
-            <a:ext cx="8286808" cy="2677656"/>
+            <a:ext cx="8286808" cy="3108543"/>
           </a:xfrm>
           <a:prstGeom prst="rect">
             <a:avLst/>
@@ -8290,289 +8418,336 @@
           </a:p>
           <a:p>
             <a:r>
+              <a:rPr lang="en-US" sz="1400" dirty="0">
+                <a:latin typeface="Courier New" pitchFamily="49" charset="0"/>
+                <a:cs typeface="Courier New" pitchFamily="49" charset="0"/>
+              </a:rPr>
+              <a:t>&lt;build&gt;</a:t>
+            </a:r>
+          </a:p>
+          <a:p>
+            <a:r>
+              <a:rPr lang="ru-RU" sz="1400" dirty="0" smtClean="0">
+                <a:latin typeface="Courier New" pitchFamily="49" charset="0"/>
+                <a:cs typeface="Courier New" pitchFamily="49" charset="0"/>
+              </a:rPr>
+              <a:t>    </a:t>
+            </a:r>
+            <a:r>
+              <a:rPr lang="en-US" sz="1400" dirty="0" smtClean="0">
+                <a:latin typeface="Courier New" pitchFamily="49" charset="0"/>
+                <a:cs typeface="Courier New" pitchFamily="49" charset="0"/>
+              </a:rPr>
+              <a:t>&lt;</a:t>
+            </a:r>
+            <a:r>
+              <a:rPr lang="en-US" sz="1400" dirty="0">
+                <a:latin typeface="Courier New" pitchFamily="49" charset="0"/>
+                <a:cs typeface="Courier New" pitchFamily="49" charset="0"/>
+              </a:rPr>
+              <a:t>plugins&gt;</a:t>
+            </a:r>
+          </a:p>
+          <a:p>
+            <a:r>
+              <a:rPr lang="ru-RU" sz="1400" dirty="0" smtClean="0">
+                <a:latin typeface="Courier New" pitchFamily="49" charset="0"/>
+                <a:cs typeface="Courier New" pitchFamily="49" charset="0"/>
+              </a:rPr>
+              <a:t>        </a:t>
+            </a:r>
+            <a:r>
+              <a:rPr lang="en-US" sz="1400" dirty="0" smtClean="0">
+                <a:latin typeface="Courier New" pitchFamily="49" charset="0"/>
+                <a:cs typeface="Courier New" pitchFamily="49" charset="0"/>
+              </a:rPr>
+              <a:t>&lt;</a:t>
+            </a:r>
+            <a:r>
+              <a:rPr lang="en-US" sz="1400" dirty="0">
+                <a:latin typeface="Courier New" pitchFamily="49" charset="0"/>
+                <a:cs typeface="Courier New" pitchFamily="49" charset="0"/>
+              </a:rPr>
+              <a:t>plugin&gt;</a:t>
+            </a:r>
+          </a:p>
+          <a:p>
+            <a:r>
+              <a:rPr lang="ru-RU" sz="1400" dirty="0" smtClean="0">
+                <a:latin typeface="Courier New" pitchFamily="49" charset="0"/>
+                <a:cs typeface="Courier New" pitchFamily="49" charset="0"/>
+              </a:rPr>
+              <a:t>            </a:t>
+            </a:r>
+            <a:r>
+              <a:rPr lang="en-US" sz="1400" dirty="0" smtClean="0">
+                <a:latin typeface="Courier New" pitchFamily="49" charset="0"/>
+                <a:cs typeface="Courier New" pitchFamily="49" charset="0"/>
+              </a:rPr>
+              <a:t>&lt;</a:t>
+            </a:r>
+            <a:r>
+              <a:rPr lang="en-US" sz="1400" dirty="0" err="1">
+                <a:latin typeface="Courier New" pitchFamily="49" charset="0"/>
+                <a:cs typeface="Courier New" pitchFamily="49" charset="0"/>
+              </a:rPr>
+              <a:t>groupId</a:t>
+            </a:r>
+            <a:r>
+              <a:rPr lang="en-US" sz="1400" dirty="0">
+                <a:latin typeface="Courier New" pitchFamily="49" charset="0"/>
+                <a:cs typeface="Courier New" pitchFamily="49" charset="0"/>
+              </a:rPr>
+              <a:t>&gt;</a:t>
+            </a:r>
+            <a:r>
+              <a:rPr lang="en-US" sz="1400" dirty="0" err="1">
+                <a:latin typeface="Courier New" pitchFamily="49" charset="0"/>
+                <a:cs typeface="Courier New" pitchFamily="49" charset="0"/>
+              </a:rPr>
+              <a:t>org.eclipse.tycho</a:t>
+            </a:r>
+            <a:r>
+              <a:rPr lang="en-US" sz="1400" dirty="0">
+                <a:latin typeface="Courier New" pitchFamily="49" charset="0"/>
+                <a:cs typeface="Courier New" pitchFamily="49" charset="0"/>
+              </a:rPr>
+              <a:t>&lt;/</a:t>
+            </a:r>
+            <a:r>
+              <a:rPr lang="en-US" sz="1400" dirty="0" err="1">
+                <a:latin typeface="Courier New" pitchFamily="49" charset="0"/>
+                <a:cs typeface="Courier New" pitchFamily="49" charset="0"/>
+              </a:rPr>
+              <a:t>groupId</a:t>
+            </a:r>
+            <a:r>
+              <a:rPr lang="en-US" sz="1400" dirty="0">
+                <a:latin typeface="Courier New" pitchFamily="49" charset="0"/>
+                <a:cs typeface="Courier New" pitchFamily="49" charset="0"/>
+              </a:rPr>
+              <a:t>&gt;</a:t>
+            </a:r>
+          </a:p>
+          <a:p>
+            <a:r>
+              <a:rPr lang="ru-RU" sz="1400" dirty="0" smtClean="0">
+                <a:latin typeface="Courier New" pitchFamily="49" charset="0"/>
+                <a:cs typeface="Courier New" pitchFamily="49" charset="0"/>
+              </a:rPr>
+              <a:t>            </a:t>
+            </a:r>
+            <a:r>
+              <a:rPr lang="en-US" sz="1400" dirty="0" smtClean="0">
+                <a:latin typeface="Courier New" pitchFamily="49" charset="0"/>
+                <a:cs typeface="Courier New" pitchFamily="49" charset="0"/>
+              </a:rPr>
+              <a:t>&lt;</a:t>
+            </a:r>
+            <a:r>
+              <a:rPr lang="en-US" sz="1400" dirty="0" err="1">
+                <a:latin typeface="Courier New" pitchFamily="49" charset="0"/>
+                <a:cs typeface="Courier New" pitchFamily="49" charset="0"/>
+              </a:rPr>
+              <a:t>artifactId</a:t>
+            </a:r>
+            <a:r>
+              <a:rPr lang="en-US" sz="1400" dirty="0">
+                <a:latin typeface="Courier New" pitchFamily="49" charset="0"/>
+                <a:cs typeface="Courier New" pitchFamily="49" charset="0"/>
+              </a:rPr>
+              <a:t>&gt;</a:t>
+            </a:r>
+            <a:r>
+              <a:rPr lang="en-US" sz="1400" dirty="0" err="1">
+                <a:latin typeface="Courier New" pitchFamily="49" charset="0"/>
+                <a:cs typeface="Courier New" pitchFamily="49" charset="0"/>
+              </a:rPr>
+              <a:t>tycho</a:t>
+            </a:r>
+            <a:r>
+              <a:rPr lang="en-US" sz="1400" dirty="0">
+                <a:latin typeface="Courier New" pitchFamily="49" charset="0"/>
+                <a:cs typeface="Courier New" pitchFamily="49" charset="0"/>
+              </a:rPr>
+              <a:t>-maven-plugin&lt;/</a:t>
+            </a:r>
+            <a:r>
+              <a:rPr lang="en-US" sz="1400" dirty="0" err="1">
+                <a:latin typeface="Courier New" pitchFamily="49" charset="0"/>
+                <a:cs typeface="Courier New" pitchFamily="49" charset="0"/>
+              </a:rPr>
+              <a:t>artifactId</a:t>
+            </a:r>
+            <a:r>
+              <a:rPr lang="en-US" sz="1400" dirty="0">
+                <a:latin typeface="Courier New" pitchFamily="49" charset="0"/>
+                <a:cs typeface="Courier New" pitchFamily="49" charset="0"/>
+              </a:rPr>
+              <a:t>&gt;</a:t>
+            </a:r>
+          </a:p>
+          <a:p>
+            <a:r>
+              <a:rPr lang="ru-RU" sz="1400" dirty="0" smtClean="0">
+                <a:latin typeface="Courier New" pitchFamily="49" charset="0"/>
+                <a:cs typeface="Courier New" pitchFamily="49" charset="0"/>
+              </a:rPr>
+              <a:t>            </a:t>
+            </a:r>
+            <a:r>
+              <a:rPr lang="en-US" sz="1400" dirty="0" smtClean="0">
+                <a:latin typeface="Courier New" pitchFamily="49" charset="0"/>
+                <a:cs typeface="Courier New" pitchFamily="49" charset="0"/>
+              </a:rPr>
+              <a:t>&lt;</a:t>
+            </a:r>
+            <a:r>
+              <a:rPr lang="en-US" sz="1400" dirty="0">
+                <a:latin typeface="Courier New" pitchFamily="49" charset="0"/>
+                <a:cs typeface="Courier New" pitchFamily="49" charset="0"/>
+              </a:rPr>
+              <a:t>version&gt;</a:t>
+            </a:r>
+            <a:r>
               <a:rPr lang="en-US" sz="1400" b="1" dirty="0">
                 <a:latin typeface="Courier New" pitchFamily="49" charset="0"/>
                 <a:cs typeface="Courier New" pitchFamily="49" charset="0"/>
               </a:rPr>
-              <a:t>&lt;build&gt;</a:t>
-            </a:r>
-          </a:p>
-          <a:p>
-            <a:r>
-              <a:rPr lang="ru-RU" sz="1400" b="1" dirty="0" smtClean="0">
+              <a:t>${</a:t>
+            </a:r>
+            <a:r>
+              <a:rPr lang="en-US" sz="1400" b="1" dirty="0" err="1">
+                <a:latin typeface="Courier New" pitchFamily="49" charset="0"/>
+                <a:cs typeface="Courier New" pitchFamily="49" charset="0"/>
+              </a:rPr>
+              <a:t>tycho</a:t>
+            </a:r>
+            <a:r>
+              <a:rPr lang="en-US" sz="1400" b="1" dirty="0">
+                <a:latin typeface="Courier New" pitchFamily="49" charset="0"/>
+                <a:cs typeface="Courier New" pitchFamily="49" charset="0"/>
+              </a:rPr>
+              <a:t>-version}</a:t>
+            </a:r>
+            <a:r>
+              <a:rPr lang="en-US" sz="1400" dirty="0">
+                <a:latin typeface="Courier New" pitchFamily="49" charset="0"/>
+                <a:cs typeface="Courier New" pitchFamily="49" charset="0"/>
+              </a:rPr>
+              <a:t>&lt;/version&gt;</a:t>
+            </a:r>
+          </a:p>
+          <a:p>
+            <a:r>
+              <a:rPr lang="ru-RU" sz="1400" dirty="0" smtClean="0">
+                <a:latin typeface="Courier New" pitchFamily="49" charset="0"/>
+                <a:cs typeface="Courier New" pitchFamily="49" charset="0"/>
+              </a:rPr>
+              <a:t>            </a:t>
+            </a:r>
+            <a:r>
+              <a:rPr lang="en-US" sz="1400" dirty="0" smtClean="0">
+                <a:latin typeface="Courier New" pitchFamily="49" charset="0"/>
+                <a:cs typeface="Courier New" pitchFamily="49" charset="0"/>
+              </a:rPr>
+              <a:t>&lt;</a:t>
+            </a:r>
+            <a:r>
+              <a:rPr lang="en-US" sz="1400" dirty="0">
+                <a:latin typeface="Courier New" pitchFamily="49" charset="0"/>
+                <a:cs typeface="Courier New" pitchFamily="49" charset="0"/>
+              </a:rPr>
+              <a:t>extensions&gt;true&lt;/extensions&gt;</a:t>
+            </a:r>
+          </a:p>
+          <a:p>
+            <a:r>
+              <a:rPr lang="ru-RU" sz="1400" dirty="0" smtClean="0">
+                <a:latin typeface="Courier New" pitchFamily="49" charset="0"/>
+                <a:cs typeface="Courier New" pitchFamily="49" charset="0"/>
+              </a:rPr>
+              <a:t>        </a:t>
+            </a:r>
+            <a:r>
+              <a:rPr lang="en-US" sz="1400" dirty="0" smtClean="0">
+                <a:latin typeface="Courier New" pitchFamily="49" charset="0"/>
+                <a:cs typeface="Courier New" pitchFamily="49" charset="0"/>
+              </a:rPr>
+              <a:t>&lt;/</a:t>
+            </a:r>
+            <a:r>
+              <a:rPr lang="en-US" sz="1400" dirty="0">
+                <a:latin typeface="Courier New" pitchFamily="49" charset="0"/>
+                <a:cs typeface="Courier New" pitchFamily="49" charset="0"/>
+              </a:rPr>
+              <a:t>plugin&gt;</a:t>
+            </a:r>
+          </a:p>
+          <a:p>
+            <a:r>
+              <a:rPr lang="ru-RU" sz="1400" dirty="0" smtClean="0">
                 <a:latin typeface="Courier New" pitchFamily="49" charset="0"/>
                 <a:cs typeface="Courier New" pitchFamily="49" charset="0"/>
               </a:rPr>
               <a:t>    </a:t>
             </a:r>
             <a:r>
+              <a:rPr lang="en-US" sz="1400" dirty="0" smtClean="0">
+                <a:latin typeface="Courier New" pitchFamily="49" charset="0"/>
+                <a:cs typeface="Courier New" pitchFamily="49" charset="0"/>
+              </a:rPr>
+              <a:t>&lt;/</a:t>
+            </a:r>
+            <a:r>
+              <a:rPr lang="en-US" sz="1400" dirty="0">
+                <a:latin typeface="Courier New" pitchFamily="49" charset="0"/>
+                <a:cs typeface="Courier New" pitchFamily="49" charset="0"/>
+              </a:rPr>
+              <a:t>plugins&gt;</a:t>
+            </a:r>
+          </a:p>
+          <a:p>
+            <a:r>
+              <a:rPr lang="en-US" sz="1400" dirty="0">
+                <a:latin typeface="Courier New" pitchFamily="49" charset="0"/>
+                <a:cs typeface="Courier New" pitchFamily="49" charset="0"/>
+              </a:rPr>
+              <a:t>&lt;/build</a:t>
+            </a:r>
+            <a:r>
+              <a:rPr lang="en-US" sz="1400" dirty="0" smtClean="0">
+                <a:latin typeface="Courier New" pitchFamily="49" charset="0"/>
+                <a:cs typeface="Courier New" pitchFamily="49" charset="0"/>
+              </a:rPr>
+              <a:t>&gt;</a:t>
+            </a:r>
+          </a:p>
+          <a:p>
+            <a:endParaRPr lang="en-US" sz="1400" dirty="0">
+              <a:latin typeface="Courier New" pitchFamily="49" charset="0"/>
+              <a:cs typeface="Courier New" pitchFamily="49" charset="0"/>
+            </a:endParaRPr>
+          </a:p>
+          <a:p>
+            <a:r>
               <a:rPr lang="en-US" sz="1400" b="1" dirty="0" smtClean="0">
                 <a:latin typeface="Courier New" pitchFamily="49" charset="0"/>
                 <a:cs typeface="Courier New" pitchFamily="49" charset="0"/>
               </a:rPr>
-              <a:t>&lt;</a:t>
-            </a:r>
-            <a:r>
-              <a:rPr lang="en-US" sz="1400" b="1" dirty="0">
-                <a:latin typeface="Courier New" pitchFamily="49" charset="0"/>
-                <a:cs typeface="Courier New" pitchFamily="49" charset="0"/>
-              </a:rPr>
-              <a:t>plugins&gt;</a:t>
-            </a:r>
-          </a:p>
-          <a:p>
-            <a:r>
-              <a:rPr lang="ru-RU" sz="1400" b="1" dirty="0" smtClean="0">
-                <a:latin typeface="Courier New" pitchFamily="49" charset="0"/>
-                <a:cs typeface="Courier New" pitchFamily="49" charset="0"/>
-              </a:rPr>
-              <a:t>        </a:t>
-            </a:r>
-            <a:r>
-              <a:rPr lang="en-US" sz="1400" b="1" dirty="0" smtClean="0">
-                <a:latin typeface="Courier New" pitchFamily="49" charset="0"/>
-                <a:cs typeface="Courier New" pitchFamily="49" charset="0"/>
-              </a:rPr>
-              <a:t>&lt;</a:t>
-            </a:r>
-            <a:r>
-              <a:rPr lang="en-US" sz="1400" b="1" dirty="0">
-                <a:latin typeface="Courier New" pitchFamily="49" charset="0"/>
-                <a:cs typeface="Courier New" pitchFamily="49" charset="0"/>
-              </a:rPr>
-              <a:t>plugin&gt;</a:t>
-            </a:r>
-          </a:p>
-          <a:p>
-            <a:r>
-              <a:rPr lang="ru-RU" sz="1400" b="1" dirty="0" smtClean="0">
-                <a:latin typeface="Courier New" pitchFamily="49" charset="0"/>
-                <a:cs typeface="Courier New" pitchFamily="49" charset="0"/>
-              </a:rPr>
-              <a:t>            </a:t>
-            </a:r>
-            <a:r>
-              <a:rPr lang="en-US" sz="1400" b="1" dirty="0" smtClean="0">
-                <a:latin typeface="Courier New" pitchFamily="49" charset="0"/>
-                <a:cs typeface="Courier New" pitchFamily="49" charset="0"/>
-              </a:rPr>
-              <a:t>&lt;</a:t>
-            </a:r>
-            <a:r>
-              <a:rPr lang="en-US" sz="1400" b="1" dirty="0" err="1">
-                <a:latin typeface="Courier New" pitchFamily="49" charset="0"/>
-                <a:cs typeface="Courier New" pitchFamily="49" charset="0"/>
-              </a:rPr>
-              <a:t>groupId</a:t>
-            </a:r>
-            <a:r>
-              <a:rPr lang="en-US" sz="1400" b="1" dirty="0">
-                <a:latin typeface="Courier New" pitchFamily="49" charset="0"/>
-                <a:cs typeface="Courier New" pitchFamily="49" charset="0"/>
-              </a:rPr>
-              <a:t>&gt;</a:t>
-            </a:r>
-            <a:r>
-              <a:rPr lang="en-US" sz="1400" b="1" dirty="0" err="1">
-                <a:latin typeface="Courier New" pitchFamily="49" charset="0"/>
-                <a:cs typeface="Courier New" pitchFamily="49" charset="0"/>
-              </a:rPr>
-              <a:t>org.eclipse.tycho</a:t>
-            </a:r>
-            <a:r>
-              <a:rPr lang="en-US" sz="1400" b="1" dirty="0">
-                <a:latin typeface="Courier New" pitchFamily="49" charset="0"/>
-                <a:cs typeface="Courier New" pitchFamily="49" charset="0"/>
-              </a:rPr>
-              <a:t>&lt;/</a:t>
-            </a:r>
-            <a:r>
-              <a:rPr lang="en-US" sz="1400" b="1" dirty="0" err="1">
-                <a:latin typeface="Courier New" pitchFamily="49" charset="0"/>
-                <a:cs typeface="Courier New" pitchFamily="49" charset="0"/>
-              </a:rPr>
-              <a:t>groupId</a:t>
-            </a:r>
-            <a:r>
-              <a:rPr lang="en-US" sz="1400" b="1" dirty="0">
-                <a:latin typeface="Courier New" pitchFamily="49" charset="0"/>
-                <a:cs typeface="Courier New" pitchFamily="49" charset="0"/>
-              </a:rPr>
-              <a:t>&gt;</a:t>
-            </a:r>
-          </a:p>
-          <a:p>
-            <a:r>
-              <a:rPr lang="ru-RU" sz="1400" b="1" dirty="0" smtClean="0">
-                <a:latin typeface="Courier New" pitchFamily="49" charset="0"/>
-                <a:cs typeface="Courier New" pitchFamily="49" charset="0"/>
-              </a:rPr>
-              <a:t>            </a:t>
-            </a:r>
-            <a:r>
-              <a:rPr lang="en-US" sz="1400" b="1" dirty="0" smtClean="0">
-                <a:latin typeface="Courier New" pitchFamily="49" charset="0"/>
-                <a:cs typeface="Courier New" pitchFamily="49" charset="0"/>
-              </a:rPr>
-              <a:t>&lt;</a:t>
-            </a:r>
-            <a:r>
-              <a:rPr lang="en-US" sz="1400" b="1" dirty="0" err="1">
-                <a:latin typeface="Courier New" pitchFamily="49" charset="0"/>
-                <a:cs typeface="Courier New" pitchFamily="49" charset="0"/>
-              </a:rPr>
-              <a:t>artifactId</a:t>
-            </a:r>
-            <a:r>
-              <a:rPr lang="en-US" sz="1400" b="1" dirty="0">
-                <a:latin typeface="Courier New" pitchFamily="49" charset="0"/>
-                <a:cs typeface="Courier New" pitchFamily="49" charset="0"/>
-              </a:rPr>
-              <a:t>&gt;</a:t>
-            </a:r>
-            <a:r>
-              <a:rPr lang="en-US" sz="1400" b="1" dirty="0" err="1">
-                <a:latin typeface="Courier New" pitchFamily="49" charset="0"/>
-                <a:cs typeface="Courier New" pitchFamily="49" charset="0"/>
-              </a:rPr>
-              <a:t>tycho</a:t>
-            </a:r>
-            <a:r>
-              <a:rPr lang="en-US" sz="1400" b="1" dirty="0">
-                <a:latin typeface="Courier New" pitchFamily="49" charset="0"/>
-                <a:cs typeface="Courier New" pitchFamily="49" charset="0"/>
-              </a:rPr>
-              <a:t>-maven-plugin&lt;/</a:t>
-            </a:r>
-            <a:r>
-              <a:rPr lang="en-US" sz="1400" b="1" dirty="0" err="1">
-                <a:latin typeface="Courier New" pitchFamily="49" charset="0"/>
-                <a:cs typeface="Courier New" pitchFamily="49" charset="0"/>
-              </a:rPr>
-              <a:t>artifactId</a:t>
-            </a:r>
-            <a:r>
-              <a:rPr lang="en-US" sz="1400" b="1" dirty="0">
-                <a:latin typeface="Courier New" pitchFamily="49" charset="0"/>
-                <a:cs typeface="Courier New" pitchFamily="49" charset="0"/>
-              </a:rPr>
-              <a:t>&gt;</a:t>
-            </a:r>
-          </a:p>
-          <a:p>
-            <a:r>
-              <a:rPr lang="ru-RU" sz="1400" b="1" dirty="0" smtClean="0">
-                <a:latin typeface="Courier New" pitchFamily="49" charset="0"/>
-                <a:cs typeface="Courier New" pitchFamily="49" charset="0"/>
-              </a:rPr>
-              <a:t>            </a:t>
-            </a:r>
-            <a:r>
-              <a:rPr lang="en-US" sz="1400" b="1" dirty="0" smtClean="0">
-                <a:latin typeface="Courier New" pitchFamily="49" charset="0"/>
-                <a:cs typeface="Courier New" pitchFamily="49" charset="0"/>
-              </a:rPr>
-              <a:t>&lt;</a:t>
-            </a:r>
-            <a:r>
-              <a:rPr lang="en-US" sz="1400" b="1" dirty="0">
-                <a:latin typeface="Courier New" pitchFamily="49" charset="0"/>
-                <a:cs typeface="Courier New" pitchFamily="49" charset="0"/>
-              </a:rPr>
-              <a:t>version&gt;${</a:t>
-            </a:r>
-            <a:r>
-              <a:rPr lang="en-US" sz="1400" b="1" dirty="0" err="1">
-                <a:latin typeface="Courier New" pitchFamily="49" charset="0"/>
-                <a:cs typeface="Courier New" pitchFamily="49" charset="0"/>
-              </a:rPr>
-              <a:t>tycho</a:t>
-            </a:r>
-            <a:r>
-              <a:rPr lang="en-US" sz="1400" b="1" dirty="0">
-                <a:latin typeface="Courier New" pitchFamily="49" charset="0"/>
-                <a:cs typeface="Courier New" pitchFamily="49" charset="0"/>
-              </a:rPr>
-              <a:t>-version}&lt;/version&gt;</a:t>
-            </a:r>
-          </a:p>
-          <a:p>
-            <a:r>
-              <a:rPr lang="ru-RU" sz="1400" b="1" dirty="0" smtClean="0">
-                <a:latin typeface="Courier New" pitchFamily="49" charset="0"/>
-                <a:cs typeface="Courier New" pitchFamily="49" charset="0"/>
-              </a:rPr>
-              <a:t>            </a:t>
-            </a:r>
-            <a:r>
-              <a:rPr lang="en-US" sz="1400" b="1" dirty="0" smtClean="0">
-                <a:latin typeface="Courier New" pitchFamily="49" charset="0"/>
-                <a:cs typeface="Courier New" pitchFamily="49" charset="0"/>
-              </a:rPr>
-              <a:t>&lt;</a:t>
-            </a:r>
-            <a:r>
-              <a:rPr lang="en-US" sz="1400" b="1" dirty="0">
-                <a:latin typeface="Courier New" pitchFamily="49" charset="0"/>
-                <a:cs typeface="Courier New" pitchFamily="49" charset="0"/>
-              </a:rPr>
-              <a:t>extensions&gt;true&lt;/extensions&gt;</a:t>
-            </a:r>
-          </a:p>
-          <a:p>
-            <a:r>
-              <a:rPr lang="ru-RU" sz="1400" b="1" dirty="0" smtClean="0">
-                <a:latin typeface="Courier New" pitchFamily="49" charset="0"/>
-                <a:cs typeface="Courier New" pitchFamily="49" charset="0"/>
-              </a:rPr>
-              <a:t>        </a:t>
-            </a:r>
-            <a:r>
-              <a:rPr lang="en-US" sz="1400" b="1" dirty="0" smtClean="0">
-                <a:latin typeface="Courier New" pitchFamily="49" charset="0"/>
-                <a:cs typeface="Courier New" pitchFamily="49" charset="0"/>
-              </a:rPr>
-              <a:t>&lt;/</a:t>
-            </a:r>
-            <a:r>
-              <a:rPr lang="en-US" sz="1400" b="1" dirty="0">
-                <a:latin typeface="Courier New" pitchFamily="49" charset="0"/>
-                <a:cs typeface="Courier New" pitchFamily="49" charset="0"/>
-              </a:rPr>
-              <a:t>plugin&gt;</a:t>
-            </a:r>
-          </a:p>
-          <a:p>
-            <a:r>
-              <a:rPr lang="ru-RU" sz="1400" b="1" dirty="0" smtClean="0">
-                <a:latin typeface="Courier New" pitchFamily="49" charset="0"/>
-                <a:cs typeface="Courier New" pitchFamily="49" charset="0"/>
-              </a:rPr>
-              <a:t>    </a:t>
-            </a:r>
-            <a:r>
-              <a:rPr lang="en-US" sz="1400" b="1" dirty="0" smtClean="0">
-                <a:latin typeface="Courier New" pitchFamily="49" charset="0"/>
-                <a:cs typeface="Courier New" pitchFamily="49" charset="0"/>
-              </a:rPr>
-              <a:t>&lt;/</a:t>
-            </a:r>
-            <a:r>
-              <a:rPr lang="en-US" sz="1400" b="1" dirty="0">
-                <a:latin typeface="Courier New" pitchFamily="49" charset="0"/>
-                <a:cs typeface="Courier New" pitchFamily="49" charset="0"/>
-              </a:rPr>
-              <a:t>plugins&gt;</a:t>
-            </a:r>
-          </a:p>
-          <a:p>
-            <a:r>
-              <a:rPr lang="en-US" sz="1400" b="1" dirty="0">
-                <a:latin typeface="Courier New" pitchFamily="49" charset="0"/>
-                <a:cs typeface="Courier New" pitchFamily="49" charset="0"/>
-              </a:rPr>
-              <a:t>&lt;/build&gt;</a:t>
-            </a:r>
+              <a:t># maven clean package –P </a:t>
+            </a:r>
+            <a:r>
+              <a:rPr lang="en-US" sz="1400" b="1" dirty="0" err="1" smtClean="0">
+                <a:latin typeface="Courier New" pitchFamily="49" charset="0"/>
+                <a:cs typeface="Courier New" pitchFamily="49" charset="0"/>
+              </a:rPr>
+              <a:t>wls</a:t>
+            </a:r>
+            <a:endParaRPr lang="en-US" sz="1400" b="1" dirty="0">
+              <a:latin typeface="Courier New" pitchFamily="49" charset="0"/>
+              <a:cs typeface="Courier New" pitchFamily="49" charset="0"/>
+            </a:endParaRPr>
           </a:p>
         </p:txBody>
       </p:sp>
@@ -8902,7 +9077,7 @@
         <p:spPr>
           <a:xfrm>
             <a:off x="428596" y="1000108"/>
-            <a:ext cx="8286808" cy="4247317"/>
+            <a:ext cx="8286808" cy="6247864"/>
           </a:xfrm>
           <a:prstGeom prst="rect">
             <a:avLst/>
@@ -8919,190 +9094,518 @@
               <a:buAutoNum type="arabicPeriod"/>
             </a:pPr>
             <a:r>
-              <a:rPr lang="ru-RU" dirty="0" smtClean="0">
+              <a:rPr lang="ru-RU" sz="1600" dirty="0" smtClean="0">
                 <a:cs typeface="Courier New" pitchFamily="49" charset="0"/>
               </a:rPr>
               <a:t>Создать проект </a:t>
             </a:r>
             <a:r>
-              <a:rPr lang="en-US" dirty="0" smtClean="0">
+              <a:rPr lang="en-US" sz="1600" dirty="0" smtClean="0">
                 <a:cs typeface="Courier New" pitchFamily="49" charset="0"/>
               </a:rPr>
               <a:t>maven </a:t>
             </a:r>
             <a:r>
-              <a:rPr lang="ru-RU" dirty="0" smtClean="0">
+              <a:rPr lang="ru-RU" sz="1600" dirty="0" smtClean="0">
                 <a:cs typeface="Courier New" pitchFamily="49" charset="0"/>
               </a:rPr>
               <a:t>с поддержкой </a:t>
             </a:r>
             <a:r>
-              <a:rPr lang="en-US" dirty="0" smtClean="0">
-                <a:cs typeface="Courier New" pitchFamily="49" charset="0"/>
-              </a:rPr>
-              <a:t>Spring Framework</a:t>
-            </a:r>
-          </a:p>
-          <a:p>
-            <a:endParaRPr lang="ru-RU" dirty="0">
+              <a:rPr lang="en-US" sz="1600" dirty="0" smtClean="0">
+                <a:cs typeface="Courier New" pitchFamily="49" charset="0"/>
+              </a:rPr>
+              <a:t>Spring </a:t>
+            </a:r>
+            <a:r>
+              <a:rPr lang="en-US" sz="1600" dirty="0" smtClean="0">
+                <a:cs typeface="Courier New" pitchFamily="49" charset="0"/>
+              </a:rPr>
+              <a:t>Framework</a:t>
+            </a:r>
+          </a:p>
+          <a:p>
+            <a:pPr marL="800100" lvl="1" indent="-342900">
+              <a:buAutoNum type="arabicPeriod"/>
+            </a:pPr>
+            <a:r>
+              <a:rPr lang="ru-RU" sz="1600" dirty="0" smtClean="0">
+                <a:cs typeface="Courier New" pitchFamily="49" charset="0"/>
+              </a:rPr>
+              <a:t>Корневой проект: </a:t>
+            </a:r>
+            <a:r>
+              <a:rPr lang="en-US" sz="1600" dirty="0" smtClean="0">
+                <a:cs typeface="Courier New" pitchFamily="49" charset="0"/>
+              </a:rPr>
+              <a:t>packaging = </a:t>
+            </a:r>
+            <a:r>
+              <a:rPr lang="en-US" sz="1600" dirty="0" err="1" smtClean="0">
+                <a:cs typeface="Courier New" pitchFamily="49" charset="0"/>
+              </a:rPr>
+              <a:t>pom</a:t>
+            </a:r>
+            <a:r>
+              <a:rPr lang="en-US" sz="1600" dirty="0" smtClean="0">
+                <a:cs typeface="Courier New" pitchFamily="49" charset="0"/>
+              </a:rPr>
+              <a:t>, </a:t>
+            </a:r>
+            <a:r>
+              <a:rPr lang="en-US" sz="1600" dirty="0" err="1" smtClean="0">
+                <a:cs typeface="Courier New" pitchFamily="49" charset="0"/>
+              </a:rPr>
+              <a:t>groupId</a:t>
+            </a:r>
+            <a:r>
+              <a:rPr lang="en-US" sz="1600" dirty="0" smtClean="0">
+                <a:cs typeface="Courier New" pitchFamily="49" charset="0"/>
+              </a:rPr>
+              <a:t> = </a:t>
+            </a:r>
+            <a:r>
+              <a:rPr lang="en-US" sz="1600" dirty="0" err="1" smtClean="0">
+                <a:cs typeface="Courier New" pitchFamily="49" charset="0"/>
+              </a:rPr>
+              <a:t>ru</a:t>
+            </a:r>
+            <a:r>
+              <a:rPr lang="en-US" sz="1600" dirty="0" smtClean="0">
+                <a:cs typeface="Courier New" pitchFamily="49" charset="0"/>
+              </a:rPr>
+              <a:t>.&lt;surname&gt;.&lt;initials&gt;, </a:t>
+            </a:r>
+            <a:r>
+              <a:rPr lang="en-US" sz="1600" dirty="0" err="1" smtClean="0">
+                <a:cs typeface="Courier New" pitchFamily="49" charset="0"/>
+              </a:rPr>
+              <a:t>artifactId</a:t>
+            </a:r>
+            <a:r>
+              <a:rPr lang="en-US" sz="1600" dirty="0" smtClean="0">
+                <a:cs typeface="Courier New" pitchFamily="49" charset="0"/>
+              </a:rPr>
+              <a:t> = mart-parent, version = 1.0</a:t>
+            </a:r>
+          </a:p>
+          <a:p>
+            <a:pPr marL="800100" lvl="1" indent="-342900">
+              <a:buAutoNum type="arabicPeriod"/>
+            </a:pPr>
+            <a:r>
+              <a:rPr lang="ru-RU" sz="1600" dirty="0" smtClean="0">
+                <a:cs typeface="Courier New" pitchFamily="49" charset="0"/>
+              </a:rPr>
+              <a:t>Дочерний проект</a:t>
+            </a:r>
+            <a:r>
+              <a:rPr lang="en-US" sz="1600" dirty="0" smtClean="0">
+                <a:cs typeface="Courier New" pitchFamily="49" charset="0"/>
+              </a:rPr>
+              <a:t>: packaging = jar, </a:t>
+            </a:r>
+            <a:r>
+              <a:rPr lang="en-US" sz="1600" dirty="0" err="1" smtClean="0">
+                <a:cs typeface="Courier New" pitchFamily="49" charset="0"/>
+              </a:rPr>
+              <a:t>groupId</a:t>
+            </a:r>
+            <a:r>
+              <a:rPr lang="en-US" sz="1600" dirty="0" smtClean="0">
+                <a:cs typeface="Courier New" pitchFamily="49" charset="0"/>
+              </a:rPr>
+              <a:t> = </a:t>
+            </a:r>
+            <a:r>
+              <a:rPr lang="en-US" sz="1600" dirty="0" err="1" smtClean="0">
+                <a:cs typeface="Courier New" pitchFamily="49" charset="0"/>
+              </a:rPr>
+              <a:t>ru</a:t>
+            </a:r>
+            <a:r>
+              <a:rPr lang="en-US" sz="1600" dirty="0" smtClean="0">
+                <a:cs typeface="Courier New" pitchFamily="49" charset="0"/>
+              </a:rPr>
+              <a:t>.&lt;surname&gt;.&lt;initials&gt;, </a:t>
+            </a:r>
+            <a:r>
+              <a:rPr lang="en-US" sz="1600" dirty="0" err="1" smtClean="0">
+                <a:cs typeface="Courier New" pitchFamily="49" charset="0"/>
+              </a:rPr>
+              <a:t>artifactId</a:t>
+            </a:r>
+            <a:r>
+              <a:rPr lang="en-US" sz="1600" dirty="0" smtClean="0">
+                <a:cs typeface="Courier New" pitchFamily="49" charset="0"/>
+              </a:rPr>
+              <a:t> = lec1, version = 1.0</a:t>
+            </a:r>
+          </a:p>
+          <a:p>
+            <a:pPr marL="342900" indent="-342900">
+              <a:buAutoNum type="arabicPeriod"/>
+            </a:pPr>
+            <a:r>
+              <a:rPr lang="ru-RU" sz="1600" dirty="0" smtClean="0">
+                <a:cs typeface="Courier New" pitchFamily="49" charset="0"/>
+              </a:rPr>
+              <a:t>Создать </a:t>
+            </a:r>
+            <a:r>
+              <a:rPr lang="ru-RU" sz="1600" dirty="0" smtClean="0">
+                <a:cs typeface="Courier New" pitchFamily="49" charset="0"/>
+              </a:rPr>
+              <a:t>необходимые классы, интерфейсы, определения </a:t>
+            </a:r>
+            <a:r>
+              <a:rPr lang="en-US" sz="1600" dirty="0" smtClean="0">
+                <a:cs typeface="Courier New" pitchFamily="49" charset="0"/>
+              </a:rPr>
+              <a:t>bean’</a:t>
+            </a:r>
+            <a:r>
+              <a:rPr lang="ru-RU" sz="1600" dirty="0" err="1" smtClean="0">
+                <a:cs typeface="Courier New" pitchFamily="49" charset="0"/>
+              </a:rPr>
+              <a:t>ов</a:t>
+            </a:r>
+            <a:r>
+              <a:rPr lang="ru-RU" sz="1600" dirty="0" smtClean="0">
+                <a:cs typeface="Courier New" pitchFamily="49" charset="0"/>
+              </a:rPr>
+              <a:t> согласно определению </a:t>
+            </a:r>
+            <a:r>
+              <a:rPr lang="ru-RU" sz="1600" dirty="0" smtClean="0">
+                <a:cs typeface="Courier New" pitchFamily="49" charset="0"/>
+              </a:rPr>
+              <a:t>задачи:</a:t>
+            </a:r>
+            <a:endParaRPr lang="en-US" sz="1600" dirty="0" smtClean="0">
               <a:cs typeface="Courier New" pitchFamily="49" charset="0"/>
             </a:endParaRPr>
           </a:p>
           <a:p>
-            <a:r>
-              <a:rPr lang="ru-RU" dirty="0" smtClean="0">
-                <a:cs typeface="Courier New" pitchFamily="49" charset="0"/>
-              </a:rPr>
-              <a:t>2. Создать необходимые классы, интерфейсы, определения </a:t>
-            </a:r>
-            <a:r>
-              <a:rPr lang="en-US" dirty="0" smtClean="0">
-                <a:cs typeface="Courier New" pitchFamily="49" charset="0"/>
-              </a:rPr>
-              <a:t>bean’</a:t>
-            </a:r>
-            <a:r>
-              <a:rPr lang="ru-RU" dirty="0" err="1" smtClean="0">
-                <a:cs typeface="Courier New" pitchFamily="49" charset="0"/>
-              </a:rPr>
-              <a:t>ов</a:t>
-            </a:r>
-            <a:r>
-              <a:rPr lang="ru-RU" dirty="0" smtClean="0">
-                <a:cs typeface="Courier New" pitchFamily="49" charset="0"/>
-              </a:rPr>
-              <a:t> согласно определению задачи:</a:t>
-            </a:r>
-          </a:p>
-          <a:p>
-            <a:endParaRPr lang="ru-RU" dirty="0">
+            <a:pPr marL="800100" lvl="1" indent="-342900">
+              <a:buAutoNum type="arabicPeriod"/>
+            </a:pPr>
+            <a:r>
+              <a:rPr lang="ru-RU" sz="1600" dirty="0" smtClean="0">
+                <a:cs typeface="Courier New" pitchFamily="49" charset="0"/>
+              </a:rPr>
+              <a:t>Интерфейс склада </a:t>
+            </a:r>
+            <a:r>
+              <a:rPr lang="en-US" sz="1600" dirty="0" err="1" smtClean="0">
+                <a:cs typeface="Courier New" pitchFamily="49" charset="0"/>
+              </a:rPr>
+              <a:t>IWarehouse</a:t>
+            </a:r>
+            <a:endParaRPr lang="en-US" sz="1600" dirty="0" smtClean="0">
               <a:cs typeface="Courier New" pitchFamily="49" charset="0"/>
             </a:endParaRPr>
           </a:p>
           <a:p>
-            <a:r>
-              <a:rPr lang="ru-RU" dirty="0" smtClean="0">
-                <a:cs typeface="Courier New" pitchFamily="49" charset="0"/>
-              </a:rPr>
-              <a:t>Есть склад (</a:t>
-            </a:r>
-            <a:r>
-              <a:rPr lang="en-US" dirty="0" smtClean="0">
-                <a:cs typeface="Courier New" pitchFamily="49" charset="0"/>
-              </a:rPr>
-              <a:t>Warehouse)</a:t>
-            </a:r>
-            <a:r>
-              <a:rPr lang="ru-RU" dirty="0" smtClean="0">
-                <a:cs typeface="Courier New" pitchFamily="49" charset="0"/>
-              </a:rPr>
-              <a:t>, на нем могут хранится товары (</a:t>
-            </a:r>
-            <a:r>
-              <a:rPr lang="en-US" dirty="0" smtClean="0">
-                <a:cs typeface="Courier New" pitchFamily="49" charset="0"/>
-              </a:rPr>
-              <a:t>Goods) </a:t>
-            </a:r>
-            <a:r>
-              <a:rPr lang="ru-RU" dirty="0" smtClean="0">
-                <a:cs typeface="Courier New" pitchFamily="49" charset="0"/>
-              </a:rPr>
-              <a:t>различных категорий (</a:t>
-            </a:r>
-            <a:r>
-              <a:rPr lang="en-US" dirty="0" smtClean="0">
-                <a:cs typeface="Courier New" pitchFamily="49" charset="0"/>
-              </a:rPr>
-              <a:t>Categories). </a:t>
-            </a:r>
-            <a:r>
-              <a:rPr lang="ru-RU" dirty="0" smtClean="0">
-                <a:cs typeface="Courier New" pitchFamily="49" charset="0"/>
-              </a:rPr>
-              <a:t>Товары имеют количество в единицах (</a:t>
-            </a:r>
-            <a:r>
-              <a:rPr lang="en-US" dirty="0" smtClean="0">
-                <a:cs typeface="Courier New" pitchFamily="49" charset="0"/>
-              </a:rPr>
-              <a:t>quantity, </a:t>
-            </a:r>
-            <a:r>
-              <a:rPr lang="en-US" dirty="0" err="1" smtClean="0">
-                <a:cs typeface="Courier New" pitchFamily="49" charset="0"/>
-              </a:rPr>
-              <a:t>qty</a:t>
-            </a:r>
-            <a:r>
-              <a:rPr lang="en-US" dirty="0" smtClean="0">
-                <a:cs typeface="Courier New" pitchFamily="49" charset="0"/>
-              </a:rPr>
-              <a:t>) </a:t>
-            </a:r>
-            <a:r>
-              <a:rPr lang="ru-RU" dirty="0" smtClean="0">
-                <a:cs typeface="Courier New" pitchFamily="49" charset="0"/>
-              </a:rPr>
-              <a:t>и цену за штуку (</a:t>
-            </a:r>
-            <a:r>
-              <a:rPr lang="en-US" dirty="0" smtClean="0">
-                <a:cs typeface="Courier New" pitchFamily="49" charset="0"/>
-              </a:rPr>
-              <a:t>price)</a:t>
-            </a:r>
-            <a:r>
-              <a:rPr lang="ru-RU" dirty="0" smtClean="0">
-                <a:cs typeface="Courier New" pitchFamily="49" charset="0"/>
-              </a:rPr>
-              <a:t>. Товары на склад могут поступать, товары со склада можно забирать. В каждый момент времени мы можем получить выписку о товарах на складе.</a:t>
-            </a:r>
-          </a:p>
-          <a:p>
-            <a:endParaRPr lang="ru-RU" dirty="0">
+            <a:pPr marL="1257300" lvl="2" indent="-342900">
+              <a:buAutoNum type="arabicPeriod"/>
+            </a:pPr>
+            <a:r>
+              <a:rPr lang="en-US" sz="1600" dirty="0" smtClean="0">
+                <a:cs typeface="Courier New" pitchFamily="49" charset="0"/>
+              </a:rPr>
+              <a:t>void </a:t>
+            </a:r>
+            <a:r>
+              <a:rPr lang="en-US" sz="1600" dirty="0" err="1" smtClean="0">
+                <a:cs typeface="Courier New" pitchFamily="49" charset="0"/>
+              </a:rPr>
+              <a:t>addProduct</a:t>
+            </a:r>
+            <a:r>
+              <a:rPr lang="en-US" sz="1600" dirty="0" smtClean="0">
+                <a:cs typeface="Courier New" pitchFamily="49" charset="0"/>
+              </a:rPr>
+              <a:t>( </a:t>
+            </a:r>
+            <a:r>
+              <a:rPr lang="en-US" sz="1600" dirty="0" err="1" smtClean="0">
+                <a:cs typeface="Courier New" pitchFamily="49" charset="0"/>
+              </a:rPr>
+              <a:t>IProduct</a:t>
+            </a:r>
+            <a:r>
+              <a:rPr lang="en-US" sz="1600" dirty="0" smtClean="0">
+                <a:cs typeface="Courier New" pitchFamily="49" charset="0"/>
+              </a:rPr>
+              <a:t> product, double quantity )</a:t>
+            </a:r>
+          </a:p>
+          <a:p>
+            <a:pPr marL="1257300" lvl="2" indent="-342900">
+              <a:buAutoNum type="arabicPeriod"/>
+            </a:pPr>
+            <a:r>
+              <a:rPr lang="en-US" sz="1600" dirty="0" smtClean="0">
+                <a:cs typeface="Courier New" pitchFamily="49" charset="0"/>
+              </a:rPr>
+              <a:t>double </a:t>
+            </a:r>
+            <a:r>
+              <a:rPr lang="en-US" sz="1600" dirty="0" err="1" smtClean="0">
+                <a:cs typeface="Courier New" pitchFamily="49" charset="0"/>
+              </a:rPr>
+              <a:t>removeProduct</a:t>
+            </a:r>
+            <a:r>
+              <a:rPr lang="en-US" sz="1600" dirty="0" smtClean="0">
+                <a:cs typeface="Courier New" pitchFamily="49" charset="0"/>
+              </a:rPr>
+              <a:t>( </a:t>
+            </a:r>
+            <a:r>
+              <a:rPr lang="en-US" sz="1600" dirty="0" err="1" smtClean="0">
+                <a:cs typeface="Courier New" pitchFamily="49" charset="0"/>
+              </a:rPr>
+              <a:t>IProduct</a:t>
+            </a:r>
+            <a:r>
+              <a:rPr lang="en-US" sz="1600" dirty="0" smtClean="0">
+                <a:cs typeface="Courier New" pitchFamily="49" charset="0"/>
+              </a:rPr>
+              <a:t> product )</a:t>
+            </a:r>
+          </a:p>
+          <a:p>
+            <a:pPr marL="1257300" lvl="2" indent="-342900">
+              <a:buAutoNum type="arabicPeriod"/>
+            </a:pPr>
+            <a:r>
+              <a:rPr lang="en-US" sz="1600" dirty="0" smtClean="0">
+                <a:cs typeface="Courier New" pitchFamily="49" charset="0"/>
+              </a:rPr>
+              <a:t>List&lt; String &gt; </a:t>
+            </a:r>
+            <a:r>
+              <a:rPr lang="en-US" sz="1600" dirty="0" err="1" smtClean="0">
+                <a:cs typeface="Courier New" pitchFamily="49" charset="0"/>
+              </a:rPr>
+              <a:t>listProducts</a:t>
+            </a:r>
+            <a:r>
+              <a:rPr lang="en-US" sz="1600" dirty="0" smtClean="0">
+                <a:cs typeface="Courier New" pitchFamily="49" charset="0"/>
+              </a:rPr>
+              <a:t>( )</a:t>
+            </a:r>
+          </a:p>
+          <a:p>
+            <a:pPr marL="800100" lvl="1" indent="-342900">
+              <a:buAutoNum type="arabicPeriod"/>
+            </a:pPr>
+            <a:r>
+              <a:rPr lang="ru-RU" sz="1600" dirty="0" smtClean="0">
+                <a:cs typeface="Courier New" pitchFamily="49" charset="0"/>
+              </a:rPr>
+              <a:t>Интерфейс категории </a:t>
+            </a:r>
+            <a:r>
+              <a:rPr lang="en-US" sz="1600" dirty="0" err="1" smtClean="0">
+                <a:cs typeface="Courier New" pitchFamily="49" charset="0"/>
+              </a:rPr>
+              <a:t>ICategory</a:t>
+            </a:r>
+            <a:endParaRPr lang="en-US" sz="1600" dirty="0" smtClean="0">
               <a:cs typeface="Courier New" pitchFamily="49" charset="0"/>
             </a:endParaRPr>
           </a:p>
           <a:p>
-            <a:r>
-              <a:rPr lang="ru-RU" dirty="0" smtClean="0">
-                <a:cs typeface="Courier New" pitchFamily="49" charset="0"/>
-              </a:rPr>
-              <a:t>Предусмотреть возможность изменения типа склада.</a:t>
-            </a:r>
-          </a:p>
-          <a:p>
-            <a:endParaRPr lang="ru-RU" dirty="0">
+            <a:pPr marL="1257300" lvl="2" indent="-342900">
+              <a:buAutoNum type="arabicPeriod"/>
+            </a:pPr>
+            <a:r>
+              <a:rPr lang="en-US" sz="1600" dirty="0" smtClean="0">
+                <a:cs typeface="Courier New" pitchFamily="49" charset="0"/>
+              </a:rPr>
+              <a:t>String </a:t>
+            </a:r>
+            <a:r>
+              <a:rPr lang="en-US" sz="1600" dirty="0" err="1" smtClean="0">
+                <a:cs typeface="Courier New" pitchFamily="49" charset="0"/>
+              </a:rPr>
+              <a:t>getName</a:t>
+            </a:r>
+            <a:r>
+              <a:rPr lang="en-US" sz="1600" dirty="0" smtClean="0">
+                <a:cs typeface="Courier New" pitchFamily="49" charset="0"/>
+              </a:rPr>
+              <a:t>( )</a:t>
+            </a:r>
+          </a:p>
+          <a:p>
+            <a:pPr marL="800100" lvl="1" indent="-342900">
+              <a:buAutoNum type="arabicPeriod"/>
+            </a:pPr>
+            <a:r>
+              <a:rPr lang="ru-RU" sz="1600" dirty="0" smtClean="0">
+                <a:cs typeface="Courier New" pitchFamily="49" charset="0"/>
+              </a:rPr>
+              <a:t>Интерфейс товара </a:t>
+            </a:r>
+            <a:r>
+              <a:rPr lang="en-US" sz="1600" dirty="0" err="1" smtClean="0">
+                <a:cs typeface="Courier New" pitchFamily="49" charset="0"/>
+              </a:rPr>
+              <a:t>IProduct</a:t>
+            </a:r>
+            <a:endParaRPr lang="en-US" sz="1600" dirty="0" smtClean="0">
               <a:cs typeface="Courier New" pitchFamily="49" charset="0"/>
             </a:endParaRPr>
           </a:p>
           <a:p>
-            <a:r>
-              <a:rPr lang="ru-RU" dirty="0" smtClean="0">
+            <a:pPr marL="1257300" lvl="2" indent="-342900">
+              <a:buAutoNum type="arabicPeriod"/>
+            </a:pPr>
+            <a:r>
+              <a:rPr lang="en-US" sz="1600" dirty="0" smtClean="0">
+                <a:cs typeface="Courier New" pitchFamily="49" charset="0"/>
+              </a:rPr>
+              <a:t>String </a:t>
+            </a:r>
+            <a:r>
+              <a:rPr lang="en-US" sz="1600" dirty="0" err="1" smtClean="0">
+                <a:cs typeface="Courier New" pitchFamily="49" charset="0"/>
+              </a:rPr>
+              <a:t>getName</a:t>
+            </a:r>
+            <a:r>
+              <a:rPr lang="en-US" sz="1600" dirty="0" smtClean="0">
+                <a:cs typeface="Courier New" pitchFamily="49" charset="0"/>
+              </a:rPr>
+              <a:t>( )</a:t>
+            </a:r>
+          </a:p>
+          <a:p>
+            <a:pPr marL="1257300" lvl="2" indent="-342900">
+              <a:buAutoNum type="arabicPeriod"/>
+            </a:pPr>
+            <a:r>
+              <a:rPr lang="en-US" sz="1600" dirty="0" err="1" smtClean="0">
+                <a:cs typeface="Courier New" pitchFamily="49" charset="0"/>
+              </a:rPr>
+              <a:t>ICategory</a:t>
+            </a:r>
+            <a:r>
+              <a:rPr lang="en-US" sz="1600" dirty="0" smtClean="0">
+                <a:cs typeface="Courier New" pitchFamily="49" charset="0"/>
+              </a:rPr>
+              <a:t> </a:t>
+            </a:r>
+            <a:r>
+              <a:rPr lang="en-US" sz="1600" dirty="0" err="1" smtClean="0">
+                <a:cs typeface="Courier New" pitchFamily="49" charset="0"/>
+              </a:rPr>
+              <a:t>getCategory</a:t>
+            </a:r>
+            <a:r>
+              <a:rPr lang="en-US" sz="1600" dirty="0" smtClean="0">
+                <a:cs typeface="Courier New" pitchFamily="49" charset="0"/>
+              </a:rPr>
+              <a:t>( )</a:t>
+            </a:r>
+          </a:p>
+          <a:p>
+            <a:pPr marL="1257300" lvl="2" indent="-342900">
+              <a:buAutoNum type="arabicPeriod"/>
+            </a:pPr>
+            <a:r>
+              <a:rPr lang="en-US" sz="1600" dirty="0" smtClean="0">
+                <a:cs typeface="Courier New" pitchFamily="49" charset="0"/>
+              </a:rPr>
+              <a:t>double </a:t>
+            </a:r>
+            <a:r>
+              <a:rPr lang="en-US" sz="1600" dirty="0" err="1" smtClean="0">
+                <a:cs typeface="Courier New" pitchFamily="49" charset="0"/>
+              </a:rPr>
+              <a:t>getPrice</a:t>
+            </a:r>
+            <a:r>
+              <a:rPr lang="en-US" sz="1600" dirty="0" smtClean="0">
+                <a:cs typeface="Courier New" pitchFamily="49" charset="0"/>
+              </a:rPr>
+              <a:t>( )</a:t>
+            </a:r>
+            <a:endParaRPr lang="en-US" sz="1600" dirty="0" smtClean="0">
+              <a:cs typeface="Courier New" pitchFamily="49" charset="0"/>
+            </a:endParaRPr>
+          </a:p>
+          <a:p>
+            <a:pPr marL="1257300" lvl="2" indent="-342900">
+              <a:buAutoNum type="arabicPeriod"/>
+            </a:pPr>
+            <a:endParaRPr lang="ru-RU" sz="1600" dirty="0" smtClean="0">
+              <a:cs typeface="Courier New" pitchFamily="49" charset="0"/>
+            </a:endParaRPr>
+          </a:p>
+          <a:p>
+            <a:r>
+              <a:rPr lang="ru-RU" sz="1600" dirty="0" smtClean="0">
+                <a:cs typeface="Courier New" pitchFamily="49" charset="0"/>
+              </a:rPr>
+              <a:t>Количество товара не является свойством товара, это свойство товара на складе. Товары </a:t>
+            </a:r>
+            <a:r>
+              <a:rPr lang="ru-RU" sz="1600" dirty="0" smtClean="0">
+                <a:cs typeface="Courier New" pitchFamily="49" charset="0"/>
+              </a:rPr>
+              <a:t>на склад могут поступать, товары со склада можно забирать. В каждый момент времени мы можем получить выписку о товарах на складе.</a:t>
+            </a:r>
+          </a:p>
+          <a:p>
+            <a:endParaRPr lang="ru-RU" sz="1600" dirty="0">
+              <a:cs typeface="Courier New" pitchFamily="49" charset="0"/>
+            </a:endParaRPr>
+          </a:p>
+          <a:p>
+            <a:r>
+              <a:rPr lang="ru-RU" sz="1600" dirty="0" smtClean="0">
+                <a:cs typeface="Courier New" pitchFamily="49" charset="0"/>
+              </a:rPr>
+              <a:t>Предусмотреть возможность изменения типа склада.</a:t>
+            </a:r>
+          </a:p>
+          <a:p>
+            <a:endParaRPr lang="ru-RU" sz="1600" dirty="0">
+              <a:cs typeface="Courier New" pitchFamily="49" charset="0"/>
+            </a:endParaRPr>
+          </a:p>
+          <a:p>
+            <a:r>
+              <a:rPr lang="ru-RU" sz="1600" dirty="0" smtClean="0">
                 <a:cs typeface="Courier New" pitchFamily="49" charset="0"/>
               </a:rPr>
               <a:t>Задачу оформить в виде проекта. Проверятся будут классы и определения </a:t>
             </a:r>
             <a:r>
-              <a:rPr lang="en-US" dirty="0" smtClean="0">
+              <a:rPr lang="en-US" sz="1600" dirty="0" smtClean="0">
                 <a:cs typeface="Courier New" pitchFamily="49" charset="0"/>
               </a:rPr>
               <a:t>bean’</a:t>
             </a:r>
             <a:r>
-              <a:rPr lang="ru-RU" dirty="0" err="1" smtClean="0">
+              <a:rPr lang="ru-RU" sz="1600" dirty="0" err="1" smtClean="0">
                 <a:cs typeface="Courier New" pitchFamily="49" charset="0"/>
               </a:rPr>
               <a:t>ов</a:t>
             </a:r>
             <a:r>
-              <a:rPr lang="ru-RU" dirty="0" smtClean="0">
+              <a:rPr lang="ru-RU" sz="1600" dirty="0" smtClean="0">
                 <a:cs typeface="Courier New" pitchFamily="49" charset="0"/>
               </a:rPr>
               <a:t>.</a:t>
             </a:r>
-            <a:endParaRPr lang="en-US" dirty="0" smtClean="0">
+            <a:endParaRPr lang="en-US" sz="1600" dirty="0" smtClean="0">
               <a:cs typeface="Courier New" pitchFamily="49" charset="0"/>
             </a:endParaRPr>
           </a:p>
@@ -9112,6 +9615,404 @@
     <p:extLst>
       <p:ext uri="{BB962C8B-B14F-4D97-AF65-F5344CB8AC3E}">
         <p14:creationId xmlns:p14="http://schemas.microsoft.com/office/powerpoint/2010/main" val="3240445498"/>
+      </p:ext>
+    </p:extLst>
+  </p:cSld>
+  <p:clrMapOvr>
+    <a:masterClrMapping/>
+  </p:clrMapOvr>
+  <p:timing>
+    <p:tnLst>
+      <p:par>
+        <p:cTn id="1" dur="indefinite" restart="never" nodeType="tmRoot"/>
+      </p:par>
+    </p:tnLst>
+  </p:timing>
+</p:sld>
+</file>
+
+<file path=ppt/slides/slide24.xml><?xml version="1.0" encoding="utf-8"?>
+<p:sld xmlns:a="http://schemas.openxmlformats.org/drawingml/2006/main" xmlns:r="http://schemas.openxmlformats.org/officeDocument/2006/relationships" xmlns:p="http://schemas.openxmlformats.org/presentationml/2006/main">
+  <p:cSld>
+    <p:spTree>
+      <p:nvGrpSpPr>
+        <p:cNvPr id="1" name=""/>
+        <p:cNvGrpSpPr/>
+        <p:nvPr/>
+      </p:nvGrpSpPr>
+      <p:grpSpPr>
+        <a:xfrm>
+          <a:off x="0" y="0"/>
+          <a:ext cx="0" cy="0"/>
+          <a:chOff x="0" y="0"/>
+          <a:chExt cx="0" cy="0"/>
+        </a:xfrm>
+      </p:grpSpPr>
+      <p:sp>
+        <p:nvSpPr>
+          <p:cNvPr id="2" name="Title 1"/>
+          <p:cNvSpPr>
+            <a:spLocks noGrp="1"/>
+          </p:cNvSpPr>
+          <p:nvPr>
+            <p:ph type="title"/>
+          </p:nvPr>
+        </p:nvSpPr>
+        <p:spPr>
+          <a:xfrm>
+            <a:off x="457200" y="274638"/>
+            <a:ext cx="8229600" cy="439718"/>
+          </a:xfrm>
+          <a:ln>
+            <a:noFill/>
+          </a:ln>
+        </p:spPr>
+        <p:txBody>
+          <a:bodyPr>
+            <a:normAutofit fontScale="90000"/>
+          </a:bodyPr>
+          <a:lstStyle/>
+          <a:p>
+            <a:pPr algn="l"/>
+            <a:r>
+              <a:rPr lang="ru-RU" sz="3200" dirty="0" smtClean="0"/>
+              <a:t>Задача</a:t>
+            </a:r>
+            <a:endParaRPr lang="ru-RU" sz="3200" dirty="0"/>
+          </a:p>
+        </p:txBody>
+      </p:sp>
+      <p:cxnSp>
+        <p:nvCxnSpPr>
+          <p:cNvPr id="7" name="Straight Connector 6"/>
+          <p:cNvCxnSpPr/>
+          <p:nvPr/>
+        </p:nvCxnSpPr>
+        <p:spPr>
+          <a:xfrm>
+            <a:off x="428596" y="714356"/>
+            <a:ext cx="8286808" cy="1588"/>
+          </a:xfrm>
+          <a:prstGeom prst="line">
+            <a:avLst/>
+          </a:prstGeom>
+          <a:ln>
+            <a:solidFill>
+              <a:schemeClr val="tx1"/>
+            </a:solidFill>
+          </a:ln>
+        </p:spPr>
+        <p:style>
+          <a:lnRef idx="1">
+            <a:schemeClr val="accent1"/>
+          </a:lnRef>
+          <a:fillRef idx="0">
+            <a:schemeClr val="accent1"/>
+          </a:fillRef>
+          <a:effectRef idx="0">
+            <a:schemeClr val="accent1"/>
+          </a:effectRef>
+          <a:fontRef idx="minor">
+            <a:schemeClr val="tx1"/>
+          </a:fontRef>
+        </p:style>
+      </p:cxnSp>
+      <p:sp>
+        <p:nvSpPr>
+          <p:cNvPr id="10" name="TextBox 9"/>
+          <p:cNvSpPr txBox="1"/>
+          <p:nvPr/>
+        </p:nvSpPr>
+        <p:spPr>
+          <a:xfrm>
+            <a:off x="428596" y="1000108"/>
+            <a:ext cx="8286808" cy="1323439"/>
+          </a:xfrm>
+          <a:prstGeom prst="rect">
+            <a:avLst/>
+          </a:prstGeom>
+          <a:noFill/>
+        </p:spPr>
+        <p:txBody>
+          <a:bodyPr wrap="square" rtlCol="0">
+            <a:spAutoFit/>
+          </a:bodyPr>
+          <a:lstStyle/>
+          <a:p>
+            <a:r>
+              <a:rPr lang="ru-RU" sz="1600" dirty="0" smtClean="0">
+                <a:cs typeface="Courier New" pitchFamily="49" charset="0"/>
+              </a:rPr>
+              <a:t>Предусмотреть </a:t>
+            </a:r>
+            <a:r>
+              <a:rPr lang="ru-RU" sz="1600" dirty="0" smtClean="0">
+                <a:cs typeface="Courier New" pitchFamily="49" charset="0"/>
+              </a:rPr>
+              <a:t>возможность изменения типа склада</a:t>
+            </a:r>
+            <a:r>
+              <a:rPr lang="ru-RU" sz="1600" dirty="0" smtClean="0">
+                <a:cs typeface="Courier New" pitchFamily="49" charset="0"/>
+              </a:rPr>
+              <a:t>. Под этим понимается другая реализация интерфейса склада.</a:t>
+            </a:r>
+            <a:r>
+              <a:rPr lang="en-US" sz="1600" dirty="0" smtClean="0">
+                <a:cs typeface="Courier New" pitchFamily="49" charset="0"/>
+              </a:rPr>
+              <a:t> </a:t>
+            </a:r>
+            <a:r>
+              <a:rPr lang="ru-RU" sz="1600" dirty="0" smtClean="0">
+                <a:cs typeface="Courier New" pitchFamily="49" charset="0"/>
+              </a:rPr>
+              <a:t>Проверяться будет наличие двух разных вариантов реализации склада, а также возможность их замены через определение </a:t>
+            </a:r>
+            <a:r>
+              <a:rPr lang="en-US" sz="1600" dirty="0" smtClean="0">
+                <a:cs typeface="Courier New" pitchFamily="49" charset="0"/>
+              </a:rPr>
+              <a:t>bean’</a:t>
+            </a:r>
+            <a:r>
+              <a:rPr lang="ru-RU" sz="1600" dirty="0" err="1" smtClean="0">
+                <a:cs typeface="Courier New" pitchFamily="49" charset="0"/>
+              </a:rPr>
+              <a:t>ов</a:t>
+            </a:r>
+            <a:r>
+              <a:rPr lang="ru-RU" sz="1600" dirty="0" smtClean="0">
+                <a:cs typeface="Courier New" pitchFamily="49" charset="0"/>
+              </a:rPr>
+              <a:t>.</a:t>
+            </a:r>
+            <a:endParaRPr lang="ru-RU" sz="1600" dirty="0" smtClean="0">
+              <a:cs typeface="Courier New" pitchFamily="49" charset="0"/>
+            </a:endParaRPr>
+          </a:p>
+          <a:p>
+            <a:endParaRPr lang="ru-RU" sz="1600" dirty="0">
+              <a:cs typeface="Courier New" pitchFamily="49" charset="0"/>
+            </a:endParaRPr>
+          </a:p>
+          <a:p>
+            <a:r>
+              <a:rPr lang="ru-RU" sz="1600" dirty="0" smtClean="0">
+                <a:cs typeface="Courier New" pitchFamily="49" charset="0"/>
+              </a:rPr>
+              <a:t>Задачу оформить в виде проекта</a:t>
+            </a:r>
+            <a:r>
+              <a:rPr lang="ru-RU" sz="1600" dirty="0" smtClean="0">
+                <a:cs typeface="Courier New" pitchFamily="49" charset="0"/>
+              </a:rPr>
+              <a:t>. </a:t>
+            </a:r>
+            <a:r>
+              <a:rPr lang="ru-RU" sz="1600" dirty="0" smtClean="0">
+                <a:cs typeface="Courier New" pitchFamily="49" charset="0"/>
+              </a:rPr>
+              <a:t>Проверятся будут классы и определения </a:t>
+            </a:r>
+            <a:r>
+              <a:rPr lang="en-US" sz="1600" dirty="0" smtClean="0">
+                <a:cs typeface="Courier New" pitchFamily="49" charset="0"/>
+              </a:rPr>
+              <a:t>bean’</a:t>
+            </a:r>
+            <a:r>
+              <a:rPr lang="ru-RU" sz="1600" dirty="0" err="1" smtClean="0">
+                <a:cs typeface="Courier New" pitchFamily="49" charset="0"/>
+              </a:rPr>
+              <a:t>ов</a:t>
+            </a:r>
+            <a:r>
+              <a:rPr lang="ru-RU" sz="1600" dirty="0" smtClean="0">
+                <a:cs typeface="Courier New" pitchFamily="49" charset="0"/>
+              </a:rPr>
+              <a:t>.</a:t>
+            </a:r>
+            <a:endParaRPr lang="en-US" sz="1600" dirty="0" smtClean="0">
+              <a:cs typeface="Courier New" pitchFamily="49" charset="0"/>
+            </a:endParaRPr>
+          </a:p>
+        </p:txBody>
+      </p:sp>
+    </p:spTree>
+    <p:extLst>
+      <p:ext uri="{BB962C8B-B14F-4D97-AF65-F5344CB8AC3E}">
+        <p14:creationId xmlns:p14="http://schemas.microsoft.com/office/powerpoint/2010/main" val="930694554"/>
+      </p:ext>
+    </p:extLst>
+  </p:cSld>
+  <p:clrMapOvr>
+    <a:masterClrMapping/>
+  </p:clrMapOvr>
+  <p:timing>
+    <p:tnLst>
+      <p:par>
+        <p:cTn id="1" dur="indefinite" restart="never" nodeType="tmRoot"/>
+      </p:par>
+    </p:tnLst>
+  </p:timing>
+</p:sld>
+</file>
+
+<file path=ppt/slides/slide25.xml><?xml version="1.0" encoding="utf-8"?>
+<p:sld xmlns:a="http://schemas.openxmlformats.org/drawingml/2006/main" xmlns:r="http://schemas.openxmlformats.org/officeDocument/2006/relationships" xmlns:p="http://schemas.openxmlformats.org/presentationml/2006/main">
+  <p:cSld>
+    <p:spTree>
+      <p:nvGrpSpPr>
+        <p:cNvPr id="1" name=""/>
+        <p:cNvGrpSpPr/>
+        <p:nvPr/>
+      </p:nvGrpSpPr>
+      <p:grpSpPr>
+        <a:xfrm>
+          <a:off x="0" y="0"/>
+          <a:ext cx="0" cy="0"/>
+          <a:chOff x="0" y="0"/>
+          <a:chExt cx="0" cy="0"/>
+        </a:xfrm>
+      </p:grpSpPr>
+      <p:sp>
+        <p:nvSpPr>
+          <p:cNvPr id="2" name="Title 1"/>
+          <p:cNvSpPr>
+            <a:spLocks noGrp="1"/>
+          </p:cNvSpPr>
+          <p:nvPr>
+            <p:ph type="title"/>
+          </p:nvPr>
+        </p:nvSpPr>
+        <p:spPr>
+          <a:xfrm>
+            <a:off x="457200" y="274638"/>
+            <a:ext cx="8229600" cy="439718"/>
+          </a:xfrm>
+          <a:ln>
+            <a:noFill/>
+          </a:ln>
+        </p:spPr>
+        <p:txBody>
+          <a:bodyPr>
+            <a:normAutofit fontScale="90000"/>
+          </a:bodyPr>
+          <a:lstStyle/>
+          <a:p>
+            <a:pPr algn="l"/>
+            <a:r>
+              <a:rPr lang="ru-RU" sz="3200" dirty="0" smtClean="0"/>
+              <a:t>Ремарка</a:t>
+            </a:r>
+            <a:endParaRPr lang="ru-RU" sz="3200" dirty="0"/>
+          </a:p>
+        </p:txBody>
+      </p:sp>
+      <p:cxnSp>
+        <p:nvCxnSpPr>
+          <p:cNvPr id="7" name="Straight Connector 6"/>
+          <p:cNvCxnSpPr/>
+          <p:nvPr/>
+        </p:nvCxnSpPr>
+        <p:spPr>
+          <a:xfrm>
+            <a:off x="428596" y="714356"/>
+            <a:ext cx="8286808" cy="1588"/>
+          </a:xfrm>
+          <a:prstGeom prst="line">
+            <a:avLst/>
+          </a:prstGeom>
+          <a:ln>
+            <a:solidFill>
+              <a:schemeClr val="tx1"/>
+            </a:solidFill>
+          </a:ln>
+        </p:spPr>
+        <p:style>
+          <a:lnRef idx="1">
+            <a:schemeClr val="accent1"/>
+          </a:lnRef>
+          <a:fillRef idx="0">
+            <a:schemeClr val="accent1"/>
+          </a:fillRef>
+          <a:effectRef idx="0">
+            <a:schemeClr val="accent1"/>
+          </a:effectRef>
+          <a:fontRef idx="minor">
+            <a:schemeClr val="tx1"/>
+          </a:fontRef>
+        </p:style>
+      </p:cxnSp>
+      <p:sp>
+        <p:nvSpPr>
+          <p:cNvPr id="10" name="TextBox 9"/>
+          <p:cNvSpPr txBox="1"/>
+          <p:nvPr/>
+        </p:nvSpPr>
+        <p:spPr>
+          <a:xfrm>
+            <a:off x="428596" y="1000108"/>
+            <a:ext cx="8286808" cy="338554"/>
+          </a:xfrm>
+          <a:prstGeom prst="rect">
+            <a:avLst/>
+          </a:prstGeom>
+          <a:noFill/>
+        </p:spPr>
+        <p:txBody>
+          <a:bodyPr wrap="square" rtlCol="0">
+            <a:spAutoFit/>
+          </a:bodyPr>
+          <a:lstStyle/>
+          <a:p>
+            <a:r>
+              <a:rPr lang="ru-RU" sz="1600" dirty="0" smtClean="0">
+                <a:cs typeface="Courier New" pitchFamily="49" charset="0"/>
+              </a:rPr>
+              <a:t>Если вы владеете системой контроля версий </a:t>
+            </a:r>
+            <a:r>
+              <a:rPr lang="en-US" sz="1600" dirty="0" smtClean="0">
+                <a:cs typeface="Courier New" pitchFamily="49" charset="0"/>
+              </a:rPr>
+              <a:t>GIT</a:t>
+            </a:r>
+            <a:r>
+              <a:rPr lang="ru-RU" sz="1600" dirty="0" smtClean="0">
+                <a:cs typeface="Courier New" pitchFamily="49" charset="0"/>
+              </a:rPr>
+              <a:t>, то целесообразно вести работы на </a:t>
+            </a:r>
+            <a:r>
+              <a:rPr lang="en-US" sz="1600" dirty="0" err="1" smtClean="0">
+                <a:cs typeface="Courier New" pitchFamily="49" charset="0"/>
+              </a:rPr>
+              <a:t>GitHub</a:t>
+            </a:r>
+            <a:r>
+              <a:rPr lang="en-US" sz="1600" dirty="0" smtClean="0">
+                <a:cs typeface="Courier New" pitchFamily="49" charset="0"/>
+              </a:rPr>
+              <a:t>’</a:t>
+            </a:r>
+            <a:r>
+              <a:rPr lang="ru-RU" sz="1600" dirty="0" smtClean="0">
+                <a:cs typeface="Courier New" pitchFamily="49" charset="0"/>
+              </a:rPr>
+              <a:t>е.</a:t>
+            </a:r>
+            <a:endParaRPr lang="en-US" sz="1600" dirty="0" smtClean="0">
+              <a:cs typeface="Courier New" pitchFamily="49" charset="0"/>
+            </a:endParaRPr>
+          </a:p>
+        </p:txBody>
+      </p:sp>
+    </p:spTree>
+    <p:extLst>
+      <p:ext uri="{BB962C8B-B14F-4D97-AF65-F5344CB8AC3E}">
+        <p14:creationId xmlns:p14="http://schemas.microsoft.com/office/powerpoint/2010/main" val="1977314301"/>
       </p:ext>
     </p:extLst>
   </p:cSld>
@@ -10418,7 +11319,7 @@
         <p:spPr>
           <a:xfrm>
             <a:off x="428596" y="1000108"/>
-            <a:ext cx="8286808" cy="3139321"/>
+            <a:ext cx="8286808" cy="3416320"/>
           </a:xfrm>
           <a:prstGeom prst="rect">
             <a:avLst/>
@@ -10487,8 +11388,27 @@
                   </a:schemeClr>
                 </a:solidFill>
               </a:rPr>
-              <a:t> Разбить логику приложения на слабо-связанные модули</a:t>
-            </a:r>
+              <a:t> Разбить логику приложения на слабо-связанные </a:t>
+            </a:r>
+            <a:r>
+              <a:rPr lang="ru-RU" dirty="0" smtClean="0">
+                <a:solidFill>
+                  <a:schemeClr val="tx1">
+                    <a:lumMod val="85000"/>
+                    <a:lumOff val="15000"/>
+                  </a:schemeClr>
+                </a:solidFill>
+              </a:rPr>
+              <a:t>модули, модули разбить на слои.</a:t>
+            </a:r>
+            <a:endParaRPr lang="ru-RU" dirty="0" smtClean="0">
+              <a:solidFill>
+                <a:schemeClr val="tx1">
+                  <a:lumMod val="85000"/>
+                  <a:lumOff val="15000"/>
+                </a:schemeClr>
+              </a:solidFill>
+            </a:endParaRPr>
           </a:p>
           <a:p>
             <a:pPr>
